--- a/НИР/Выступление 14.05.pptx
+++ b/НИР/Выступление 14.05.pptx
@@ -4,14 +4,25 @@
   <p:sldMasterIdLst>
     <p:sldMasterId id="2147483648" r:id="rId1"/>
   </p:sldMasterIdLst>
+  <p:notesMasterIdLst>
+    <p:notesMasterId r:id="rId17"/>
+  </p:notesMasterIdLst>
   <p:sldIdLst>
     <p:sldId id="256" r:id="rId2"/>
-    <p:sldId id="275" r:id="rId3"/>
-    <p:sldId id="276" r:id="rId4"/>
-    <p:sldId id="277" r:id="rId5"/>
-    <p:sldId id="259" r:id="rId6"/>
-    <p:sldId id="274" r:id="rId7"/>
-    <p:sldId id="258" r:id="rId8"/>
+    <p:sldId id="278" r:id="rId3"/>
+    <p:sldId id="279" r:id="rId4"/>
+    <p:sldId id="283" r:id="rId5"/>
+    <p:sldId id="280" r:id="rId6"/>
+    <p:sldId id="281" r:id="rId7"/>
+    <p:sldId id="275" r:id="rId8"/>
+    <p:sldId id="276" r:id="rId9"/>
+    <p:sldId id="277" r:id="rId10"/>
+    <p:sldId id="282" r:id="rId11"/>
+    <p:sldId id="284" r:id="rId12"/>
+    <p:sldId id="285" r:id="rId13"/>
+    <p:sldId id="286" r:id="rId14"/>
+    <p:sldId id="274" r:id="rId15"/>
+    <p:sldId id="258" r:id="rId16"/>
   </p:sldIdLst>
   <p:sldSz cx="9144000" cy="6858000" type="screen4x3"/>
   <p:notesSz cx="6858000" cy="9144000"/>
@@ -113,6 +124,1742 @@
 </p:presentation>
 </file>
 
+<file path=ppt/notesMasters/notesMaster1.xml><?xml version="1.0" encoding="utf-8"?>
+<p:notesMaster xmlns:a="http://schemas.openxmlformats.org/drawingml/2006/main" xmlns:r="http://schemas.openxmlformats.org/officeDocument/2006/relationships" xmlns:p="http://schemas.openxmlformats.org/presentationml/2006/main">
+  <p:cSld>
+    <p:bg>
+      <p:bgRef idx="1001">
+        <a:schemeClr val="bg1"/>
+      </p:bgRef>
+    </p:bg>
+    <p:spTree>
+      <p:nvGrpSpPr>
+        <p:cNvPr id="1" name=""/>
+        <p:cNvGrpSpPr/>
+        <p:nvPr/>
+      </p:nvGrpSpPr>
+      <p:grpSpPr>
+        <a:xfrm>
+          <a:off x="0" y="0"/>
+          <a:ext cx="0" cy="0"/>
+          <a:chOff x="0" y="0"/>
+          <a:chExt cx="0" cy="0"/>
+        </a:xfrm>
+      </p:grpSpPr>
+      <p:sp>
+        <p:nvSpPr>
+          <p:cNvPr id="2" name="Верхний колонтитул 1"/>
+          <p:cNvSpPr>
+            <a:spLocks noGrp="1"/>
+          </p:cNvSpPr>
+          <p:nvPr>
+            <p:ph type="hdr" sz="quarter"/>
+          </p:nvPr>
+        </p:nvSpPr>
+        <p:spPr>
+          <a:xfrm>
+            <a:off x="0" y="0"/>
+            <a:ext cx="2971800" cy="457200"/>
+          </a:xfrm>
+          <a:prstGeom prst="rect">
+            <a:avLst/>
+          </a:prstGeom>
+        </p:spPr>
+        <p:txBody>
+          <a:bodyPr vert="horz" lIns="91440" tIns="45720" rIns="91440" bIns="45720" rtlCol="0"/>
+          <a:lstStyle>
+            <a:lvl1pPr algn="l">
+              <a:defRPr sz="1200"/>
+            </a:lvl1pPr>
+          </a:lstStyle>
+          <a:p>
+            <a:endParaRPr lang="ru-RU"/>
+          </a:p>
+        </p:txBody>
+      </p:sp>
+      <p:sp>
+        <p:nvSpPr>
+          <p:cNvPr id="3" name="Дата 2"/>
+          <p:cNvSpPr>
+            <a:spLocks noGrp="1"/>
+          </p:cNvSpPr>
+          <p:nvPr>
+            <p:ph type="dt" idx="1"/>
+          </p:nvPr>
+        </p:nvSpPr>
+        <p:spPr>
+          <a:xfrm>
+            <a:off x="3884613" y="0"/>
+            <a:ext cx="2971800" cy="457200"/>
+          </a:xfrm>
+          <a:prstGeom prst="rect">
+            <a:avLst/>
+          </a:prstGeom>
+        </p:spPr>
+        <p:txBody>
+          <a:bodyPr vert="horz" lIns="91440" tIns="45720" rIns="91440" bIns="45720" rtlCol="0"/>
+          <a:lstStyle>
+            <a:lvl1pPr algn="r">
+              <a:defRPr sz="1200"/>
+            </a:lvl1pPr>
+          </a:lstStyle>
+          <a:p>
+            <a:fld id="{926BF514-3F67-4D35-A89C-255D561CA3F4}" type="datetimeFigureOut">
+              <a:rPr lang="ru-RU" smtClean="0"/>
+              <a:t>09.05.2019</a:t>
+            </a:fld>
+            <a:endParaRPr lang="ru-RU"/>
+          </a:p>
+        </p:txBody>
+      </p:sp>
+      <p:sp>
+        <p:nvSpPr>
+          <p:cNvPr id="4" name="Образ слайда 3"/>
+          <p:cNvSpPr>
+            <a:spLocks noGrp="1" noRot="1" noChangeAspect="1"/>
+          </p:cNvSpPr>
+          <p:nvPr>
+            <p:ph type="sldImg" idx="2"/>
+          </p:nvPr>
+        </p:nvSpPr>
+        <p:spPr>
+          <a:xfrm>
+            <a:off x="1143000" y="685800"/>
+            <a:ext cx="4572000" cy="3429000"/>
+          </a:xfrm>
+          <a:prstGeom prst="rect">
+            <a:avLst/>
+          </a:prstGeom>
+          <a:noFill/>
+          <a:ln w="12700">
+            <a:solidFill>
+              <a:prstClr val="black"/>
+            </a:solidFill>
+          </a:ln>
+        </p:spPr>
+        <p:txBody>
+          <a:bodyPr vert="horz" lIns="91440" tIns="45720" rIns="91440" bIns="45720" rtlCol="0" anchor="ctr"/>
+          <a:lstStyle/>
+          <a:p>
+            <a:endParaRPr lang="ru-RU"/>
+          </a:p>
+        </p:txBody>
+      </p:sp>
+      <p:sp>
+        <p:nvSpPr>
+          <p:cNvPr id="5" name="Заметки 4"/>
+          <p:cNvSpPr>
+            <a:spLocks noGrp="1"/>
+          </p:cNvSpPr>
+          <p:nvPr>
+            <p:ph type="body" sz="quarter" idx="3"/>
+          </p:nvPr>
+        </p:nvSpPr>
+        <p:spPr>
+          <a:xfrm>
+            <a:off x="685800" y="4343400"/>
+            <a:ext cx="5486400" cy="4114800"/>
+          </a:xfrm>
+          <a:prstGeom prst="rect">
+            <a:avLst/>
+          </a:prstGeom>
+        </p:spPr>
+        <p:txBody>
+          <a:bodyPr vert="horz" lIns="91440" tIns="45720" rIns="91440" bIns="45720" rtlCol="0"/>
+          <a:lstStyle/>
+          <a:p>
+            <a:pPr lvl="0"/>
+            <a:r>
+              <a:rPr lang="ru-RU" smtClean="0"/>
+              <a:t>Образец текста</a:t>
+            </a:r>
+          </a:p>
+          <a:p>
+            <a:pPr lvl="1"/>
+            <a:r>
+              <a:rPr lang="ru-RU" smtClean="0"/>
+              <a:t>Второй уровень</a:t>
+            </a:r>
+          </a:p>
+          <a:p>
+            <a:pPr lvl="2"/>
+            <a:r>
+              <a:rPr lang="ru-RU" smtClean="0"/>
+              <a:t>Третий уровень</a:t>
+            </a:r>
+          </a:p>
+          <a:p>
+            <a:pPr lvl="3"/>
+            <a:r>
+              <a:rPr lang="ru-RU" smtClean="0"/>
+              <a:t>Четвертый уровень</a:t>
+            </a:r>
+          </a:p>
+          <a:p>
+            <a:pPr lvl="4"/>
+            <a:r>
+              <a:rPr lang="ru-RU" smtClean="0"/>
+              <a:t>Пятый уровень</a:t>
+            </a:r>
+            <a:endParaRPr lang="ru-RU"/>
+          </a:p>
+        </p:txBody>
+      </p:sp>
+      <p:sp>
+        <p:nvSpPr>
+          <p:cNvPr id="6" name="Нижний колонтитул 5"/>
+          <p:cNvSpPr>
+            <a:spLocks noGrp="1"/>
+          </p:cNvSpPr>
+          <p:nvPr>
+            <p:ph type="ftr" sz="quarter" idx="4"/>
+          </p:nvPr>
+        </p:nvSpPr>
+        <p:spPr>
+          <a:xfrm>
+            <a:off x="0" y="8685213"/>
+            <a:ext cx="2971800" cy="457200"/>
+          </a:xfrm>
+          <a:prstGeom prst="rect">
+            <a:avLst/>
+          </a:prstGeom>
+        </p:spPr>
+        <p:txBody>
+          <a:bodyPr vert="horz" lIns="91440" tIns="45720" rIns="91440" bIns="45720" rtlCol="0" anchor="b"/>
+          <a:lstStyle>
+            <a:lvl1pPr algn="l">
+              <a:defRPr sz="1200"/>
+            </a:lvl1pPr>
+          </a:lstStyle>
+          <a:p>
+            <a:endParaRPr lang="ru-RU"/>
+          </a:p>
+        </p:txBody>
+      </p:sp>
+      <p:sp>
+        <p:nvSpPr>
+          <p:cNvPr id="7" name="Номер слайда 6"/>
+          <p:cNvSpPr>
+            <a:spLocks noGrp="1"/>
+          </p:cNvSpPr>
+          <p:nvPr>
+            <p:ph type="sldNum" sz="quarter" idx="5"/>
+          </p:nvPr>
+        </p:nvSpPr>
+        <p:spPr>
+          <a:xfrm>
+            <a:off x="3884613" y="8685213"/>
+            <a:ext cx="2971800" cy="457200"/>
+          </a:xfrm>
+          <a:prstGeom prst="rect">
+            <a:avLst/>
+          </a:prstGeom>
+        </p:spPr>
+        <p:txBody>
+          <a:bodyPr vert="horz" lIns="91440" tIns="45720" rIns="91440" bIns="45720" rtlCol="0" anchor="b"/>
+          <a:lstStyle>
+            <a:lvl1pPr algn="r">
+              <a:defRPr sz="1200"/>
+            </a:lvl1pPr>
+          </a:lstStyle>
+          <a:p>
+            <a:fld id="{2B017611-21B7-474E-A55D-EF90E5AE33A3}" type="slidenum">
+              <a:rPr lang="ru-RU" smtClean="0"/>
+              <a:t>‹#›</a:t>
+            </a:fld>
+            <a:endParaRPr lang="ru-RU"/>
+          </a:p>
+        </p:txBody>
+      </p:sp>
+    </p:spTree>
+    <p:extLst>
+      <p:ext uri="{BB962C8B-B14F-4D97-AF65-F5344CB8AC3E}">
+        <p14:creationId xmlns:p14="http://schemas.microsoft.com/office/powerpoint/2010/main" val="68511252"/>
+      </p:ext>
+    </p:extLst>
+  </p:cSld>
+  <p:clrMap bg1="lt1" tx1="dk1" bg2="lt2" tx2="dk2" accent1="accent1" accent2="accent2" accent3="accent3" accent4="accent4" accent5="accent5" accent6="accent6" hlink="hlink" folHlink="folHlink"/>
+  <p:notesStyle>
+    <a:lvl1pPr marL="0" algn="l" defTabSz="914400" rtl="0" eaLnBrk="1" latinLnBrk="0" hangingPunct="1">
+      <a:defRPr sz="1200" kern="1200">
+        <a:solidFill>
+          <a:schemeClr val="tx1"/>
+        </a:solidFill>
+        <a:latin typeface="+mn-lt"/>
+        <a:ea typeface="+mn-ea"/>
+        <a:cs typeface="+mn-cs"/>
+      </a:defRPr>
+    </a:lvl1pPr>
+    <a:lvl2pPr marL="457200" algn="l" defTabSz="914400" rtl="0" eaLnBrk="1" latinLnBrk="0" hangingPunct="1">
+      <a:defRPr sz="1200" kern="1200">
+        <a:solidFill>
+          <a:schemeClr val="tx1"/>
+        </a:solidFill>
+        <a:latin typeface="+mn-lt"/>
+        <a:ea typeface="+mn-ea"/>
+        <a:cs typeface="+mn-cs"/>
+      </a:defRPr>
+    </a:lvl2pPr>
+    <a:lvl3pPr marL="914400" algn="l" defTabSz="914400" rtl="0" eaLnBrk="1" latinLnBrk="0" hangingPunct="1">
+      <a:defRPr sz="1200" kern="1200">
+        <a:solidFill>
+          <a:schemeClr val="tx1"/>
+        </a:solidFill>
+        <a:latin typeface="+mn-lt"/>
+        <a:ea typeface="+mn-ea"/>
+        <a:cs typeface="+mn-cs"/>
+      </a:defRPr>
+    </a:lvl3pPr>
+    <a:lvl4pPr marL="1371600" algn="l" defTabSz="914400" rtl="0" eaLnBrk="1" latinLnBrk="0" hangingPunct="1">
+      <a:defRPr sz="1200" kern="1200">
+        <a:solidFill>
+          <a:schemeClr val="tx1"/>
+        </a:solidFill>
+        <a:latin typeface="+mn-lt"/>
+        <a:ea typeface="+mn-ea"/>
+        <a:cs typeface="+mn-cs"/>
+      </a:defRPr>
+    </a:lvl4pPr>
+    <a:lvl5pPr marL="1828800" algn="l" defTabSz="914400" rtl="0" eaLnBrk="1" latinLnBrk="0" hangingPunct="1">
+      <a:defRPr sz="1200" kern="1200">
+        <a:solidFill>
+          <a:schemeClr val="tx1"/>
+        </a:solidFill>
+        <a:latin typeface="+mn-lt"/>
+        <a:ea typeface="+mn-ea"/>
+        <a:cs typeface="+mn-cs"/>
+      </a:defRPr>
+    </a:lvl5pPr>
+    <a:lvl6pPr marL="2286000" algn="l" defTabSz="914400" rtl="0" eaLnBrk="1" latinLnBrk="0" hangingPunct="1">
+      <a:defRPr sz="1200" kern="1200">
+        <a:solidFill>
+          <a:schemeClr val="tx1"/>
+        </a:solidFill>
+        <a:latin typeface="+mn-lt"/>
+        <a:ea typeface="+mn-ea"/>
+        <a:cs typeface="+mn-cs"/>
+      </a:defRPr>
+    </a:lvl6pPr>
+    <a:lvl7pPr marL="2743200" algn="l" defTabSz="914400" rtl="0" eaLnBrk="1" latinLnBrk="0" hangingPunct="1">
+      <a:defRPr sz="1200" kern="1200">
+        <a:solidFill>
+          <a:schemeClr val="tx1"/>
+        </a:solidFill>
+        <a:latin typeface="+mn-lt"/>
+        <a:ea typeface="+mn-ea"/>
+        <a:cs typeface="+mn-cs"/>
+      </a:defRPr>
+    </a:lvl7pPr>
+    <a:lvl8pPr marL="3200400" algn="l" defTabSz="914400" rtl="0" eaLnBrk="1" latinLnBrk="0" hangingPunct="1">
+      <a:defRPr sz="1200" kern="1200">
+        <a:solidFill>
+          <a:schemeClr val="tx1"/>
+        </a:solidFill>
+        <a:latin typeface="+mn-lt"/>
+        <a:ea typeface="+mn-ea"/>
+        <a:cs typeface="+mn-cs"/>
+      </a:defRPr>
+    </a:lvl8pPr>
+    <a:lvl9pPr marL="3657600" algn="l" defTabSz="914400" rtl="0" eaLnBrk="1" latinLnBrk="0" hangingPunct="1">
+      <a:defRPr sz="1200" kern="1200">
+        <a:solidFill>
+          <a:schemeClr val="tx1"/>
+        </a:solidFill>
+        <a:latin typeface="+mn-lt"/>
+        <a:ea typeface="+mn-ea"/>
+        <a:cs typeface="+mn-cs"/>
+      </a:defRPr>
+    </a:lvl9pPr>
+  </p:notesStyle>
+</p:notesMaster>
+</file>
+
+<file path=ppt/notesSlides/notesSlide1.xml><?xml version="1.0" encoding="utf-8"?>
+<p:notes xmlns:a="http://schemas.openxmlformats.org/drawingml/2006/main" xmlns:r="http://schemas.openxmlformats.org/officeDocument/2006/relationships" xmlns:p="http://schemas.openxmlformats.org/presentationml/2006/main">
+  <p:cSld>
+    <p:spTree>
+      <p:nvGrpSpPr>
+        <p:cNvPr id="1" name=""/>
+        <p:cNvGrpSpPr/>
+        <p:nvPr/>
+      </p:nvGrpSpPr>
+      <p:grpSpPr>
+        <a:xfrm>
+          <a:off x="0" y="0"/>
+          <a:ext cx="0" cy="0"/>
+          <a:chOff x="0" y="0"/>
+          <a:chExt cx="0" cy="0"/>
+        </a:xfrm>
+      </p:grpSpPr>
+      <p:sp>
+        <p:nvSpPr>
+          <p:cNvPr id="2" name="Образ слайда 1"/>
+          <p:cNvSpPr>
+            <a:spLocks noGrp="1" noRot="1" noChangeAspect="1"/>
+          </p:cNvSpPr>
+          <p:nvPr>
+            <p:ph type="sldImg"/>
+          </p:nvPr>
+        </p:nvSpPr>
+        <p:spPr/>
+      </p:sp>
+      <p:sp>
+        <p:nvSpPr>
+          <p:cNvPr id="3" name="Заметки 2"/>
+          <p:cNvSpPr>
+            <a:spLocks noGrp="1"/>
+          </p:cNvSpPr>
+          <p:nvPr>
+            <p:ph type="body" idx="1"/>
+          </p:nvPr>
+        </p:nvSpPr>
+        <p:spPr/>
+        <p:txBody>
+          <a:bodyPr/>
+          <a:lstStyle/>
+          <a:p>
+            <a:pPr marL="0" marR="0" indent="0" algn="l" defTabSz="914400" rtl="0" eaLnBrk="1" fontAlgn="auto" latinLnBrk="0" hangingPunct="1">
+              <a:lnSpc>
+                <a:spcPct val="100000"/>
+              </a:lnSpc>
+              <a:spcBef>
+                <a:spcPts val="0"/>
+              </a:spcBef>
+              <a:spcAft>
+                <a:spcPts val="0"/>
+              </a:spcAft>
+              <a:buClrTx/>
+              <a:buSzTx/>
+              <a:buFontTx/>
+              <a:buNone/>
+              <a:tabLst/>
+              <a:defRPr/>
+            </a:pPr>
+            <a:r>
+              <a:rPr lang="ru-RU" sz="1200" kern="1200" dirty="0" smtClean="0">
+                <a:solidFill>
+                  <a:schemeClr val="tx1"/>
+                </a:solidFill>
+                <a:effectLst/>
+                <a:latin typeface="+mn-lt"/>
+                <a:ea typeface="+mn-ea"/>
+                <a:cs typeface="+mn-cs"/>
+              </a:rPr>
+              <a:t>Здравствуйте, меня зовут </a:t>
+            </a:r>
+            <a:r>
+              <a:rPr lang="ru-RU" sz="1200" kern="1200" dirty="0" err="1" smtClean="0">
+                <a:solidFill>
+                  <a:schemeClr val="tx1"/>
+                </a:solidFill>
+                <a:effectLst/>
+                <a:latin typeface="+mn-lt"/>
+                <a:ea typeface="+mn-ea"/>
+                <a:cs typeface="+mn-cs"/>
+              </a:rPr>
+              <a:t>Боталова</a:t>
+            </a:r>
+            <a:r>
+              <a:rPr lang="ru-RU" sz="1200" kern="1200" dirty="0" smtClean="0">
+                <a:solidFill>
+                  <a:schemeClr val="tx1"/>
+                </a:solidFill>
+                <a:effectLst/>
+                <a:latin typeface="+mn-lt"/>
+                <a:ea typeface="+mn-ea"/>
+                <a:cs typeface="+mn-cs"/>
+              </a:rPr>
+              <a:t> Юлия, студентка группы ИТСИ-17-1м и тема моей магистерской </a:t>
+            </a:r>
+            <a:r>
+              <a:rPr lang="ru-RU" sz="1200" kern="1200" dirty="0" err="1" smtClean="0">
+                <a:solidFill>
+                  <a:schemeClr val="tx1"/>
+                </a:solidFill>
+                <a:effectLst/>
+                <a:latin typeface="+mn-lt"/>
+                <a:ea typeface="+mn-ea"/>
+                <a:cs typeface="+mn-cs"/>
+              </a:rPr>
+              <a:t>диссертации:Разработка</a:t>
+            </a:r>
+            <a:r>
+              <a:rPr lang="ru-RU" sz="1200" kern="1200" dirty="0" smtClean="0">
+                <a:solidFill>
+                  <a:schemeClr val="tx1"/>
+                </a:solidFill>
+                <a:effectLst/>
+                <a:latin typeface="+mn-lt"/>
+                <a:ea typeface="+mn-ea"/>
+                <a:cs typeface="+mn-cs"/>
+              </a:rPr>
+              <a:t> общего подхода управления всеми видами технологической оснастки, используемых на предприятии «Редуктор-ПМ»</a:t>
+            </a:r>
+          </a:p>
+          <a:p>
+            <a:endParaRPr lang="ru-RU" dirty="0"/>
+          </a:p>
+        </p:txBody>
+      </p:sp>
+      <p:sp>
+        <p:nvSpPr>
+          <p:cNvPr id="4" name="Номер слайда 3"/>
+          <p:cNvSpPr>
+            <a:spLocks noGrp="1"/>
+          </p:cNvSpPr>
+          <p:nvPr>
+            <p:ph type="sldNum" sz="quarter" idx="10"/>
+          </p:nvPr>
+        </p:nvSpPr>
+        <p:spPr/>
+        <p:txBody>
+          <a:bodyPr/>
+          <a:lstStyle/>
+          <a:p>
+            <a:fld id="{2B017611-21B7-474E-A55D-EF90E5AE33A3}" type="slidenum">
+              <a:rPr lang="ru-RU" smtClean="0"/>
+              <a:t>1</a:t>
+            </a:fld>
+            <a:endParaRPr lang="ru-RU"/>
+          </a:p>
+        </p:txBody>
+      </p:sp>
+    </p:spTree>
+    <p:extLst>
+      <p:ext uri="{BB962C8B-B14F-4D97-AF65-F5344CB8AC3E}">
+        <p14:creationId xmlns:p14="http://schemas.microsoft.com/office/powerpoint/2010/main" val="823307728"/>
+      </p:ext>
+    </p:extLst>
+  </p:cSld>
+  <p:clrMapOvr>
+    <a:masterClrMapping/>
+  </p:clrMapOvr>
+</p:notes>
+</file>
+
+<file path=ppt/notesSlides/notesSlide2.xml><?xml version="1.0" encoding="utf-8"?>
+<p:notes xmlns:a="http://schemas.openxmlformats.org/drawingml/2006/main" xmlns:r="http://schemas.openxmlformats.org/officeDocument/2006/relationships" xmlns:p="http://schemas.openxmlformats.org/presentationml/2006/main">
+  <p:cSld>
+    <p:spTree>
+      <p:nvGrpSpPr>
+        <p:cNvPr id="1" name=""/>
+        <p:cNvGrpSpPr/>
+        <p:nvPr/>
+      </p:nvGrpSpPr>
+      <p:grpSpPr>
+        <a:xfrm>
+          <a:off x="0" y="0"/>
+          <a:ext cx="0" cy="0"/>
+          <a:chOff x="0" y="0"/>
+          <a:chExt cx="0" cy="0"/>
+        </a:xfrm>
+      </p:grpSpPr>
+      <p:sp>
+        <p:nvSpPr>
+          <p:cNvPr id="2" name="Образ слайда 1"/>
+          <p:cNvSpPr>
+            <a:spLocks noGrp="1" noRot="1" noChangeAspect="1"/>
+          </p:cNvSpPr>
+          <p:nvPr>
+            <p:ph type="sldImg"/>
+          </p:nvPr>
+        </p:nvSpPr>
+        <p:spPr/>
+      </p:sp>
+      <p:sp>
+        <p:nvSpPr>
+          <p:cNvPr id="3" name="Заметки 2"/>
+          <p:cNvSpPr>
+            <a:spLocks noGrp="1"/>
+          </p:cNvSpPr>
+          <p:nvPr>
+            <p:ph type="body" idx="1"/>
+          </p:nvPr>
+        </p:nvSpPr>
+        <p:spPr/>
+        <p:txBody>
+          <a:bodyPr>
+            <a:normAutofit/>
+          </a:bodyPr>
+          <a:lstStyle/>
+          <a:p>
+            <a:r>
+              <a:rPr lang="ru-RU" sz="1200" kern="1200" dirty="0" smtClean="0">
+                <a:solidFill>
+                  <a:schemeClr val="tx1"/>
+                </a:solidFill>
+                <a:effectLst/>
+                <a:latin typeface="+mn-lt"/>
+                <a:ea typeface="+mn-ea"/>
+                <a:cs typeface="+mn-cs"/>
+              </a:rPr>
+              <a:t>Для начала определимся с термином технологической оснастки.</a:t>
+            </a:r>
+          </a:p>
+          <a:p>
+            <a:r>
+              <a:rPr lang="ru-RU" sz="1200" kern="1200" dirty="0" smtClean="0">
+                <a:solidFill>
+                  <a:schemeClr val="tx1"/>
+                </a:solidFill>
+                <a:effectLst/>
+                <a:latin typeface="+mn-lt"/>
+                <a:ea typeface="+mn-ea"/>
+                <a:cs typeface="+mn-cs"/>
+              </a:rPr>
+              <a:t>ТО - Совокупность приспособлений для установки и закрепления заготовок и инструмента, выполнения сборочных операций, транспортирования заготовок, полуфабрикатов, деталей или изделий.</a:t>
+            </a:r>
+            <a:endParaRPr lang="ru-RU" sz="1200" dirty="0" smtClean="0"/>
+          </a:p>
+          <a:p>
+            <a:pPr marL="0" marR="0" indent="0" algn="l" defTabSz="914400" rtl="0" eaLnBrk="1" fontAlgn="auto" latinLnBrk="0" hangingPunct="1">
+              <a:lnSpc>
+                <a:spcPct val="100000"/>
+              </a:lnSpc>
+              <a:spcBef>
+                <a:spcPts val="0"/>
+              </a:spcBef>
+              <a:spcAft>
+                <a:spcPts val="0"/>
+              </a:spcAft>
+              <a:buClrTx/>
+              <a:buSzTx/>
+              <a:buFontTx/>
+              <a:buNone/>
+              <a:tabLst/>
+              <a:defRPr/>
+            </a:pPr>
+            <a:endParaRPr lang="ru-RU" sz="1200" dirty="0" smtClean="0"/>
+          </a:p>
+          <a:p>
+            <a:pPr marL="0" marR="0" indent="0" algn="l" defTabSz="914400" rtl="0" eaLnBrk="1" fontAlgn="auto" latinLnBrk="0" hangingPunct="1">
+              <a:lnSpc>
+                <a:spcPct val="100000"/>
+              </a:lnSpc>
+              <a:spcBef>
+                <a:spcPts val="0"/>
+              </a:spcBef>
+              <a:spcAft>
+                <a:spcPts val="0"/>
+              </a:spcAft>
+              <a:buClrTx/>
+              <a:buSzTx/>
+              <a:buFontTx/>
+              <a:buNone/>
+              <a:tabLst/>
+              <a:defRPr/>
+            </a:pPr>
+            <a:r>
+              <a:rPr lang="ru-RU" sz="1200" dirty="0" smtClean="0"/>
+              <a:t>Использование </a:t>
+            </a:r>
+            <a:r>
+              <a:rPr lang="ru-RU" sz="1200" dirty="0" smtClean="0"/>
+              <a:t>оснастки позволяет осуществлять дополнительную или специальную обработку и/или доработку выпускаемых изделий.</a:t>
+            </a:r>
+          </a:p>
+          <a:p>
+            <a:pPr marL="0" marR="0" indent="0" algn="l" defTabSz="914400" rtl="0" eaLnBrk="1" fontAlgn="auto" latinLnBrk="0" hangingPunct="1">
+              <a:lnSpc>
+                <a:spcPct val="100000"/>
+              </a:lnSpc>
+              <a:spcBef>
+                <a:spcPts val="0"/>
+              </a:spcBef>
+              <a:spcAft>
+                <a:spcPts val="0"/>
+              </a:spcAft>
+              <a:buClrTx/>
+              <a:buSzTx/>
+              <a:buFontTx/>
+              <a:buNone/>
+              <a:tabLst/>
+              <a:defRPr/>
+            </a:pPr>
+            <a:r>
+              <a:rPr lang="ru-RU" sz="1200" dirty="0" smtClean="0"/>
+              <a:t>Рисунок-</a:t>
+            </a:r>
+            <a:r>
+              <a:rPr lang="ru-RU" sz="1200" baseline="0" dirty="0" smtClean="0"/>
+              <a:t> технологическая оснастка бурильной колонны.</a:t>
+            </a:r>
+            <a:endParaRPr lang="ru-RU" sz="1200" dirty="0" smtClean="0"/>
+          </a:p>
+          <a:p>
+            <a:endParaRPr lang="ru-RU" i="1" dirty="0" smtClean="0"/>
+          </a:p>
+          <a:p>
+            <a:endParaRPr lang="ru-RU" i="1" baseline="0" dirty="0" smtClean="0"/>
+          </a:p>
+        </p:txBody>
+      </p:sp>
+      <p:sp>
+        <p:nvSpPr>
+          <p:cNvPr id="4" name="Номер слайда 3"/>
+          <p:cNvSpPr>
+            <a:spLocks noGrp="1"/>
+          </p:cNvSpPr>
+          <p:nvPr>
+            <p:ph type="sldNum" sz="quarter" idx="10"/>
+          </p:nvPr>
+        </p:nvSpPr>
+        <p:spPr/>
+        <p:txBody>
+          <a:bodyPr/>
+          <a:lstStyle/>
+          <a:p>
+            <a:fld id="{41C34633-F953-4FCD-8A89-411D4D64A93F}" type="slidenum">
+              <a:rPr lang="ru-RU" smtClean="0"/>
+              <a:pPr/>
+              <a:t>2</a:t>
+            </a:fld>
+            <a:endParaRPr lang="ru-RU"/>
+          </a:p>
+        </p:txBody>
+      </p:sp>
+    </p:spTree>
+  </p:cSld>
+  <p:clrMapOvr>
+    <a:masterClrMapping/>
+  </p:clrMapOvr>
+</p:notes>
+</file>
+
+<file path=ppt/notesSlides/notesSlide3.xml><?xml version="1.0" encoding="utf-8"?>
+<p:notes xmlns:a="http://schemas.openxmlformats.org/drawingml/2006/main" xmlns:r="http://schemas.openxmlformats.org/officeDocument/2006/relationships" xmlns:p="http://schemas.openxmlformats.org/presentationml/2006/main">
+  <p:cSld>
+    <p:spTree>
+      <p:nvGrpSpPr>
+        <p:cNvPr id="1" name=""/>
+        <p:cNvGrpSpPr/>
+        <p:nvPr/>
+      </p:nvGrpSpPr>
+      <p:grpSpPr>
+        <a:xfrm>
+          <a:off x="0" y="0"/>
+          <a:ext cx="0" cy="0"/>
+          <a:chOff x="0" y="0"/>
+          <a:chExt cx="0" cy="0"/>
+        </a:xfrm>
+      </p:grpSpPr>
+      <p:sp>
+        <p:nvSpPr>
+          <p:cNvPr id="2" name="Образ слайда 1"/>
+          <p:cNvSpPr>
+            <a:spLocks noGrp="1" noRot="1" noChangeAspect="1"/>
+          </p:cNvSpPr>
+          <p:nvPr>
+            <p:ph type="sldImg"/>
+          </p:nvPr>
+        </p:nvSpPr>
+        <p:spPr/>
+      </p:sp>
+      <p:sp>
+        <p:nvSpPr>
+          <p:cNvPr id="3" name="Заметки 2"/>
+          <p:cNvSpPr>
+            <a:spLocks noGrp="1"/>
+          </p:cNvSpPr>
+          <p:nvPr>
+            <p:ph type="body" idx="1"/>
+          </p:nvPr>
+        </p:nvSpPr>
+        <p:spPr/>
+        <p:txBody>
+          <a:bodyPr/>
+          <a:lstStyle/>
+          <a:p>
+            <a:r>
+              <a:rPr lang="ru-RU" sz="1200" kern="1200" dirty="0" smtClean="0">
+                <a:solidFill>
+                  <a:schemeClr val="tx1"/>
+                </a:solidFill>
+                <a:effectLst/>
+                <a:latin typeface="+mn-lt"/>
+                <a:ea typeface="+mn-ea"/>
+                <a:cs typeface="+mn-cs"/>
+              </a:rPr>
+              <a:t>Общей целью работы является создание общего подхода управления всеми видами технологической оснастки, используемых на предприятии Редуктор-ПМ.</a:t>
+            </a:r>
+          </a:p>
+          <a:p>
+            <a:r>
+              <a:rPr lang="ru-RU" sz="1200" kern="1200" dirty="0" smtClean="0">
+                <a:solidFill>
+                  <a:schemeClr val="tx1"/>
+                </a:solidFill>
+                <a:effectLst/>
+                <a:latin typeface="+mn-lt"/>
+                <a:ea typeface="+mn-ea"/>
+                <a:cs typeface="+mn-cs"/>
+              </a:rPr>
+              <a:t>Проблемой является отсутствие единой БД и единого подхода к управлению процессами ТО на Редуктор-ПМ.</a:t>
+            </a:r>
+          </a:p>
+        </p:txBody>
+      </p:sp>
+      <p:sp>
+        <p:nvSpPr>
+          <p:cNvPr id="4" name="Номер слайда 3"/>
+          <p:cNvSpPr>
+            <a:spLocks noGrp="1"/>
+          </p:cNvSpPr>
+          <p:nvPr>
+            <p:ph type="sldNum" sz="quarter" idx="10"/>
+          </p:nvPr>
+        </p:nvSpPr>
+        <p:spPr/>
+        <p:txBody>
+          <a:bodyPr/>
+          <a:lstStyle/>
+          <a:p>
+            <a:fld id="{2B017611-21B7-474E-A55D-EF90E5AE33A3}" type="slidenum">
+              <a:rPr lang="ru-RU" smtClean="0"/>
+              <a:t>3</a:t>
+            </a:fld>
+            <a:endParaRPr lang="ru-RU"/>
+          </a:p>
+        </p:txBody>
+      </p:sp>
+    </p:spTree>
+    <p:extLst>
+      <p:ext uri="{BB962C8B-B14F-4D97-AF65-F5344CB8AC3E}">
+        <p14:creationId xmlns:p14="http://schemas.microsoft.com/office/powerpoint/2010/main" val="224182243"/>
+      </p:ext>
+    </p:extLst>
+  </p:cSld>
+  <p:clrMapOvr>
+    <a:masterClrMapping/>
+  </p:clrMapOvr>
+</p:notes>
+</file>
+
+<file path=ppt/notesSlides/notesSlide4.xml><?xml version="1.0" encoding="utf-8"?>
+<p:notes xmlns:a="http://schemas.openxmlformats.org/drawingml/2006/main" xmlns:r="http://schemas.openxmlformats.org/officeDocument/2006/relationships" xmlns:p="http://schemas.openxmlformats.org/presentationml/2006/main">
+  <p:cSld>
+    <p:spTree>
+      <p:nvGrpSpPr>
+        <p:cNvPr id="1" name=""/>
+        <p:cNvGrpSpPr/>
+        <p:nvPr/>
+      </p:nvGrpSpPr>
+      <p:grpSpPr>
+        <a:xfrm>
+          <a:off x="0" y="0"/>
+          <a:ext cx="0" cy="0"/>
+          <a:chOff x="0" y="0"/>
+          <a:chExt cx="0" cy="0"/>
+        </a:xfrm>
+      </p:grpSpPr>
+      <p:sp>
+        <p:nvSpPr>
+          <p:cNvPr id="2" name="Образ слайда 1"/>
+          <p:cNvSpPr>
+            <a:spLocks noGrp="1" noRot="1" noChangeAspect="1"/>
+          </p:cNvSpPr>
+          <p:nvPr>
+            <p:ph type="sldImg"/>
+          </p:nvPr>
+        </p:nvSpPr>
+        <p:spPr/>
+      </p:sp>
+      <p:sp>
+        <p:nvSpPr>
+          <p:cNvPr id="3" name="Заметки 2"/>
+          <p:cNvSpPr>
+            <a:spLocks noGrp="1"/>
+          </p:cNvSpPr>
+          <p:nvPr>
+            <p:ph type="body" idx="1"/>
+          </p:nvPr>
+        </p:nvSpPr>
+        <p:spPr/>
+        <p:txBody>
+          <a:bodyPr/>
+          <a:lstStyle/>
+          <a:p>
+            <a:pPr marL="0" marR="0" indent="0" algn="l" defTabSz="914400" rtl="0" eaLnBrk="1" fontAlgn="auto" latinLnBrk="0" hangingPunct="1">
+              <a:lnSpc>
+                <a:spcPct val="100000"/>
+              </a:lnSpc>
+              <a:spcBef>
+                <a:spcPts val="0"/>
+              </a:spcBef>
+              <a:spcAft>
+                <a:spcPts val="0"/>
+              </a:spcAft>
+              <a:buClrTx/>
+              <a:buSzTx/>
+              <a:buFontTx/>
+              <a:buNone/>
+              <a:tabLst/>
+              <a:defRPr/>
+            </a:pPr>
+            <a:r>
+              <a:rPr lang="ru-RU" dirty="0" smtClean="0"/>
+              <a:t>Предпосылк</a:t>
+            </a:r>
+            <a:r>
+              <a:rPr lang="ru-RU" dirty="0" smtClean="0"/>
+              <a:t>ами создания</a:t>
+            </a:r>
+            <a:r>
+              <a:rPr lang="ru-RU" baseline="0" dirty="0" smtClean="0"/>
+              <a:t> системы являются:</a:t>
+            </a:r>
+            <a:endParaRPr lang="ru-RU" dirty="0" smtClean="0"/>
+          </a:p>
+          <a:p>
+            <a:endParaRPr lang="ru-RU" dirty="0" smtClean="0"/>
+          </a:p>
+          <a:p>
+            <a:pPr algn="just"/>
+            <a:r>
+              <a:rPr lang="ru-RU" dirty="0" smtClean="0"/>
+              <a:t>Отсутствие полной технической информации о ТО </a:t>
+            </a:r>
+          </a:p>
+          <a:p>
+            <a:pPr algn="just"/>
+            <a:r>
+              <a:rPr lang="ru-RU" dirty="0" smtClean="0"/>
+              <a:t>Временные затраты кладовщиков, конструкторов, технологов, программистов на взаимодействие между собой</a:t>
+            </a:r>
+          </a:p>
+          <a:p>
+            <a:pPr algn="just"/>
+            <a:r>
+              <a:rPr lang="ru-RU" dirty="0" smtClean="0"/>
+              <a:t>Временные затраты на добавление, изменение, согласование разной документации</a:t>
+            </a:r>
+          </a:p>
+          <a:p>
+            <a:pPr algn="just"/>
+            <a:r>
+              <a:rPr lang="ru-RU" dirty="0" smtClean="0"/>
+              <a:t>Большие складские площади</a:t>
+            </a:r>
+          </a:p>
+          <a:p>
+            <a:pPr algn="just"/>
+            <a:r>
+              <a:rPr lang="ru-RU" dirty="0" smtClean="0"/>
+              <a:t>Небрежное отношение рабочих к ТО</a:t>
+            </a:r>
+          </a:p>
+          <a:p>
+            <a:pPr algn="just"/>
+            <a:endParaRPr lang="ru-RU" dirty="0" smtClean="0"/>
+          </a:p>
+          <a:p>
+            <a:pPr algn="just"/>
+            <a:endParaRPr lang="ru-RU" dirty="0" smtClean="0"/>
+          </a:p>
+        </p:txBody>
+      </p:sp>
+      <p:sp>
+        <p:nvSpPr>
+          <p:cNvPr id="4" name="Номер слайда 3"/>
+          <p:cNvSpPr>
+            <a:spLocks noGrp="1"/>
+          </p:cNvSpPr>
+          <p:nvPr>
+            <p:ph type="sldNum" sz="quarter" idx="10"/>
+          </p:nvPr>
+        </p:nvSpPr>
+        <p:spPr/>
+        <p:txBody>
+          <a:bodyPr/>
+          <a:lstStyle/>
+          <a:p>
+            <a:fld id="{2B017611-21B7-474E-A55D-EF90E5AE33A3}" type="slidenum">
+              <a:rPr lang="ru-RU" smtClean="0"/>
+              <a:t>4</a:t>
+            </a:fld>
+            <a:endParaRPr lang="ru-RU"/>
+          </a:p>
+        </p:txBody>
+      </p:sp>
+    </p:spTree>
+    <p:extLst>
+      <p:ext uri="{BB962C8B-B14F-4D97-AF65-F5344CB8AC3E}">
+        <p14:creationId xmlns:p14="http://schemas.microsoft.com/office/powerpoint/2010/main" val="2935596941"/>
+      </p:ext>
+    </p:extLst>
+  </p:cSld>
+  <p:clrMapOvr>
+    <a:masterClrMapping/>
+  </p:clrMapOvr>
+</p:notes>
+</file>
+
+<file path=ppt/notesSlides/notesSlide5.xml><?xml version="1.0" encoding="utf-8"?>
+<p:notes xmlns:a="http://schemas.openxmlformats.org/drawingml/2006/main" xmlns:r="http://schemas.openxmlformats.org/officeDocument/2006/relationships" xmlns:p="http://schemas.openxmlformats.org/presentationml/2006/main">
+  <p:cSld>
+    <p:spTree>
+      <p:nvGrpSpPr>
+        <p:cNvPr id="1" name=""/>
+        <p:cNvGrpSpPr/>
+        <p:nvPr/>
+      </p:nvGrpSpPr>
+      <p:grpSpPr>
+        <a:xfrm>
+          <a:off x="0" y="0"/>
+          <a:ext cx="0" cy="0"/>
+          <a:chOff x="0" y="0"/>
+          <a:chExt cx="0" cy="0"/>
+        </a:xfrm>
+      </p:grpSpPr>
+      <p:sp>
+        <p:nvSpPr>
+          <p:cNvPr id="2" name="Образ слайда 1"/>
+          <p:cNvSpPr>
+            <a:spLocks noGrp="1" noRot="1" noChangeAspect="1"/>
+          </p:cNvSpPr>
+          <p:nvPr>
+            <p:ph type="sldImg"/>
+          </p:nvPr>
+        </p:nvSpPr>
+        <p:spPr/>
+      </p:sp>
+      <p:sp>
+        <p:nvSpPr>
+          <p:cNvPr id="3" name="Заметки 2"/>
+          <p:cNvSpPr>
+            <a:spLocks noGrp="1"/>
+          </p:cNvSpPr>
+          <p:nvPr>
+            <p:ph type="body" idx="1"/>
+          </p:nvPr>
+        </p:nvSpPr>
+        <p:spPr/>
+        <p:txBody>
+          <a:bodyPr/>
+          <a:lstStyle/>
+          <a:p>
+            <a:r>
+              <a:rPr lang="ru-RU" sz="1200" kern="1200" dirty="0" smtClean="0">
+                <a:solidFill>
+                  <a:schemeClr val="tx1"/>
+                </a:solidFill>
+                <a:effectLst/>
+                <a:latin typeface="+mn-lt"/>
+                <a:ea typeface="+mn-ea"/>
+                <a:cs typeface="+mn-cs"/>
+              </a:rPr>
+              <a:t>Задачи передо мной стояли следующие:</a:t>
+            </a:r>
+          </a:p>
+          <a:p>
+            <a:pPr lvl="0"/>
+            <a:r>
+              <a:rPr lang="ru-RU" sz="1200" kern="1200" dirty="0" smtClean="0">
+                <a:solidFill>
+                  <a:schemeClr val="tx1"/>
+                </a:solidFill>
+                <a:effectLst/>
+                <a:latin typeface="+mn-lt"/>
+                <a:ea typeface="+mn-ea"/>
+                <a:cs typeface="+mn-cs"/>
+              </a:rPr>
+              <a:t>1) Разобраться с предметной областью</a:t>
+            </a:r>
+          </a:p>
+          <a:p>
+            <a:pPr lvl="0"/>
+            <a:r>
+              <a:rPr lang="ru-RU" sz="1200" kern="1200" dirty="0" smtClean="0">
+                <a:solidFill>
+                  <a:schemeClr val="tx1"/>
+                </a:solidFill>
+                <a:effectLst/>
+                <a:latin typeface="+mn-lt"/>
+                <a:ea typeface="+mn-ea"/>
+                <a:cs typeface="+mn-cs"/>
+              </a:rPr>
+              <a:t>2) Создать классификатор ТО. Что значит создать? Узнать, какие методы обработки металлов существуют на предприятии, какие операции обработки металлов производят, также распределить всю имеющуюся ТО по типам и видам</a:t>
+            </a:r>
+          </a:p>
+          <a:p>
+            <a:pPr lvl="0"/>
+            <a:r>
+              <a:rPr lang="ru-RU" sz="1200" kern="1200" dirty="0" smtClean="0">
+                <a:solidFill>
+                  <a:schemeClr val="tx1"/>
+                </a:solidFill>
+                <a:effectLst/>
+                <a:latin typeface="+mn-lt"/>
+                <a:ea typeface="+mn-ea"/>
+                <a:cs typeface="+mn-cs"/>
+              </a:rPr>
+              <a:t>3) Спроектировать базу данных для хранения всей информации о ТО и о дополнительном материала</a:t>
+            </a:r>
+          </a:p>
+          <a:p>
+            <a:pPr lvl="0"/>
+            <a:r>
+              <a:rPr lang="ru-RU" sz="1200" kern="1200" dirty="0" smtClean="0">
+                <a:solidFill>
+                  <a:schemeClr val="tx1"/>
+                </a:solidFill>
+                <a:effectLst/>
+                <a:latin typeface="+mn-lt"/>
+                <a:ea typeface="+mn-ea"/>
+                <a:cs typeface="+mn-cs"/>
+              </a:rPr>
+              <a:t>4) Спроектировать интерфейс системы</a:t>
+            </a:r>
+          </a:p>
+          <a:p>
+            <a:pPr lvl="0"/>
+            <a:r>
+              <a:rPr lang="ru-RU" sz="1200" kern="1200" dirty="0" smtClean="0">
+                <a:solidFill>
+                  <a:schemeClr val="tx1"/>
+                </a:solidFill>
+                <a:effectLst/>
+                <a:latin typeface="+mn-lt"/>
+                <a:ea typeface="+mn-ea"/>
+                <a:cs typeface="+mn-cs"/>
+              </a:rPr>
+              <a:t>5) Разработать модуль системы по заполнению информации в базу данных</a:t>
+            </a:r>
+          </a:p>
+          <a:p>
+            <a:endParaRPr lang="ru-RU" dirty="0" smtClean="0"/>
+          </a:p>
+          <a:p>
+            <a:endParaRPr lang="ru-RU" dirty="0"/>
+          </a:p>
+        </p:txBody>
+      </p:sp>
+      <p:sp>
+        <p:nvSpPr>
+          <p:cNvPr id="4" name="Номер слайда 3"/>
+          <p:cNvSpPr>
+            <a:spLocks noGrp="1"/>
+          </p:cNvSpPr>
+          <p:nvPr>
+            <p:ph type="sldNum" sz="quarter" idx="10"/>
+          </p:nvPr>
+        </p:nvSpPr>
+        <p:spPr/>
+        <p:txBody>
+          <a:bodyPr/>
+          <a:lstStyle/>
+          <a:p>
+            <a:fld id="{2B017611-21B7-474E-A55D-EF90E5AE33A3}" type="slidenum">
+              <a:rPr lang="ru-RU" smtClean="0"/>
+              <a:t>5</a:t>
+            </a:fld>
+            <a:endParaRPr lang="ru-RU"/>
+          </a:p>
+        </p:txBody>
+      </p:sp>
+    </p:spTree>
+    <p:extLst>
+      <p:ext uri="{BB962C8B-B14F-4D97-AF65-F5344CB8AC3E}">
+        <p14:creationId xmlns:p14="http://schemas.microsoft.com/office/powerpoint/2010/main" val="1573350293"/>
+      </p:ext>
+    </p:extLst>
+  </p:cSld>
+  <p:clrMapOvr>
+    <a:masterClrMapping/>
+  </p:clrMapOvr>
+</p:notes>
+</file>
+
+<file path=ppt/notesSlides/notesSlide6.xml><?xml version="1.0" encoding="utf-8"?>
+<p:notes xmlns:a="http://schemas.openxmlformats.org/drawingml/2006/main" xmlns:r="http://schemas.openxmlformats.org/officeDocument/2006/relationships" xmlns:p="http://schemas.openxmlformats.org/presentationml/2006/main">
+  <p:cSld>
+    <p:spTree>
+      <p:nvGrpSpPr>
+        <p:cNvPr id="1" name=""/>
+        <p:cNvGrpSpPr/>
+        <p:nvPr/>
+      </p:nvGrpSpPr>
+      <p:grpSpPr>
+        <a:xfrm>
+          <a:off x="0" y="0"/>
+          <a:ext cx="0" cy="0"/>
+          <a:chOff x="0" y="0"/>
+          <a:chExt cx="0" cy="0"/>
+        </a:xfrm>
+      </p:grpSpPr>
+      <p:sp>
+        <p:nvSpPr>
+          <p:cNvPr id="2" name="Образ слайда 1"/>
+          <p:cNvSpPr>
+            <a:spLocks noGrp="1" noRot="1" noChangeAspect="1"/>
+          </p:cNvSpPr>
+          <p:nvPr>
+            <p:ph type="sldImg"/>
+          </p:nvPr>
+        </p:nvSpPr>
+        <p:spPr/>
+      </p:sp>
+      <p:sp>
+        <p:nvSpPr>
+          <p:cNvPr id="3" name="Заметки 2"/>
+          <p:cNvSpPr>
+            <a:spLocks noGrp="1"/>
+          </p:cNvSpPr>
+          <p:nvPr>
+            <p:ph type="body" idx="1"/>
+          </p:nvPr>
+        </p:nvSpPr>
+        <p:spPr/>
+        <p:txBody>
+          <a:bodyPr/>
+          <a:lstStyle/>
+          <a:p>
+            <a:r>
+              <a:rPr lang="ru-RU" dirty="0" smtClean="0">
+                <a:effectLst/>
+              </a:rPr>
+              <a:t>Существует альтернативная система </a:t>
+            </a:r>
+            <a:r>
+              <a:rPr lang="en-US" dirty="0" smtClean="0">
+                <a:effectLst/>
+              </a:rPr>
+              <a:t>Inter</a:t>
+            </a:r>
+            <a:r>
+              <a:rPr lang="ru-RU" dirty="0" smtClean="0">
+                <a:effectLst/>
+              </a:rPr>
+              <a:t>..</a:t>
+            </a:r>
+          </a:p>
+          <a:p>
+            <a:r>
+              <a:rPr lang="ru-RU" dirty="0" smtClean="0">
+                <a:effectLst/>
+              </a:rPr>
+              <a:t>На примере экспертной системы </a:t>
+            </a:r>
+            <a:r>
+              <a:rPr lang="en-US" dirty="0" smtClean="0">
+                <a:effectLst/>
+              </a:rPr>
+              <a:t>Inter</a:t>
+            </a:r>
+            <a:r>
+              <a:rPr lang="ru-RU" dirty="0" smtClean="0">
+                <a:effectLst/>
+              </a:rPr>
+              <a:t> [5] можно увидеть, что для каждого приспособления прописываются определённые параметры (рисунок 1), благодаря которым в базе знаний прописываются правила (рисунок 2).</a:t>
+            </a:r>
+          </a:p>
+          <a:p>
+            <a:r>
+              <a:rPr lang="ru-RU" dirty="0" smtClean="0">
+                <a:effectLst/>
+              </a:rPr>
+              <a:t>В</a:t>
+            </a:r>
+            <a:r>
+              <a:rPr lang="ru-RU" baseline="0" dirty="0" smtClean="0">
+                <a:effectLst/>
+              </a:rPr>
+              <a:t> чем будет уникальность нашей системы?</a:t>
+            </a:r>
+            <a:r>
+              <a:rPr lang="ru-RU" dirty="0" smtClean="0">
+                <a:effectLst/>
+              </a:rPr>
+              <a:t> Что она будет предназначаться для предприятия «Редуктор-ПМ». </a:t>
+            </a:r>
+            <a:endParaRPr lang="ru-RU" dirty="0"/>
+          </a:p>
+        </p:txBody>
+      </p:sp>
+      <p:sp>
+        <p:nvSpPr>
+          <p:cNvPr id="4" name="Номер слайда 3"/>
+          <p:cNvSpPr>
+            <a:spLocks noGrp="1"/>
+          </p:cNvSpPr>
+          <p:nvPr>
+            <p:ph type="sldNum" sz="quarter" idx="10"/>
+          </p:nvPr>
+        </p:nvSpPr>
+        <p:spPr/>
+        <p:txBody>
+          <a:bodyPr/>
+          <a:lstStyle/>
+          <a:p>
+            <a:fld id="{2B017611-21B7-474E-A55D-EF90E5AE33A3}" type="slidenum">
+              <a:rPr lang="ru-RU" smtClean="0"/>
+              <a:t>6</a:t>
+            </a:fld>
+            <a:endParaRPr lang="ru-RU"/>
+          </a:p>
+        </p:txBody>
+      </p:sp>
+    </p:spTree>
+    <p:extLst>
+      <p:ext uri="{BB962C8B-B14F-4D97-AF65-F5344CB8AC3E}">
+        <p14:creationId xmlns:p14="http://schemas.microsoft.com/office/powerpoint/2010/main" val="1026400350"/>
+      </p:ext>
+    </p:extLst>
+  </p:cSld>
+  <p:clrMapOvr>
+    <a:masterClrMapping/>
+  </p:clrMapOvr>
+</p:notes>
+</file>
+
+<file path=ppt/notesSlides/notesSlide7.xml><?xml version="1.0" encoding="utf-8"?>
+<p:notes xmlns:a="http://schemas.openxmlformats.org/drawingml/2006/main" xmlns:r="http://schemas.openxmlformats.org/officeDocument/2006/relationships" xmlns:p="http://schemas.openxmlformats.org/presentationml/2006/main">
+  <p:cSld>
+    <p:spTree>
+      <p:nvGrpSpPr>
+        <p:cNvPr id="1" name=""/>
+        <p:cNvGrpSpPr/>
+        <p:nvPr/>
+      </p:nvGrpSpPr>
+      <p:grpSpPr>
+        <a:xfrm>
+          <a:off x="0" y="0"/>
+          <a:ext cx="0" cy="0"/>
+          <a:chOff x="0" y="0"/>
+          <a:chExt cx="0" cy="0"/>
+        </a:xfrm>
+      </p:grpSpPr>
+      <p:sp>
+        <p:nvSpPr>
+          <p:cNvPr id="2" name="Образ слайда 1"/>
+          <p:cNvSpPr>
+            <a:spLocks noGrp="1" noRot="1" noChangeAspect="1"/>
+          </p:cNvSpPr>
+          <p:nvPr>
+            <p:ph type="sldImg"/>
+          </p:nvPr>
+        </p:nvSpPr>
+        <p:spPr/>
+      </p:sp>
+      <p:sp>
+        <p:nvSpPr>
+          <p:cNvPr id="3" name="Заметки 2"/>
+          <p:cNvSpPr>
+            <a:spLocks noGrp="1"/>
+          </p:cNvSpPr>
+          <p:nvPr>
+            <p:ph type="body" idx="1"/>
+          </p:nvPr>
+        </p:nvSpPr>
+        <p:spPr/>
+        <p:txBody>
+          <a:bodyPr/>
+          <a:lstStyle/>
+          <a:p>
+            <a:r>
+              <a:rPr lang="ru-RU" sz="1200" kern="1200" dirty="0" smtClean="0">
+                <a:solidFill>
+                  <a:schemeClr val="tx1"/>
+                </a:solidFill>
+                <a:effectLst/>
+                <a:latin typeface="+mn-lt"/>
+                <a:ea typeface="+mn-ea"/>
+                <a:cs typeface="+mn-cs"/>
+              </a:rPr>
+              <a:t>У любого приспособления есть свои параметры, своя последовательность действий, нужны определённые станки и цех при создании. Одни параметры можно измерить, другие рассчитать, а третьи вообще могут быть не известны. Чтобы описать весь этот алгоритм действий, необходимо создать метод автоматического подбора технологической оснастки для производства проектируемого приспособления.</a:t>
+            </a:r>
+          </a:p>
+          <a:p>
+            <a:r>
+              <a:rPr lang="ru-RU" sz="1200" b="1" i="1" kern="1200" dirty="0" smtClean="0">
+                <a:solidFill>
+                  <a:schemeClr val="tx1"/>
+                </a:solidFill>
+                <a:effectLst/>
+                <a:latin typeface="+mn-lt"/>
+                <a:ea typeface="+mn-ea"/>
+                <a:cs typeface="+mn-cs"/>
+              </a:rPr>
+              <a:t>Содержательная постановка</a:t>
+            </a:r>
+            <a:r>
+              <a:rPr lang="ru-RU" sz="1200" kern="1200" dirty="0" smtClean="0">
+                <a:solidFill>
+                  <a:schemeClr val="tx1"/>
+                </a:solidFill>
+                <a:effectLst/>
+                <a:latin typeface="+mn-lt"/>
+                <a:ea typeface="+mn-ea"/>
+                <a:cs typeface="+mn-cs"/>
+              </a:rPr>
+              <a:t>: Найти метод, который позволяет автоматически подбирать технологическую оснастку для производства, если она имеется в наличии. Если таковой нет, то вести подбор так, чтоб проектируемая модель технологической оснастки была максимально близка к необходимой технологической оснастке.</a:t>
+            </a:r>
+          </a:p>
+          <a:p>
+            <a:endParaRPr lang="ru-RU" dirty="0"/>
+          </a:p>
+        </p:txBody>
+      </p:sp>
+      <p:sp>
+        <p:nvSpPr>
+          <p:cNvPr id="4" name="Номер слайда 3"/>
+          <p:cNvSpPr>
+            <a:spLocks noGrp="1"/>
+          </p:cNvSpPr>
+          <p:nvPr>
+            <p:ph type="sldNum" sz="quarter" idx="10"/>
+          </p:nvPr>
+        </p:nvSpPr>
+        <p:spPr/>
+        <p:txBody>
+          <a:bodyPr/>
+          <a:lstStyle/>
+          <a:p>
+            <a:fld id="{2B017611-21B7-474E-A55D-EF90E5AE33A3}" type="slidenum">
+              <a:rPr lang="ru-RU" smtClean="0"/>
+              <a:t>7</a:t>
+            </a:fld>
+            <a:endParaRPr lang="ru-RU"/>
+          </a:p>
+        </p:txBody>
+      </p:sp>
+    </p:spTree>
+    <p:extLst>
+      <p:ext uri="{BB962C8B-B14F-4D97-AF65-F5344CB8AC3E}">
+        <p14:creationId xmlns:p14="http://schemas.microsoft.com/office/powerpoint/2010/main" val="542337663"/>
+      </p:ext>
+    </p:extLst>
+  </p:cSld>
+  <p:clrMapOvr>
+    <a:masterClrMapping/>
+  </p:clrMapOvr>
+</p:notes>
+</file>
+
+<file path=ppt/notesSlides/notesSlide8.xml><?xml version="1.0" encoding="utf-8"?>
+<p:notes xmlns:a="http://schemas.openxmlformats.org/drawingml/2006/main" xmlns:r="http://schemas.openxmlformats.org/officeDocument/2006/relationships" xmlns:p="http://schemas.openxmlformats.org/presentationml/2006/main">
+  <p:cSld>
+    <p:spTree>
+      <p:nvGrpSpPr>
+        <p:cNvPr id="1" name=""/>
+        <p:cNvGrpSpPr/>
+        <p:nvPr/>
+      </p:nvGrpSpPr>
+      <p:grpSpPr>
+        <a:xfrm>
+          <a:off x="0" y="0"/>
+          <a:ext cx="0" cy="0"/>
+          <a:chOff x="0" y="0"/>
+          <a:chExt cx="0" cy="0"/>
+        </a:xfrm>
+      </p:grpSpPr>
+      <p:sp>
+        <p:nvSpPr>
+          <p:cNvPr id="2" name="Образ слайда 1"/>
+          <p:cNvSpPr>
+            <a:spLocks noGrp="1" noRot="1" noChangeAspect="1"/>
+          </p:cNvSpPr>
+          <p:nvPr>
+            <p:ph type="sldImg"/>
+          </p:nvPr>
+        </p:nvSpPr>
+        <p:spPr/>
+      </p:sp>
+      <p:sp>
+        <p:nvSpPr>
+          <p:cNvPr id="3" name="Заметки 2"/>
+          <p:cNvSpPr>
+            <a:spLocks noGrp="1"/>
+          </p:cNvSpPr>
+          <p:nvPr>
+            <p:ph type="body" idx="1"/>
+          </p:nvPr>
+        </p:nvSpPr>
+        <p:spPr/>
+        <p:txBody>
+          <a:bodyPr/>
+          <a:lstStyle/>
+          <a:p>
+            <a:r>
+              <a:rPr lang="ru-RU" dirty="0" smtClean="0"/>
+              <a:t>Неполный список требований</a:t>
+            </a:r>
+            <a:r>
+              <a:rPr lang="ru-RU" baseline="0" dirty="0" smtClean="0"/>
+              <a:t> к системе перечислены на слайде. Отмечу то, что требования касаются электронного ведения документооборота – согласование, формирование, ведения электронного справочника. Также автоматизации подбора и поиска ТО. Оптимизации хранения и закупок.</a:t>
+            </a:r>
+            <a:endParaRPr lang="ru-RU" dirty="0"/>
+          </a:p>
+        </p:txBody>
+      </p:sp>
+      <p:sp>
+        <p:nvSpPr>
+          <p:cNvPr id="4" name="Номер слайда 3"/>
+          <p:cNvSpPr>
+            <a:spLocks noGrp="1"/>
+          </p:cNvSpPr>
+          <p:nvPr>
+            <p:ph type="sldNum" sz="quarter" idx="10"/>
+          </p:nvPr>
+        </p:nvSpPr>
+        <p:spPr/>
+        <p:txBody>
+          <a:bodyPr/>
+          <a:lstStyle/>
+          <a:p>
+            <a:fld id="{2B017611-21B7-474E-A55D-EF90E5AE33A3}" type="slidenum">
+              <a:rPr lang="ru-RU" smtClean="0"/>
+              <a:t>10</a:t>
+            </a:fld>
+            <a:endParaRPr lang="ru-RU"/>
+          </a:p>
+        </p:txBody>
+      </p:sp>
+    </p:spTree>
+    <p:extLst>
+      <p:ext uri="{BB962C8B-B14F-4D97-AF65-F5344CB8AC3E}">
+        <p14:creationId xmlns:p14="http://schemas.microsoft.com/office/powerpoint/2010/main" val="1336362665"/>
+      </p:ext>
+    </p:extLst>
+  </p:cSld>
+  <p:clrMapOvr>
+    <a:masterClrMapping/>
+  </p:clrMapOvr>
+</p:notes>
+</file>
+
+<file path=ppt/notesSlides/notesSlide9.xml><?xml version="1.0" encoding="utf-8"?>
+<p:notes xmlns:a="http://schemas.openxmlformats.org/drawingml/2006/main" xmlns:r="http://schemas.openxmlformats.org/officeDocument/2006/relationships" xmlns:p="http://schemas.openxmlformats.org/presentationml/2006/main">
+  <p:cSld>
+    <p:spTree>
+      <p:nvGrpSpPr>
+        <p:cNvPr id="1" name=""/>
+        <p:cNvGrpSpPr/>
+        <p:nvPr/>
+      </p:nvGrpSpPr>
+      <p:grpSpPr>
+        <a:xfrm>
+          <a:off x="0" y="0"/>
+          <a:ext cx="0" cy="0"/>
+          <a:chOff x="0" y="0"/>
+          <a:chExt cx="0" cy="0"/>
+        </a:xfrm>
+      </p:grpSpPr>
+      <p:sp>
+        <p:nvSpPr>
+          <p:cNvPr id="2" name="Образ слайда 1"/>
+          <p:cNvSpPr>
+            <a:spLocks noGrp="1" noRot="1" noChangeAspect="1"/>
+          </p:cNvSpPr>
+          <p:nvPr>
+            <p:ph type="sldImg"/>
+          </p:nvPr>
+        </p:nvSpPr>
+        <p:spPr/>
+      </p:sp>
+      <p:sp>
+        <p:nvSpPr>
+          <p:cNvPr id="3" name="Заметки 2"/>
+          <p:cNvSpPr>
+            <a:spLocks noGrp="1"/>
+          </p:cNvSpPr>
+          <p:nvPr>
+            <p:ph type="body" idx="1"/>
+          </p:nvPr>
+        </p:nvSpPr>
+        <p:spPr/>
+        <p:txBody>
+          <a:bodyPr/>
+          <a:lstStyle/>
+          <a:p>
+            <a:r>
+              <a:rPr lang="ru-RU" sz="1200" kern="1200" dirty="0" smtClean="0">
+                <a:solidFill>
+                  <a:schemeClr val="tx1"/>
+                </a:solidFill>
+                <a:effectLst/>
+                <a:latin typeface="+mn-lt"/>
+                <a:ea typeface="+mn-ea"/>
+                <a:cs typeface="+mn-cs"/>
+              </a:rPr>
+              <a:t>На предприятии выделено 8 методов обработки металлов, по которым далее будут распределяться ТО: </a:t>
+            </a:r>
+          </a:p>
+          <a:p>
+            <a:pPr lvl="0"/>
+            <a:r>
+              <a:rPr lang="ru-RU" sz="1200" kern="1200" dirty="0" smtClean="0">
+                <a:solidFill>
+                  <a:schemeClr val="tx1"/>
+                </a:solidFill>
+                <a:effectLst/>
+                <a:latin typeface="+mn-lt"/>
+                <a:ea typeface="+mn-ea"/>
+                <a:cs typeface="+mn-cs"/>
+              </a:rPr>
+              <a:t>Обработка литьём</a:t>
+            </a:r>
+          </a:p>
+          <a:p>
+            <a:pPr lvl="0"/>
+            <a:r>
+              <a:rPr lang="ru-RU" sz="1200" kern="1200" dirty="0" smtClean="0">
+                <a:solidFill>
+                  <a:schemeClr val="tx1"/>
+                </a:solidFill>
+                <a:effectLst/>
+                <a:latin typeface="+mn-lt"/>
+                <a:ea typeface="+mn-ea"/>
+                <a:cs typeface="+mn-cs"/>
+              </a:rPr>
+              <a:t>Обработка металлов давлением</a:t>
+            </a:r>
+          </a:p>
+          <a:p>
+            <a:pPr lvl="0"/>
+            <a:r>
+              <a:rPr lang="ru-RU" sz="1200" kern="1200" dirty="0" smtClean="0">
+                <a:solidFill>
+                  <a:schemeClr val="tx1"/>
+                </a:solidFill>
+                <a:effectLst/>
+                <a:latin typeface="+mn-lt"/>
+                <a:ea typeface="+mn-ea"/>
+                <a:cs typeface="+mn-cs"/>
+              </a:rPr>
+              <a:t>Обработка металлов резанием</a:t>
+            </a:r>
+          </a:p>
+          <a:p>
+            <a:pPr lvl="0"/>
+            <a:r>
+              <a:rPr lang="ru-RU" sz="1200" kern="1200" dirty="0" smtClean="0">
+                <a:solidFill>
+                  <a:schemeClr val="tx1"/>
+                </a:solidFill>
+                <a:effectLst/>
+                <a:latin typeface="+mn-lt"/>
+                <a:ea typeface="+mn-ea"/>
+                <a:cs typeface="+mn-cs"/>
+              </a:rPr>
+              <a:t>Сварка металлов</a:t>
+            </a:r>
+          </a:p>
+          <a:p>
+            <a:pPr lvl="0"/>
+            <a:r>
+              <a:rPr lang="ru-RU" sz="1200" kern="1200" dirty="0" smtClean="0">
+                <a:solidFill>
+                  <a:schemeClr val="tx1"/>
+                </a:solidFill>
+                <a:effectLst/>
+                <a:latin typeface="+mn-lt"/>
+                <a:ea typeface="+mn-ea"/>
+                <a:cs typeface="+mn-cs"/>
+              </a:rPr>
+              <a:t>Измерение </a:t>
+            </a:r>
+          </a:p>
+          <a:p>
+            <a:pPr lvl="0"/>
+            <a:r>
+              <a:rPr lang="ru-RU" sz="1200" kern="1200" dirty="0" smtClean="0">
+                <a:solidFill>
+                  <a:schemeClr val="tx1"/>
+                </a:solidFill>
+                <a:effectLst/>
+                <a:latin typeface="+mn-lt"/>
+                <a:ea typeface="+mn-ea"/>
+                <a:cs typeface="+mn-cs"/>
+              </a:rPr>
+              <a:t>Крепление</a:t>
+            </a:r>
+          </a:p>
+          <a:p>
+            <a:pPr lvl="0"/>
+            <a:r>
+              <a:rPr lang="ru-RU" sz="1200" kern="1200" dirty="0" smtClean="0">
+                <a:solidFill>
+                  <a:schemeClr val="tx1"/>
+                </a:solidFill>
+                <a:effectLst/>
+                <a:latin typeface="+mn-lt"/>
+                <a:ea typeface="+mn-ea"/>
+                <a:cs typeface="+mn-cs"/>
+              </a:rPr>
+              <a:t>Ручная обработка металлов</a:t>
+            </a:r>
+          </a:p>
+          <a:p>
+            <a:pPr lvl="0"/>
+            <a:r>
+              <a:rPr lang="ru-RU" sz="1200" kern="1200" dirty="0" smtClean="0">
+                <a:solidFill>
+                  <a:schemeClr val="tx1"/>
+                </a:solidFill>
+                <a:effectLst/>
+                <a:latin typeface="+mn-lt"/>
+                <a:ea typeface="+mn-ea"/>
+                <a:cs typeface="+mn-cs"/>
+              </a:rPr>
+              <a:t>Автоматизация ручного труда</a:t>
+            </a:r>
+          </a:p>
+          <a:p>
+            <a:r>
+              <a:rPr lang="ru-RU" sz="1200" kern="1200" dirty="0" smtClean="0">
+                <a:solidFill>
+                  <a:schemeClr val="tx1"/>
+                </a:solidFill>
+                <a:effectLst/>
+                <a:latin typeface="+mn-lt"/>
+                <a:ea typeface="+mn-ea"/>
+                <a:cs typeface="+mn-cs"/>
+              </a:rPr>
+              <a:t>К каждому из методов относятся определенные операции, всего их 36. Например, обработка металлов давлением включает в себя 5 операций: прокатка, волочение, прессование, ковка, штамповка.</a:t>
+            </a:r>
+          </a:p>
+          <a:p>
+            <a:endParaRPr lang="ru-RU" dirty="0"/>
+          </a:p>
+        </p:txBody>
+      </p:sp>
+      <p:sp>
+        <p:nvSpPr>
+          <p:cNvPr id="4" name="Номер слайда 3"/>
+          <p:cNvSpPr>
+            <a:spLocks noGrp="1"/>
+          </p:cNvSpPr>
+          <p:nvPr>
+            <p:ph type="sldNum" sz="quarter" idx="10"/>
+          </p:nvPr>
+        </p:nvSpPr>
+        <p:spPr/>
+        <p:txBody>
+          <a:bodyPr/>
+          <a:lstStyle/>
+          <a:p>
+            <a:fld id="{2B017611-21B7-474E-A55D-EF90E5AE33A3}" type="slidenum">
+              <a:rPr lang="ru-RU" smtClean="0"/>
+              <a:t>11</a:t>
+            </a:fld>
+            <a:endParaRPr lang="ru-RU"/>
+          </a:p>
+        </p:txBody>
+      </p:sp>
+    </p:spTree>
+    <p:extLst>
+      <p:ext uri="{BB962C8B-B14F-4D97-AF65-F5344CB8AC3E}">
+        <p14:creationId xmlns:p14="http://schemas.microsoft.com/office/powerpoint/2010/main" val="403301717"/>
+      </p:ext>
+    </p:extLst>
+  </p:cSld>
+  <p:clrMapOvr>
+    <a:masterClrMapping/>
+  </p:clrMapOvr>
+</p:notes>
+</file>
+
 <file path=ppt/slideLayouts/slideLayout1.xml><?xml version="1.0" encoding="utf-8"?>
 <p:sldLayout xmlns:a="http://schemas.openxmlformats.org/drawingml/2006/main" xmlns:r="http://schemas.openxmlformats.org/officeDocument/2006/relationships" xmlns:p="http://schemas.openxmlformats.org/presentationml/2006/main" type="title" preserve="1">
   <p:cSld name="Титульный слайд">
@@ -295,7 +2042,7 @@
             <a:fld id="{1D674C34-B824-42B8-A491-BF423A690697}" type="datetimeFigureOut">
               <a:rPr lang="ru-RU" smtClean="0"/>
               <a:pPr/>
-              <a:t>06.05.2019</a:t>
+              <a:t>09.05.2019</a:t>
             </a:fld>
             <a:endParaRPr lang="ru-RU"/>
           </a:p>
@@ -462,7 +2209,7 @@
             <a:fld id="{1D674C34-B824-42B8-A491-BF423A690697}" type="datetimeFigureOut">
               <a:rPr lang="ru-RU" smtClean="0"/>
               <a:pPr/>
-              <a:t>06.05.2019</a:t>
+              <a:t>09.05.2019</a:t>
             </a:fld>
             <a:endParaRPr lang="ru-RU"/>
           </a:p>
@@ -639,7 +2386,7 @@
             <a:fld id="{1D674C34-B824-42B8-A491-BF423A690697}" type="datetimeFigureOut">
               <a:rPr lang="ru-RU" smtClean="0"/>
               <a:pPr/>
-              <a:t>06.05.2019</a:t>
+              <a:t>09.05.2019</a:t>
             </a:fld>
             <a:endParaRPr lang="ru-RU"/>
           </a:p>
@@ -806,7 +2553,7 @@
             <a:fld id="{1D674C34-B824-42B8-A491-BF423A690697}" type="datetimeFigureOut">
               <a:rPr lang="ru-RU" smtClean="0"/>
               <a:pPr/>
-              <a:t>06.05.2019</a:t>
+              <a:t>09.05.2019</a:t>
             </a:fld>
             <a:endParaRPr lang="ru-RU"/>
           </a:p>
@@ -1049,7 +2796,7 @@
             <a:fld id="{1D674C34-B824-42B8-A491-BF423A690697}" type="datetimeFigureOut">
               <a:rPr lang="ru-RU" smtClean="0"/>
               <a:pPr/>
-              <a:t>06.05.2019</a:t>
+              <a:t>09.05.2019</a:t>
             </a:fld>
             <a:endParaRPr lang="ru-RU"/>
           </a:p>
@@ -1334,7 +3081,7 @@
             <a:fld id="{1D674C34-B824-42B8-A491-BF423A690697}" type="datetimeFigureOut">
               <a:rPr lang="ru-RU" smtClean="0"/>
               <a:pPr/>
-              <a:t>06.05.2019</a:t>
+              <a:t>09.05.2019</a:t>
             </a:fld>
             <a:endParaRPr lang="ru-RU"/>
           </a:p>
@@ -1753,7 +3500,7 @@
             <a:fld id="{1D674C34-B824-42B8-A491-BF423A690697}" type="datetimeFigureOut">
               <a:rPr lang="ru-RU" smtClean="0"/>
               <a:pPr/>
-              <a:t>06.05.2019</a:t>
+              <a:t>09.05.2019</a:t>
             </a:fld>
             <a:endParaRPr lang="ru-RU"/>
           </a:p>
@@ -1868,7 +3615,7 @@
             <a:fld id="{1D674C34-B824-42B8-A491-BF423A690697}" type="datetimeFigureOut">
               <a:rPr lang="ru-RU" smtClean="0"/>
               <a:pPr/>
-              <a:t>06.05.2019</a:t>
+              <a:t>09.05.2019</a:t>
             </a:fld>
             <a:endParaRPr lang="ru-RU"/>
           </a:p>
@@ -1960,7 +3707,7 @@
             <a:fld id="{1D674C34-B824-42B8-A491-BF423A690697}" type="datetimeFigureOut">
               <a:rPr lang="ru-RU" smtClean="0"/>
               <a:pPr/>
-              <a:t>06.05.2019</a:t>
+              <a:t>09.05.2019</a:t>
             </a:fld>
             <a:endParaRPr lang="ru-RU"/>
           </a:p>
@@ -2234,7 +3981,7 @@
             <a:fld id="{1D674C34-B824-42B8-A491-BF423A690697}" type="datetimeFigureOut">
               <a:rPr lang="ru-RU" smtClean="0"/>
               <a:pPr/>
-              <a:t>06.05.2019</a:t>
+              <a:t>09.05.2019</a:t>
             </a:fld>
             <a:endParaRPr lang="ru-RU"/>
           </a:p>
@@ -2484,7 +4231,7 @@
             <a:fld id="{1D674C34-B824-42B8-A491-BF423A690697}" type="datetimeFigureOut">
               <a:rPr lang="ru-RU" smtClean="0"/>
               <a:pPr/>
-              <a:t>06.05.2019</a:t>
+              <a:t>09.05.2019</a:t>
             </a:fld>
             <a:endParaRPr lang="ru-RU"/>
           </a:p>
@@ -2694,7 +4441,7 @@
             <a:fld id="{1D674C34-B824-42B8-A491-BF423A690697}" type="datetimeFigureOut">
               <a:rPr lang="ru-RU" smtClean="0"/>
               <a:pPr/>
-              <a:t>06.05.2019</a:t>
+              <a:t>09.05.2019</a:t>
             </a:fld>
             <a:endParaRPr lang="ru-RU"/>
           </a:p>
@@ -3089,7 +4836,11 @@
           <a:p>
             <a:r>
               <a:rPr lang="ru-RU" sz="3600" dirty="0" smtClean="0"/>
-              <a:t>Разработка общего подхода управления всеми видами технологической оснастки, используемых на Редуктор-ПМ</a:t>
+              <a:t>Разработка общего подхода управления всеми видами технологической оснастки, используемых </a:t>
+            </a:r>
+            <a:r>
+              <a:rPr lang="ru-RU" sz="3600" dirty="0" smtClean="0"/>
+              <a:t>на предприятии «Редуктор-ПМ»</a:t>
             </a:r>
             <a:r>
               <a:rPr lang="ru-RU" dirty="0"/>
@@ -3125,14 +4876,14 @@
           <a:effectLst/>
           <a:extLst>
             <a:ext uri="{909E8E84-426E-40DD-AFC4-6F175D3DCCD1}">
-              <a14:hiddenFill xmlns:a14="http://schemas.microsoft.com/office/drawing/2010/main" xmlns="">
+              <a14:hiddenFill xmlns:a14="http://schemas.microsoft.com/office/drawing/2010/main">
                 <a:solidFill>
                   <a:schemeClr val="accent1"/>
                 </a:solidFill>
               </a14:hiddenFill>
             </a:ext>
             <a:ext uri="{91240B29-F687-4F45-9708-019B960494DF}">
-              <a14:hiddenLine xmlns:a14="http://schemas.microsoft.com/office/drawing/2010/main" xmlns="" w="9525">
+              <a14:hiddenLine xmlns:a14="http://schemas.microsoft.com/office/drawing/2010/main" w="9525">
                 <a:solidFill>
                   <a:schemeClr val="tx1"/>
                 </a:solidFill>
@@ -3142,7 +4893,7 @@
               </a14:hiddenLine>
             </a:ext>
             <a:ext uri="{AF507438-7753-43E0-B8FC-AC1667EBCBE1}">
-              <a14:hiddenEffects xmlns:a14="http://schemas.microsoft.com/office/drawing/2010/main" xmlns="">
+              <a14:hiddenEffects xmlns:a14="http://schemas.microsoft.com/office/drawing/2010/main">
                 <a:effectLst>
                   <a:outerShdw dist="35921" dir="2700000" algn="ctr" rotWithShape="0">
                     <a:schemeClr val="bg2"/>
@@ -3182,7 +4933,45 @@
                 <a:ea typeface="Times New Roman" pitchFamily="18" charset="0"/>
                 <a:cs typeface="Arial" pitchFamily="34" charset="0"/>
               </a:rPr>
-              <a:t>Министерство образования и науки Российской Федерации</a:t>
+              <a:t>Министерство </a:t>
+            </a:r>
+            <a:r>
+              <a:rPr kumimoji="0" lang="ru-RU" altLang="ru-RU" sz="1200" b="0" i="0" u="none" strike="noStrike" cap="none" normalizeH="0" baseline="0" dirty="0" smtClean="0">
+                <a:ln>
+                  <a:noFill/>
+                </a:ln>
+                <a:solidFill>
+                  <a:schemeClr val="tx1"/>
+                </a:solidFill>
+                <a:effectLst/>
+                <a:latin typeface="Arial" pitchFamily="34" charset="0"/>
+                <a:ea typeface="Times New Roman" pitchFamily="18" charset="0"/>
+                <a:cs typeface="Arial" pitchFamily="34" charset="0"/>
+              </a:rPr>
+              <a:t>науки </a:t>
+            </a:r>
+            <a:r>
+              <a:rPr lang="ru-RU" altLang="ru-RU" sz="1200" dirty="0">
+                <a:latin typeface="Arial" pitchFamily="34" charset="0"/>
+                <a:ea typeface="Times New Roman" pitchFamily="18" charset="0"/>
+                <a:cs typeface="Arial" pitchFamily="34" charset="0"/>
+              </a:rPr>
+              <a:t>и высшего образования </a:t>
+            </a:r>
+            <a:r>
+              <a:rPr kumimoji="0" lang="ru-RU" altLang="ru-RU" sz="1200" b="0" i="0" u="none" strike="noStrike" cap="none" normalizeH="0" baseline="0" dirty="0" smtClean="0">
+                <a:ln>
+                  <a:noFill/>
+                </a:ln>
+                <a:solidFill>
+                  <a:schemeClr val="tx1"/>
+                </a:solidFill>
+                <a:effectLst/>
+                <a:latin typeface="Arial" pitchFamily="34" charset="0"/>
+                <a:ea typeface="Times New Roman" pitchFamily="18" charset="0"/>
+                <a:cs typeface="Arial" pitchFamily="34" charset="0"/>
+              </a:rPr>
+              <a:t>Российской Федерации</a:t>
             </a:r>
             <a:endParaRPr kumimoji="0" lang="ru-RU" altLang="ru-RU" sz="1200" b="0" i="0" u="none" strike="noStrike" cap="none" normalizeH="0" baseline="0" dirty="0" smtClean="0">
               <a:ln>
@@ -3438,7 +5227,52 @@
                 <a:ea typeface="Times New Roman" pitchFamily="18" charset="0"/>
                 <a:cs typeface="Arial" pitchFamily="34" charset="0"/>
               </a:rPr>
-              <a:t>Кафедра «Вычислительная математика и механика»</a:t>
+              <a:t>Кафедра «Вычислительная </a:t>
+            </a:r>
+            <a:r>
+              <a:rPr kumimoji="0" lang="ru-RU" altLang="ru-RU" sz="1400" b="0" i="0" u="none" strike="noStrike" cap="none" normalizeH="0" baseline="0" dirty="0" smtClean="0">
+                <a:ln>
+                  <a:noFill/>
+                </a:ln>
+                <a:solidFill>
+                  <a:schemeClr val="tx1"/>
+                </a:solidFill>
+                <a:effectLst/>
+                <a:latin typeface="Arial" pitchFamily="34" charset="0"/>
+                <a:ea typeface="Times New Roman" pitchFamily="18" charset="0"/>
+                <a:cs typeface="Arial" pitchFamily="34" charset="0"/>
+              </a:rPr>
+              <a:t>математика,</a:t>
+            </a:r>
+            <a:r>
+              <a:rPr kumimoji="0" lang="ru-RU" altLang="ru-RU" sz="1400" b="0" i="0" u="none" strike="noStrike" cap="none" normalizeH="0" dirty="0" smtClean="0">
+                <a:ln>
+                  <a:noFill/>
+                </a:ln>
+                <a:solidFill>
+                  <a:schemeClr val="tx1"/>
+                </a:solidFill>
+                <a:effectLst/>
+                <a:latin typeface="Arial" pitchFamily="34" charset="0"/>
+                <a:ea typeface="Times New Roman" pitchFamily="18" charset="0"/>
+                <a:cs typeface="Arial" pitchFamily="34" charset="0"/>
+              </a:rPr>
+              <a:t> </a:t>
+            </a:r>
+            <a:r>
+              <a:rPr kumimoji="0" lang="ru-RU" altLang="ru-RU" sz="1400" b="0" i="0" u="none" strike="noStrike" cap="none" normalizeH="0" baseline="0" dirty="0" smtClean="0">
+                <a:ln>
+                  <a:noFill/>
+                </a:ln>
+                <a:solidFill>
+                  <a:schemeClr val="tx1"/>
+                </a:solidFill>
+                <a:effectLst/>
+                <a:latin typeface="Arial" pitchFamily="34" charset="0"/>
+                <a:ea typeface="Times New Roman" pitchFamily="18" charset="0"/>
+                <a:cs typeface="Arial" pitchFamily="34" charset="0"/>
+              </a:rPr>
+              <a:t>механика и биомеханика»</a:t>
             </a:r>
             <a:endParaRPr kumimoji="0" lang="ru-RU" altLang="ru-RU" sz="1800" b="0" i="0" u="none" strike="noStrike" cap="none" normalizeH="0" baseline="0" dirty="0" smtClean="0">
               <a:ln>
@@ -3463,10 +5297,10 @@
           <p:nvPr/>
         </p:nvPicPr>
         <p:blipFill>
-          <a:blip r:embed="rId2" cstate="print">
+          <a:blip r:embed="rId3" cstate="print">
             <a:extLst>
               <a:ext uri="{28A0092B-C50C-407E-A947-70E740481C1C}">
-                <a14:useLocalDpi xmlns:a14="http://schemas.microsoft.com/office/drawing/2010/main" xmlns="" val="0"/>
+                <a14:useLocalDpi xmlns:a14="http://schemas.microsoft.com/office/drawing/2010/main" val="0"/>
               </a:ext>
             </a:extLst>
           </a:blip>
@@ -3486,7 +5320,7 @@
           <a:noFill/>
           <a:extLst>
             <a:ext uri="{909E8E84-426E-40DD-AFC4-6F175D3DCCD1}">
-              <a14:hiddenFill xmlns:a14="http://schemas.microsoft.com/office/drawing/2010/main" xmlns="">
+              <a14:hiddenFill xmlns:a14="http://schemas.microsoft.com/office/drawing/2010/main">
                 <a:solidFill>
                   <a:srgbClr val="FFFFFF"/>
                 </a:solidFill>
@@ -3744,6 +5578,1746 @@
               <a:ea typeface="+mn-ea"/>
               <a:cs typeface="+mn-cs"/>
             </a:endParaRPr>
+          </a:p>
+        </p:txBody>
+      </p:sp>
+    </p:spTree>
+  </p:cSld>
+  <p:clrMapOvr>
+    <a:masterClrMapping/>
+  </p:clrMapOvr>
+</p:sld>
+</file>
+
+<file path=ppt/slides/slide10.xml><?xml version="1.0" encoding="utf-8"?>
+<p:sld xmlns:a="http://schemas.openxmlformats.org/drawingml/2006/main" xmlns:r="http://schemas.openxmlformats.org/officeDocument/2006/relationships" xmlns:p="http://schemas.openxmlformats.org/presentationml/2006/main">
+  <p:cSld>
+    <p:spTree>
+      <p:nvGrpSpPr>
+        <p:cNvPr id="1" name=""/>
+        <p:cNvGrpSpPr/>
+        <p:nvPr/>
+      </p:nvGrpSpPr>
+      <p:grpSpPr>
+        <a:xfrm>
+          <a:off x="0" y="0"/>
+          <a:ext cx="0" cy="0"/>
+          <a:chOff x="0" y="0"/>
+          <a:chExt cx="0" cy="0"/>
+        </a:xfrm>
+      </p:grpSpPr>
+      <p:pic>
+        <p:nvPicPr>
+          <p:cNvPr id="7170" name="Picture 2" descr="https://avatars.mds.yandex.net/get-pdb/1008348/0b6d5139-584d-42ae-ae6c-e89d298bf866/s1200?webp=false"/>
+          <p:cNvPicPr>
+            <a:picLocks noChangeAspect="1" noChangeArrowheads="1"/>
+          </p:cNvPicPr>
+          <p:nvPr/>
+        </p:nvPicPr>
+        <p:blipFill>
+          <a:blip r:embed="rId3">
+            <a:extLst>
+              <a:ext uri="{28A0092B-C50C-407E-A947-70E740481C1C}">
+                <a14:useLocalDpi xmlns:a14="http://schemas.microsoft.com/office/drawing/2010/main" val="0"/>
+              </a:ext>
+            </a:extLst>
+          </a:blip>
+          <a:srcRect/>
+          <a:stretch>
+            <a:fillRect/>
+          </a:stretch>
+        </p:blipFill>
+        <p:spPr bwMode="auto">
+          <a:xfrm>
+            <a:off x="4519011" y="1700808"/>
+            <a:ext cx="4617699" cy="5641533"/>
+          </a:xfrm>
+          <a:prstGeom prst="rect">
+            <a:avLst/>
+          </a:prstGeom>
+          <a:noFill/>
+          <a:extLst>
+            <a:ext uri="{909E8E84-426E-40DD-AFC4-6F175D3DCCD1}">
+              <a14:hiddenFill xmlns:a14="http://schemas.microsoft.com/office/drawing/2010/main">
+                <a:solidFill>
+                  <a:srgbClr val="FFFFFF"/>
+                </a:solidFill>
+              </a14:hiddenFill>
+            </a:ext>
+          </a:extLst>
+        </p:spPr>
+      </p:pic>
+      <p:sp>
+        <p:nvSpPr>
+          <p:cNvPr id="2" name="Заголовок 1"/>
+          <p:cNvSpPr>
+            <a:spLocks noGrp="1"/>
+          </p:cNvSpPr>
+          <p:nvPr>
+            <p:ph type="title"/>
+          </p:nvPr>
+        </p:nvSpPr>
+        <p:spPr>
+          <a:xfrm>
+            <a:off x="467544" y="-28912"/>
+            <a:ext cx="8229600" cy="1143000"/>
+          </a:xfrm>
+        </p:spPr>
+        <p:txBody>
+          <a:bodyPr/>
+          <a:lstStyle/>
+          <a:p>
+            <a:r>
+              <a:rPr lang="ru-RU" b="1" dirty="0" smtClean="0"/>
+              <a:t>Требования к системе</a:t>
+            </a:r>
+            <a:endParaRPr lang="ru-RU" b="1" dirty="0"/>
+          </a:p>
+        </p:txBody>
+      </p:sp>
+      <p:sp>
+        <p:nvSpPr>
+          <p:cNvPr id="3" name="Объект 2"/>
+          <p:cNvSpPr>
+            <a:spLocks noGrp="1"/>
+          </p:cNvSpPr>
+          <p:nvPr>
+            <p:ph idx="1"/>
+          </p:nvPr>
+        </p:nvSpPr>
+        <p:spPr>
+          <a:xfrm>
+            <a:off x="0" y="908720"/>
+            <a:ext cx="8964488" cy="5544616"/>
+          </a:xfrm>
+        </p:spPr>
+        <p:txBody>
+          <a:bodyPr>
+            <a:noAutofit/>
+          </a:bodyPr>
+          <a:lstStyle/>
+          <a:p>
+            <a:pPr lvl="0" algn="just"/>
+            <a:r>
+              <a:rPr lang="ru-RU" sz="2100" dirty="0"/>
+              <a:t>Возможность ведения электронного справочника ТО </a:t>
+            </a:r>
+            <a:endParaRPr lang="ru-RU" sz="2100" dirty="0" smtClean="0"/>
+          </a:p>
+          <a:p>
+            <a:pPr lvl="0" algn="just"/>
+            <a:r>
+              <a:rPr lang="ru-RU" sz="2100" dirty="0" smtClean="0"/>
+              <a:t>Возможность </a:t>
+            </a:r>
+            <a:r>
+              <a:rPr lang="ru-RU" sz="2100" dirty="0"/>
+              <a:t>электронного согласования заказов на проектирование </a:t>
+            </a:r>
+            <a:endParaRPr lang="ru-RU" sz="2100" dirty="0" smtClean="0"/>
+          </a:p>
+          <a:p>
+            <a:pPr lvl="0" algn="just"/>
+            <a:r>
+              <a:rPr lang="ru-RU" sz="2100" dirty="0" smtClean="0"/>
+              <a:t>Добавления </a:t>
+            </a:r>
+            <a:r>
+              <a:rPr lang="ru-RU" sz="2100" dirty="0"/>
+              <a:t>ТО в </a:t>
+            </a:r>
+            <a:r>
+              <a:rPr lang="ru-RU" sz="2100" dirty="0" smtClean="0"/>
+              <a:t>справочник</a:t>
+            </a:r>
+            <a:endParaRPr lang="ru-RU" sz="2100" dirty="0"/>
+          </a:p>
+          <a:p>
+            <a:pPr lvl="0" algn="just"/>
+            <a:r>
+              <a:rPr lang="ru-RU" sz="2100" dirty="0"/>
+              <a:t>Возможность электронного согласования конструкторской документации на спроектированную </a:t>
+            </a:r>
+            <a:r>
+              <a:rPr lang="ru-RU" sz="2100" dirty="0" smtClean="0"/>
+              <a:t>ТО</a:t>
+            </a:r>
+          </a:p>
+          <a:p>
+            <a:pPr lvl="0" algn="just"/>
+            <a:r>
+              <a:rPr lang="ru-RU" sz="2100" dirty="0" smtClean="0"/>
+              <a:t>Возможность </a:t>
+            </a:r>
+            <a:r>
+              <a:rPr lang="ru-RU" sz="2100" dirty="0"/>
+              <a:t>автоматического формирования ведомости оснастки на основе операционных карт и карт </a:t>
+            </a:r>
+            <a:r>
+              <a:rPr lang="ru-RU" sz="2100" dirty="0" smtClean="0"/>
+              <a:t>наладок</a:t>
+            </a:r>
+          </a:p>
+          <a:p>
+            <a:pPr lvl="0" algn="just"/>
+            <a:r>
+              <a:rPr lang="ru-RU" sz="2100" dirty="0" smtClean="0"/>
+              <a:t>Возможность </a:t>
+            </a:r>
+            <a:r>
+              <a:rPr lang="ru-RU" sz="2100" dirty="0"/>
+              <a:t>автоматизации подбора ТО на стадии добавления в </a:t>
+            </a:r>
+            <a:r>
+              <a:rPr lang="ru-RU" sz="2100" dirty="0" smtClean="0"/>
+              <a:t>ТП</a:t>
+            </a:r>
+            <a:endParaRPr lang="ru-RU" sz="2100" dirty="0"/>
+          </a:p>
+          <a:p>
+            <a:pPr lvl="0" algn="just"/>
+            <a:r>
+              <a:rPr lang="ru-RU" sz="2100" dirty="0"/>
+              <a:t>Возможность автоматического поиска ТО по заданным параметрам, </a:t>
+            </a:r>
+            <a:r>
+              <a:rPr lang="ru-RU" sz="2100" dirty="0" smtClean="0"/>
+              <a:t>поиска </a:t>
+            </a:r>
+            <a:r>
+              <a:rPr lang="ru-RU" sz="2100" dirty="0"/>
+              <a:t>ТО по PMI-распознаванию обрабатываемых </a:t>
+            </a:r>
+            <a:r>
+              <a:rPr lang="ru-RU" sz="2100" dirty="0" smtClean="0"/>
+              <a:t>поверхностей</a:t>
+            </a:r>
+            <a:endParaRPr lang="ru-RU" sz="2100" dirty="0"/>
+          </a:p>
+          <a:p>
+            <a:pPr lvl="0" algn="just"/>
+            <a:r>
+              <a:rPr lang="ru-RU" sz="2100" dirty="0"/>
+              <a:t>Возможность электронного согласования заявок </a:t>
+            </a:r>
+            <a:endParaRPr lang="ru-RU" sz="2100" dirty="0"/>
+          </a:p>
+          <a:p>
+            <a:pPr lvl="0" algn="just"/>
+            <a:r>
+              <a:rPr lang="ru-RU" sz="2100" dirty="0"/>
+              <a:t>Возможность автоматического добавления применяемости </a:t>
+            </a:r>
+            <a:r>
+              <a:rPr lang="ru-RU" sz="2100" dirty="0" smtClean="0"/>
+              <a:t>оснастки</a:t>
+            </a:r>
+          </a:p>
+          <a:p>
+            <a:pPr lvl="0" algn="just"/>
+            <a:r>
+              <a:rPr lang="ru-RU" sz="2100" dirty="0" smtClean="0"/>
+              <a:t>Оптимизация хранения</a:t>
+            </a:r>
+            <a:endParaRPr lang="ru-RU" sz="2100" dirty="0"/>
+          </a:p>
+          <a:p>
+            <a:pPr lvl="0" algn="just"/>
+            <a:r>
+              <a:rPr lang="ru-RU" sz="2100" dirty="0"/>
+              <a:t>Оптимизация </a:t>
+            </a:r>
+            <a:r>
+              <a:rPr lang="ru-RU" sz="2100" dirty="0" smtClean="0"/>
+              <a:t>закупок</a:t>
+            </a:r>
+            <a:endParaRPr lang="ru-RU" sz="2100" dirty="0"/>
+          </a:p>
+        </p:txBody>
+      </p:sp>
+    </p:spTree>
+    <p:extLst>
+      <p:ext uri="{BB962C8B-B14F-4D97-AF65-F5344CB8AC3E}">
+        <p14:creationId xmlns:p14="http://schemas.microsoft.com/office/powerpoint/2010/main" val="589819566"/>
+      </p:ext>
+    </p:extLst>
+  </p:cSld>
+  <p:clrMapOvr>
+    <a:masterClrMapping/>
+  </p:clrMapOvr>
+</p:sld>
+</file>
+
+<file path=ppt/slides/slide11.xml><?xml version="1.0" encoding="utf-8"?>
+<p:sld xmlns:a="http://schemas.openxmlformats.org/drawingml/2006/main" xmlns:r="http://schemas.openxmlformats.org/officeDocument/2006/relationships" xmlns:p="http://schemas.openxmlformats.org/presentationml/2006/main">
+  <p:cSld>
+    <p:spTree>
+      <p:nvGrpSpPr>
+        <p:cNvPr id="1" name=""/>
+        <p:cNvGrpSpPr/>
+        <p:nvPr/>
+      </p:nvGrpSpPr>
+      <p:grpSpPr>
+        <a:xfrm>
+          <a:off x="0" y="0"/>
+          <a:ext cx="0" cy="0"/>
+          <a:chOff x="0" y="0"/>
+          <a:chExt cx="0" cy="0"/>
+        </a:xfrm>
+      </p:grpSpPr>
+      <p:sp>
+        <p:nvSpPr>
+          <p:cNvPr id="2" name="Заголовок 1"/>
+          <p:cNvSpPr>
+            <a:spLocks noGrp="1"/>
+          </p:cNvSpPr>
+          <p:nvPr>
+            <p:ph type="title"/>
+          </p:nvPr>
+        </p:nvSpPr>
+        <p:spPr>
+          <a:xfrm>
+            <a:off x="539552" y="0"/>
+            <a:ext cx="8229600" cy="936104"/>
+          </a:xfrm>
+        </p:spPr>
+        <p:txBody>
+          <a:bodyPr/>
+          <a:lstStyle/>
+          <a:p>
+            <a:r>
+              <a:rPr lang="ru-RU" b="1" dirty="0" smtClean="0"/>
+              <a:t>Классификатор ТО</a:t>
+            </a:r>
+            <a:endParaRPr lang="ru-RU" b="1" dirty="0"/>
+          </a:p>
+        </p:txBody>
+      </p:sp>
+      <p:graphicFrame>
+        <p:nvGraphicFramePr>
+          <p:cNvPr id="4" name="Объект 3"/>
+          <p:cNvGraphicFramePr>
+            <a:graphicFrameLocks noGrp="1"/>
+          </p:cNvGraphicFramePr>
+          <p:nvPr>
+            <p:ph idx="1"/>
+            <p:extLst>
+              <p:ext uri="{D42A27DB-BD31-4B8C-83A1-F6EECF244321}">
+                <p14:modId xmlns:p14="http://schemas.microsoft.com/office/powerpoint/2010/main" val="3093494085"/>
+              </p:ext>
+            </p:extLst>
+          </p:nvPr>
+        </p:nvGraphicFramePr>
+        <p:xfrm>
+          <a:off x="251520" y="908721"/>
+          <a:ext cx="8712968" cy="6644640"/>
+        </p:xfrm>
+        <a:graphic>
+          <a:graphicData uri="http://schemas.openxmlformats.org/drawingml/2006/table">
+            <a:tbl>
+              <a:tblPr firstRow="1" bandRow="1">
+                <a:tableStyleId>{5C22544A-7EE6-4342-B048-85BDC9FD1C3A}</a:tableStyleId>
+              </a:tblPr>
+              <a:tblGrid>
+                <a:gridCol w="2592072"/>
+                <a:gridCol w="1764412"/>
+                <a:gridCol w="1887809"/>
+                <a:gridCol w="2468675"/>
+              </a:tblGrid>
+              <a:tr h="774541">
+                <a:tc>
+                  <a:txBody>
+                    <a:bodyPr/>
+                    <a:lstStyle/>
+                    <a:p>
+                      <a:r>
+                        <a:rPr lang="ru-RU" sz="1700" b="1" kern="1200" dirty="0" smtClean="0">
+                          <a:solidFill>
+                            <a:schemeClr val="lt1"/>
+                          </a:solidFill>
+                          <a:effectLst/>
+                          <a:latin typeface="+mn-lt"/>
+                          <a:ea typeface="+mn-ea"/>
+                          <a:cs typeface="+mn-cs"/>
+                        </a:rPr>
+                        <a:t>Метод обработки металлов</a:t>
+                      </a:r>
+                      <a:endParaRPr lang="ru-RU" sz="1700" dirty="0"/>
+                    </a:p>
+                  </a:txBody>
+                  <a:tcPr/>
+                </a:tc>
+                <a:tc>
+                  <a:txBody>
+                    <a:bodyPr/>
+                    <a:lstStyle/>
+                    <a:p>
+                      <a:r>
+                        <a:rPr lang="ru-RU" sz="1700" b="1" kern="1200" dirty="0" smtClean="0">
+                          <a:solidFill>
+                            <a:schemeClr val="lt1"/>
+                          </a:solidFill>
+                          <a:effectLst/>
+                          <a:latin typeface="+mn-lt"/>
+                          <a:ea typeface="+mn-ea"/>
+                          <a:cs typeface="+mn-cs"/>
+                        </a:rPr>
+                        <a:t>Операция обработки металлов</a:t>
+                      </a:r>
+                      <a:endParaRPr lang="ru-RU" sz="1700" dirty="0"/>
+                    </a:p>
+                  </a:txBody>
+                  <a:tcPr/>
+                </a:tc>
+                <a:tc>
+                  <a:txBody>
+                    <a:bodyPr/>
+                    <a:lstStyle/>
+                    <a:p>
+                      <a:r>
+                        <a:rPr lang="ru-RU" sz="1700" b="1" kern="1200" dirty="0" smtClean="0">
+                          <a:solidFill>
+                            <a:schemeClr val="lt1"/>
+                          </a:solidFill>
+                          <a:effectLst/>
+                          <a:latin typeface="+mn-lt"/>
+                          <a:ea typeface="+mn-ea"/>
+                          <a:cs typeface="+mn-cs"/>
+                        </a:rPr>
+                        <a:t>Тип технологической оснастки</a:t>
+                      </a:r>
+                      <a:endParaRPr lang="ru-RU" sz="1700" dirty="0"/>
+                    </a:p>
+                  </a:txBody>
+                  <a:tcPr/>
+                </a:tc>
+                <a:tc>
+                  <a:txBody>
+                    <a:bodyPr/>
+                    <a:lstStyle/>
+                    <a:p>
+                      <a:r>
+                        <a:rPr lang="ru-RU" sz="1700" b="1" kern="1200" dirty="0" smtClean="0">
+                          <a:solidFill>
+                            <a:schemeClr val="lt1"/>
+                          </a:solidFill>
+                          <a:effectLst/>
+                          <a:latin typeface="+mn-lt"/>
+                          <a:ea typeface="+mn-ea"/>
+                          <a:cs typeface="+mn-cs"/>
+                        </a:rPr>
+                        <a:t>Вид технологической оснастки</a:t>
+                      </a:r>
+                      <a:endParaRPr lang="ru-RU" sz="1700" dirty="0"/>
+                    </a:p>
+                  </a:txBody>
+                  <a:tcPr/>
+                </a:tc>
+              </a:tr>
+              <a:tr h="543538">
+                <a:tc>
+                  <a:txBody>
+                    <a:bodyPr/>
+                    <a:lstStyle/>
+                    <a:p>
+                      <a:pPr lvl="0"/>
+                      <a:r>
+                        <a:rPr lang="ru-RU" sz="1700" kern="1200" dirty="0" smtClean="0">
+                          <a:solidFill>
+                            <a:schemeClr val="dk1"/>
+                          </a:solidFill>
+                          <a:effectLst/>
+                          <a:latin typeface="+mn-lt"/>
+                          <a:ea typeface="+mn-ea"/>
+                          <a:cs typeface="+mn-cs"/>
+                        </a:rPr>
+                        <a:t>Обработка литьём</a:t>
+                      </a:r>
+                    </a:p>
+                  </a:txBody>
+                  <a:tcPr/>
+                </a:tc>
+                <a:tc>
+                  <a:txBody>
+                    <a:bodyPr/>
+                    <a:lstStyle/>
+                    <a:p>
+                      <a:r>
+                        <a:rPr lang="ru-RU" sz="1700" kern="1200" dirty="0" smtClean="0">
+                          <a:solidFill>
+                            <a:schemeClr val="dk1"/>
+                          </a:solidFill>
+                          <a:effectLst/>
+                          <a:latin typeface="+mn-lt"/>
+                          <a:ea typeface="+mn-ea"/>
+                          <a:cs typeface="+mn-cs"/>
+                        </a:rPr>
+                        <a:t>Литьевая</a:t>
+                      </a:r>
+                      <a:endParaRPr lang="ru-RU" sz="1700" dirty="0"/>
+                    </a:p>
+                  </a:txBody>
+                  <a:tcPr/>
+                </a:tc>
+                <a:tc>
+                  <a:txBody>
+                    <a:bodyPr/>
+                    <a:lstStyle/>
+                    <a:p>
+                      <a:r>
+                        <a:rPr lang="ru-RU" sz="1700" kern="1200" dirty="0" smtClean="0">
+                          <a:solidFill>
+                            <a:schemeClr val="dk1"/>
+                          </a:solidFill>
+                          <a:effectLst/>
+                          <a:latin typeface="+mn-lt"/>
+                          <a:ea typeface="+mn-ea"/>
+                          <a:cs typeface="+mn-cs"/>
+                        </a:rPr>
+                        <a:t>Пресс-формы</a:t>
+                      </a:r>
+                      <a:endParaRPr lang="ru-RU" sz="1700" dirty="0"/>
+                    </a:p>
+                  </a:txBody>
+                  <a:tcPr/>
+                </a:tc>
+                <a:tc>
+                  <a:txBody>
+                    <a:bodyPr/>
+                    <a:lstStyle/>
+                    <a:p>
+                      <a:r>
+                        <a:rPr lang="ru-RU" sz="1700" kern="1200" dirty="0" smtClean="0">
+                          <a:solidFill>
+                            <a:schemeClr val="dk1"/>
+                          </a:solidFill>
+                          <a:effectLst/>
+                          <a:latin typeface="+mn-lt"/>
+                          <a:ea typeface="+mn-ea"/>
+                          <a:cs typeface="+mn-cs"/>
+                        </a:rPr>
+                        <a:t>Пресс-формы литьевого прессования</a:t>
+                      </a:r>
+                      <a:endParaRPr lang="ru-RU" sz="1700" dirty="0"/>
+                    </a:p>
+                  </a:txBody>
+                  <a:tcPr/>
+                </a:tc>
+              </a:tr>
+              <a:tr h="312534">
+                <a:tc rowSpan="5">
+                  <a:txBody>
+                    <a:bodyPr/>
+                    <a:lstStyle/>
+                    <a:p>
+                      <a:pPr marL="0" marR="0" lvl="0" indent="0" algn="l" defTabSz="914400" rtl="0" eaLnBrk="1" fontAlgn="auto" latinLnBrk="0" hangingPunct="1">
+                        <a:lnSpc>
+                          <a:spcPct val="100000"/>
+                        </a:lnSpc>
+                        <a:spcBef>
+                          <a:spcPts val="0"/>
+                        </a:spcBef>
+                        <a:spcAft>
+                          <a:spcPts val="0"/>
+                        </a:spcAft>
+                        <a:buClrTx/>
+                        <a:buSzTx/>
+                        <a:buFontTx/>
+                        <a:buNone/>
+                        <a:tabLst/>
+                        <a:defRPr/>
+                      </a:pPr>
+                      <a:r>
+                        <a:rPr lang="ru-RU" sz="1700" kern="1200" dirty="0" smtClean="0">
+                          <a:solidFill>
+                            <a:schemeClr val="dk1"/>
+                          </a:solidFill>
+                          <a:effectLst/>
+                          <a:latin typeface="+mn-lt"/>
+                          <a:ea typeface="+mn-ea"/>
+                          <a:cs typeface="+mn-cs"/>
+                        </a:rPr>
+                        <a:t>Обработка металлов давлением</a:t>
+                      </a:r>
+                    </a:p>
+                  </a:txBody>
+                  <a:tcPr/>
+                </a:tc>
+                <a:tc>
+                  <a:txBody>
+                    <a:bodyPr/>
+                    <a:lstStyle/>
+                    <a:p>
+                      <a:r>
+                        <a:rPr lang="ru-RU" sz="1700" kern="1200" dirty="0" smtClean="0">
+                          <a:solidFill>
+                            <a:schemeClr val="dk1"/>
+                          </a:solidFill>
+                          <a:effectLst/>
+                          <a:latin typeface="+mn-lt"/>
+                          <a:ea typeface="+mn-ea"/>
+                          <a:cs typeface="+mn-cs"/>
+                        </a:rPr>
+                        <a:t>Прокатка</a:t>
+                      </a:r>
+                    </a:p>
+                  </a:txBody>
+                  <a:tcPr/>
+                </a:tc>
+                <a:tc>
+                  <a:txBody>
+                    <a:bodyPr/>
+                    <a:lstStyle/>
+                    <a:p>
+                      <a:r>
+                        <a:rPr lang="ru-RU" sz="1700" dirty="0" smtClean="0"/>
+                        <a:t>Вспомогательный</a:t>
+                      </a:r>
+                      <a:endParaRPr lang="ru-RU" sz="1700" dirty="0"/>
+                    </a:p>
+                  </a:txBody>
+                  <a:tcPr/>
+                </a:tc>
+                <a:tc>
+                  <a:txBody>
+                    <a:bodyPr/>
+                    <a:lstStyle/>
+                    <a:p>
+                      <a:r>
+                        <a:rPr lang="ru-RU" sz="1700" dirty="0" smtClean="0"/>
+                        <a:t>Валки</a:t>
+                      </a:r>
+                      <a:endParaRPr lang="ru-RU" sz="1700" dirty="0"/>
+                    </a:p>
+                  </a:txBody>
+                  <a:tcPr/>
+                </a:tc>
+              </a:tr>
+              <a:tr h="326123">
+                <a:tc vMerge="1">
+                  <a:txBody>
+                    <a:bodyPr/>
+                    <a:lstStyle/>
+                    <a:p>
+                      <a:endParaRPr lang="ru-RU"/>
+                    </a:p>
+                  </a:txBody>
+                  <a:tcPr/>
+                </a:tc>
+                <a:tc>
+                  <a:txBody>
+                    <a:bodyPr/>
+                    <a:lstStyle/>
+                    <a:p>
+                      <a:r>
+                        <a:rPr lang="ru-RU" sz="1700" kern="1200" dirty="0" smtClean="0">
+                          <a:solidFill>
+                            <a:schemeClr val="dk1"/>
+                          </a:solidFill>
+                          <a:effectLst/>
+                          <a:latin typeface="+mn-lt"/>
+                          <a:ea typeface="+mn-ea"/>
+                          <a:cs typeface="+mn-cs"/>
+                        </a:rPr>
+                        <a:t>Волочение</a:t>
+                      </a:r>
+                    </a:p>
+                  </a:txBody>
+                  <a:tcPr/>
+                </a:tc>
+                <a:tc>
+                  <a:txBody>
+                    <a:bodyPr/>
+                    <a:lstStyle/>
+                    <a:p>
+                      <a:r>
+                        <a:rPr lang="ru-RU" sz="1800" kern="1200" dirty="0" smtClean="0">
+                          <a:solidFill>
+                            <a:schemeClr val="dk1"/>
+                          </a:solidFill>
+                          <a:effectLst/>
+                          <a:latin typeface="+mn-lt"/>
+                          <a:ea typeface="+mn-ea"/>
+                          <a:cs typeface="+mn-cs"/>
+                        </a:rPr>
+                        <a:t>Волочильный</a:t>
+                      </a:r>
+                      <a:endParaRPr lang="ru-RU" sz="1700" dirty="0"/>
+                    </a:p>
+                  </a:txBody>
+                  <a:tcPr/>
+                </a:tc>
+                <a:tc>
+                  <a:txBody>
+                    <a:bodyPr/>
+                    <a:lstStyle/>
+                    <a:p>
+                      <a:r>
+                        <a:rPr lang="ru-RU" sz="1800" kern="1200" dirty="0" smtClean="0">
+                          <a:solidFill>
+                            <a:schemeClr val="dk1"/>
+                          </a:solidFill>
+                          <a:effectLst/>
+                          <a:latin typeface="+mn-lt"/>
+                          <a:ea typeface="+mn-ea"/>
+                          <a:cs typeface="+mn-cs"/>
+                        </a:rPr>
+                        <a:t>Волочильные станы</a:t>
+                      </a:r>
+                      <a:endParaRPr lang="ru-RU" sz="1700" dirty="0"/>
+                    </a:p>
+                  </a:txBody>
+                  <a:tcPr/>
+                </a:tc>
+              </a:tr>
+              <a:tr h="774541">
+                <a:tc vMerge="1">
+                  <a:txBody>
+                    <a:bodyPr/>
+                    <a:lstStyle/>
+                    <a:p>
+                      <a:endParaRPr lang="ru-RU"/>
+                    </a:p>
+                  </a:txBody>
+                  <a:tcPr/>
+                </a:tc>
+                <a:tc>
+                  <a:txBody>
+                    <a:bodyPr/>
+                    <a:lstStyle/>
+                    <a:p>
+                      <a:r>
+                        <a:rPr lang="ru-RU" sz="1700" kern="1200" dirty="0" smtClean="0">
+                          <a:solidFill>
+                            <a:schemeClr val="dk1"/>
+                          </a:solidFill>
+                          <a:effectLst/>
+                          <a:latin typeface="+mn-lt"/>
+                          <a:ea typeface="+mn-ea"/>
+                          <a:cs typeface="+mn-cs"/>
+                        </a:rPr>
+                        <a:t>Прессование</a:t>
+                      </a:r>
+                    </a:p>
+                  </a:txBody>
+                  <a:tcPr/>
+                </a:tc>
+                <a:tc>
+                  <a:txBody>
+                    <a:bodyPr/>
+                    <a:lstStyle/>
+                    <a:p>
+                      <a:r>
+                        <a:rPr lang="ru-RU" sz="1700" dirty="0" smtClean="0"/>
+                        <a:t>Слесарно-монтажный</a:t>
+                      </a:r>
+                    </a:p>
+                    <a:p>
+                      <a:r>
+                        <a:rPr lang="ru-RU" sz="1700" dirty="0" smtClean="0"/>
+                        <a:t>Вспомогательный</a:t>
+                      </a:r>
+                      <a:endParaRPr lang="ru-RU" sz="1700" dirty="0"/>
+                    </a:p>
+                  </a:txBody>
+                  <a:tcPr/>
+                </a:tc>
+                <a:tc>
+                  <a:txBody>
+                    <a:bodyPr/>
+                    <a:lstStyle/>
+                    <a:p>
+                      <a:endParaRPr lang="ru-RU" sz="1700" dirty="0"/>
+                    </a:p>
+                  </a:txBody>
+                  <a:tcPr/>
+                </a:tc>
+              </a:tr>
+              <a:tr h="312534">
+                <a:tc vMerge="1">
+                  <a:txBody>
+                    <a:bodyPr/>
+                    <a:lstStyle/>
+                    <a:p>
+                      <a:endParaRPr lang="ru-RU"/>
+                    </a:p>
+                  </a:txBody>
+                  <a:tcPr/>
+                </a:tc>
+                <a:tc>
+                  <a:txBody>
+                    <a:bodyPr/>
+                    <a:lstStyle/>
+                    <a:p>
+                      <a:r>
+                        <a:rPr lang="ru-RU" sz="1700" kern="1200" dirty="0" smtClean="0">
+                          <a:solidFill>
+                            <a:schemeClr val="dk1"/>
+                          </a:solidFill>
+                          <a:effectLst/>
+                          <a:latin typeface="+mn-lt"/>
+                          <a:ea typeface="+mn-ea"/>
+                          <a:cs typeface="+mn-cs"/>
+                        </a:rPr>
+                        <a:t>Ковка</a:t>
+                      </a:r>
+                    </a:p>
+                  </a:txBody>
+                  <a:tcPr/>
+                </a:tc>
+                <a:tc rowSpan="2">
+                  <a:txBody>
+                    <a:bodyPr/>
+                    <a:lstStyle/>
+                    <a:p>
+                      <a:r>
+                        <a:rPr lang="ru-RU" sz="1700" dirty="0" smtClean="0"/>
+                        <a:t>Слесарно-монтажный</a:t>
+                      </a:r>
+                      <a:endParaRPr lang="ru-RU" sz="1700" dirty="0" smtClean="0"/>
+                    </a:p>
+                  </a:txBody>
+                  <a:tcPr/>
+                </a:tc>
+                <a:tc>
+                  <a:txBody>
+                    <a:bodyPr/>
+                    <a:lstStyle/>
+                    <a:p>
+                      <a:endParaRPr lang="ru-RU" sz="1700" dirty="0"/>
+                    </a:p>
+                  </a:txBody>
+                  <a:tcPr/>
+                </a:tc>
+              </a:tr>
+              <a:tr h="312534">
+                <a:tc vMerge="1">
+                  <a:txBody>
+                    <a:bodyPr/>
+                    <a:lstStyle/>
+                    <a:p>
+                      <a:endParaRPr lang="ru-RU"/>
+                    </a:p>
+                  </a:txBody>
+                  <a:tcPr/>
+                </a:tc>
+                <a:tc>
+                  <a:txBody>
+                    <a:bodyPr/>
+                    <a:lstStyle/>
+                    <a:p>
+                      <a:r>
+                        <a:rPr lang="ru-RU" sz="1700" kern="1200" dirty="0" smtClean="0">
+                          <a:solidFill>
+                            <a:schemeClr val="dk1"/>
+                          </a:solidFill>
+                          <a:effectLst/>
+                          <a:latin typeface="+mn-lt"/>
+                          <a:ea typeface="+mn-ea"/>
+                          <a:cs typeface="+mn-cs"/>
+                        </a:rPr>
+                        <a:t>Штамповка</a:t>
+                      </a:r>
+                    </a:p>
+                  </a:txBody>
+                  <a:tcPr/>
+                </a:tc>
+                <a:tc vMerge="1">
+                  <a:txBody>
+                    <a:bodyPr/>
+                    <a:lstStyle/>
+                    <a:p>
+                      <a:endParaRPr lang="ru-RU" sz="1700" dirty="0"/>
+                    </a:p>
+                  </a:txBody>
+                  <a:tcPr/>
+                </a:tc>
+                <a:tc>
+                  <a:txBody>
+                    <a:bodyPr/>
+                    <a:lstStyle/>
+                    <a:p>
+                      <a:endParaRPr lang="ru-RU" sz="1700" dirty="0"/>
+                    </a:p>
+                  </a:txBody>
+                  <a:tcPr/>
+                </a:tc>
+              </a:tr>
+              <a:tr h="543538">
+                <a:tc>
+                  <a:txBody>
+                    <a:bodyPr/>
+                    <a:lstStyle/>
+                    <a:p>
+                      <a:pPr marL="0" marR="0" lvl="0" indent="0" algn="l" defTabSz="914400" rtl="0" eaLnBrk="1" fontAlgn="auto" latinLnBrk="0" hangingPunct="1">
+                        <a:lnSpc>
+                          <a:spcPct val="100000"/>
+                        </a:lnSpc>
+                        <a:spcBef>
+                          <a:spcPts val="0"/>
+                        </a:spcBef>
+                        <a:spcAft>
+                          <a:spcPts val="0"/>
+                        </a:spcAft>
+                        <a:buClrTx/>
+                        <a:buSzTx/>
+                        <a:buFontTx/>
+                        <a:buNone/>
+                        <a:tabLst/>
+                        <a:defRPr/>
+                      </a:pPr>
+                      <a:r>
+                        <a:rPr lang="ru-RU" sz="1700" kern="1200" dirty="0" smtClean="0">
+                          <a:solidFill>
+                            <a:schemeClr val="dk1"/>
+                          </a:solidFill>
+                          <a:effectLst/>
+                          <a:latin typeface="+mn-lt"/>
+                          <a:ea typeface="+mn-ea"/>
+                          <a:cs typeface="+mn-cs"/>
+                        </a:rPr>
+                        <a:t>Обработка металлов резанием</a:t>
+                      </a:r>
+                    </a:p>
+                  </a:txBody>
+                  <a:tcPr/>
+                </a:tc>
+                <a:tc>
+                  <a:txBody>
+                    <a:bodyPr/>
+                    <a:lstStyle/>
+                    <a:p>
+                      <a:endParaRPr lang="ru-RU" sz="1700"/>
+                    </a:p>
+                  </a:txBody>
+                  <a:tcPr/>
+                </a:tc>
+                <a:tc>
+                  <a:txBody>
+                    <a:bodyPr/>
+                    <a:lstStyle/>
+                    <a:p>
+                      <a:endParaRPr lang="ru-RU" sz="1700"/>
+                    </a:p>
+                  </a:txBody>
+                  <a:tcPr/>
+                </a:tc>
+                <a:tc>
+                  <a:txBody>
+                    <a:bodyPr/>
+                    <a:lstStyle/>
+                    <a:p>
+                      <a:endParaRPr lang="ru-RU" sz="1700"/>
+                    </a:p>
+                  </a:txBody>
+                  <a:tcPr/>
+                </a:tc>
+              </a:tr>
+              <a:tr h="312534">
+                <a:tc>
+                  <a:txBody>
+                    <a:bodyPr/>
+                    <a:lstStyle/>
+                    <a:p>
+                      <a:pPr marL="0" marR="0" lvl="0" indent="0" algn="l" defTabSz="914400" rtl="0" eaLnBrk="1" fontAlgn="auto" latinLnBrk="0" hangingPunct="1">
+                        <a:lnSpc>
+                          <a:spcPct val="100000"/>
+                        </a:lnSpc>
+                        <a:spcBef>
+                          <a:spcPts val="0"/>
+                        </a:spcBef>
+                        <a:spcAft>
+                          <a:spcPts val="0"/>
+                        </a:spcAft>
+                        <a:buClrTx/>
+                        <a:buSzTx/>
+                        <a:buFontTx/>
+                        <a:buNone/>
+                        <a:tabLst/>
+                        <a:defRPr/>
+                      </a:pPr>
+                      <a:r>
+                        <a:rPr lang="ru-RU" sz="1700" kern="1200" dirty="0" smtClean="0">
+                          <a:solidFill>
+                            <a:schemeClr val="dk1"/>
+                          </a:solidFill>
+                          <a:effectLst/>
+                          <a:latin typeface="+mn-lt"/>
+                          <a:ea typeface="+mn-ea"/>
+                          <a:cs typeface="+mn-cs"/>
+                        </a:rPr>
+                        <a:t>Сварка металлов</a:t>
+                      </a:r>
+                    </a:p>
+                  </a:txBody>
+                  <a:tcPr/>
+                </a:tc>
+                <a:tc>
+                  <a:txBody>
+                    <a:bodyPr/>
+                    <a:lstStyle/>
+                    <a:p>
+                      <a:endParaRPr lang="ru-RU" sz="1700" dirty="0"/>
+                    </a:p>
+                  </a:txBody>
+                  <a:tcPr/>
+                </a:tc>
+                <a:tc>
+                  <a:txBody>
+                    <a:bodyPr/>
+                    <a:lstStyle/>
+                    <a:p>
+                      <a:endParaRPr lang="ru-RU" sz="1700"/>
+                    </a:p>
+                  </a:txBody>
+                  <a:tcPr/>
+                </a:tc>
+                <a:tc>
+                  <a:txBody>
+                    <a:bodyPr/>
+                    <a:lstStyle/>
+                    <a:p>
+                      <a:endParaRPr lang="ru-RU" sz="1700" dirty="0" smtClean="0"/>
+                    </a:p>
+                  </a:txBody>
+                  <a:tcPr/>
+                </a:tc>
+              </a:tr>
+              <a:tr h="312534">
+                <a:tc>
+                  <a:txBody>
+                    <a:bodyPr/>
+                    <a:lstStyle/>
+                    <a:p>
+                      <a:r>
+                        <a:rPr lang="ru-RU" sz="1700" kern="1200" dirty="0" smtClean="0">
+                          <a:solidFill>
+                            <a:schemeClr val="dk1"/>
+                          </a:solidFill>
+                          <a:effectLst/>
+                          <a:latin typeface="+mn-lt"/>
+                          <a:ea typeface="+mn-ea"/>
+                          <a:cs typeface="+mn-cs"/>
+                        </a:rPr>
+                        <a:t>Измерение </a:t>
+                      </a:r>
+                      <a:endParaRPr lang="ru-RU" sz="1700" dirty="0"/>
+                    </a:p>
+                  </a:txBody>
+                  <a:tcPr/>
+                </a:tc>
+                <a:tc>
+                  <a:txBody>
+                    <a:bodyPr/>
+                    <a:lstStyle/>
+                    <a:p>
+                      <a:endParaRPr lang="ru-RU" sz="1700"/>
+                    </a:p>
+                  </a:txBody>
+                  <a:tcPr/>
+                </a:tc>
+                <a:tc>
+                  <a:txBody>
+                    <a:bodyPr/>
+                    <a:lstStyle/>
+                    <a:p>
+                      <a:endParaRPr lang="ru-RU" sz="1700"/>
+                    </a:p>
+                  </a:txBody>
+                  <a:tcPr/>
+                </a:tc>
+                <a:tc>
+                  <a:txBody>
+                    <a:bodyPr/>
+                    <a:lstStyle/>
+                    <a:p>
+                      <a:endParaRPr lang="ru-RU" sz="1700" dirty="0" smtClean="0"/>
+                    </a:p>
+                  </a:txBody>
+                  <a:tcPr/>
+                </a:tc>
+              </a:tr>
+              <a:tr h="312534">
+                <a:tc>
+                  <a:txBody>
+                    <a:bodyPr/>
+                    <a:lstStyle/>
+                    <a:p>
+                      <a:r>
+                        <a:rPr lang="ru-RU" sz="1700" kern="1200" dirty="0" smtClean="0">
+                          <a:solidFill>
+                            <a:schemeClr val="dk1"/>
+                          </a:solidFill>
+                          <a:effectLst/>
+                          <a:latin typeface="+mn-lt"/>
+                          <a:ea typeface="+mn-ea"/>
+                          <a:cs typeface="+mn-cs"/>
+                        </a:rPr>
+                        <a:t>Крепление</a:t>
+                      </a:r>
+                      <a:endParaRPr lang="ru-RU" sz="1700" dirty="0"/>
+                    </a:p>
+                  </a:txBody>
+                  <a:tcPr/>
+                </a:tc>
+                <a:tc>
+                  <a:txBody>
+                    <a:bodyPr/>
+                    <a:lstStyle/>
+                    <a:p>
+                      <a:endParaRPr lang="ru-RU" sz="1700"/>
+                    </a:p>
+                  </a:txBody>
+                  <a:tcPr/>
+                </a:tc>
+                <a:tc>
+                  <a:txBody>
+                    <a:bodyPr/>
+                    <a:lstStyle/>
+                    <a:p>
+                      <a:endParaRPr lang="ru-RU" sz="1700"/>
+                    </a:p>
+                  </a:txBody>
+                  <a:tcPr/>
+                </a:tc>
+                <a:tc>
+                  <a:txBody>
+                    <a:bodyPr/>
+                    <a:lstStyle/>
+                    <a:p>
+                      <a:endParaRPr lang="ru-RU" sz="1700" dirty="0" smtClean="0"/>
+                    </a:p>
+                  </a:txBody>
+                  <a:tcPr/>
+                </a:tc>
+              </a:tr>
+              <a:tr h="543538">
+                <a:tc>
+                  <a:txBody>
+                    <a:bodyPr/>
+                    <a:lstStyle/>
+                    <a:p>
+                      <a:pPr marL="0" marR="0" lvl="0" indent="0" algn="l" defTabSz="914400" rtl="0" eaLnBrk="1" fontAlgn="auto" latinLnBrk="0" hangingPunct="1">
+                        <a:lnSpc>
+                          <a:spcPct val="100000"/>
+                        </a:lnSpc>
+                        <a:spcBef>
+                          <a:spcPts val="0"/>
+                        </a:spcBef>
+                        <a:spcAft>
+                          <a:spcPts val="0"/>
+                        </a:spcAft>
+                        <a:buClrTx/>
+                        <a:buSzTx/>
+                        <a:buFontTx/>
+                        <a:buNone/>
+                        <a:tabLst/>
+                        <a:defRPr/>
+                      </a:pPr>
+                      <a:r>
+                        <a:rPr lang="ru-RU" sz="1700" kern="1200" dirty="0" smtClean="0">
+                          <a:solidFill>
+                            <a:schemeClr val="dk1"/>
+                          </a:solidFill>
+                          <a:effectLst/>
+                          <a:latin typeface="+mn-lt"/>
+                          <a:ea typeface="+mn-ea"/>
+                          <a:cs typeface="+mn-cs"/>
+                        </a:rPr>
+                        <a:t>Ручная обработка металлов</a:t>
+                      </a:r>
+                    </a:p>
+                  </a:txBody>
+                  <a:tcPr/>
+                </a:tc>
+                <a:tc>
+                  <a:txBody>
+                    <a:bodyPr/>
+                    <a:lstStyle/>
+                    <a:p>
+                      <a:endParaRPr lang="ru-RU" sz="1700"/>
+                    </a:p>
+                  </a:txBody>
+                  <a:tcPr/>
+                </a:tc>
+                <a:tc>
+                  <a:txBody>
+                    <a:bodyPr/>
+                    <a:lstStyle/>
+                    <a:p>
+                      <a:endParaRPr lang="ru-RU" sz="1700"/>
+                    </a:p>
+                  </a:txBody>
+                  <a:tcPr/>
+                </a:tc>
+                <a:tc>
+                  <a:txBody>
+                    <a:bodyPr/>
+                    <a:lstStyle/>
+                    <a:p>
+                      <a:endParaRPr lang="ru-RU" sz="1700" dirty="0" smtClean="0"/>
+                    </a:p>
+                  </a:txBody>
+                  <a:tcPr/>
+                </a:tc>
+              </a:tr>
+              <a:tr h="543538">
+                <a:tc>
+                  <a:txBody>
+                    <a:bodyPr/>
+                    <a:lstStyle/>
+                    <a:p>
+                      <a:pPr marL="0" marR="0" lvl="0" indent="0" algn="l" defTabSz="914400" rtl="0" eaLnBrk="1" fontAlgn="auto" latinLnBrk="0" hangingPunct="1">
+                        <a:lnSpc>
+                          <a:spcPct val="100000"/>
+                        </a:lnSpc>
+                        <a:spcBef>
+                          <a:spcPts val="0"/>
+                        </a:spcBef>
+                        <a:spcAft>
+                          <a:spcPts val="0"/>
+                        </a:spcAft>
+                        <a:buClrTx/>
+                        <a:buSzTx/>
+                        <a:buFontTx/>
+                        <a:buNone/>
+                        <a:tabLst/>
+                        <a:defRPr/>
+                      </a:pPr>
+                      <a:r>
+                        <a:rPr lang="ru-RU" sz="1700" kern="1200" dirty="0" smtClean="0">
+                          <a:solidFill>
+                            <a:schemeClr val="dk1"/>
+                          </a:solidFill>
+                          <a:effectLst/>
+                          <a:latin typeface="+mn-lt"/>
+                          <a:ea typeface="+mn-ea"/>
+                          <a:cs typeface="+mn-cs"/>
+                        </a:rPr>
+                        <a:t>Автоматизация ручного труда</a:t>
+                      </a:r>
+                    </a:p>
+                  </a:txBody>
+                  <a:tcPr/>
+                </a:tc>
+                <a:tc>
+                  <a:txBody>
+                    <a:bodyPr/>
+                    <a:lstStyle/>
+                    <a:p>
+                      <a:endParaRPr lang="ru-RU" sz="1700"/>
+                    </a:p>
+                  </a:txBody>
+                  <a:tcPr/>
+                </a:tc>
+                <a:tc>
+                  <a:txBody>
+                    <a:bodyPr/>
+                    <a:lstStyle/>
+                    <a:p>
+                      <a:endParaRPr lang="ru-RU" sz="1700" dirty="0"/>
+                    </a:p>
+                  </a:txBody>
+                  <a:tcPr/>
+                </a:tc>
+                <a:tc>
+                  <a:txBody>
+                    <a:bodyPr/>
+                    <a:lstStyle/>
+                    <a:p>
+                      <a:endParaRPr lang="ru-RU" sz="1700" dirty="0" smtClean="0"/>
+                    </a:p>
+                  </a:txBody>
+                  <a:tcPr/>
+                </a:tc>
+              </a:tr>
+            </a:tbl>
+          </a:graphicData>
+        </a:graphic>
+      </p:graphicFrame>
+    </p:spTree>
+    <p:extLst>
+      <p:ext uri="{BB962C8B-B14F-4D97-AF65-F5344CB8AC3E}">
+        <p14:creationId xmlns:p14="http://schemas.microsoft.com/office/powerpoint/2010/main" val="4148914318"/>
+      </p:ext>
+    </p:extLst>
+  </p:cSld>
+  <p:clrMapOvr>
+    <a:masterClrMapping/>
+  </p:clrMapOvr>
+</p:sld>
+</file>
+
+<file path=ppt/slides/slide12.xml><?xml version="1.0" encoding="utf-8"?>
+<p:sld xmlns:a="http://schemas.openxmlformats.org/drawingml/2006/main" xmlns:r="http://schemas.openxmlformats.org/officeDocument/2006/relationships" xmlns:p="http://schemas.openxmlformats.org/presentationml/2006/main">
+  <p:cSld>
+    <p:spTree>
+      <p:nvGrpSpPr>
+        <p:cNvPr id="1" name=""/>
+        <p:cNvGrpSpPr/>
+        <p:nvPr/>
+      </p:nvGrpSpPr>
+      <p:grpSpPr>
+        <a:xfrm>
+          <a:off x="0" y="0"/>
+          <a:ext cx="0" cy="0"/>
+          <a:chOff x="0" y="0"/>
+          <a:chExt cx="0" cy="0"/>
+        </a:xfrm>
+      </p:grpSpPr>
+      <p:sp>
+        <p:nvSpPr>
+          <p:cNvPr id="2" name="Заголовок 1"/>
+          <p:cNvSpPr>
+            <a:spLocks noGrp="1"/>
+          </p:cNvSpPr>
+          <p:nvPr>
+            <p:ph type="title"/>
+          </p:nvPr>
+        </p:nvSpPr>
+        <p:spPr/>
+        <p:txBody>
+          <a:bodyPr/>
+          <a:lstStyle/>
+          <a:p>
+            <a:r>
+              <a:rPr lang="ru-RU" b="1" dirty="0" smtClean="0"/>
+              <a:t>Проектирование базы данных</a:t>
+            </a:r>
+            <a:endParaRPr lang="ru-RU" b="1" dirty="0"/>
+          </a:p>
+        </p:txBody>
+      </p:sp>
+      <p:sp>
+        <p:nvSpPr>
+          <p:cNvPr id="3" name="Объект 2"/>
+          <p:cNvSpPr>
+            <a:spLocks noGrp="1"/>
+          </p:cNvSpPr>
+          <p:nvPr>
+            <p:ph idx="1"/>
+          </p:nvPr>
+        </p:nvSpPr>
+        <p:spPr/>
+        <p:txBody>
+          <a:bodyPr/>
+          <a:lstStyle/>
+          <a:p>
+            <a:endParaRPr lang="ru-RU"/>
+          </a:p>
+        </p:txBody>
+      </p:sp>
+    </p:spTree>
+    <p:extLst>
+      <p:ext uri="{BB962C8B-B14F-4D97-AF65-F5344CB8AC3E}">
+        <p14:creationId xmlns:p14="http://schemas.microsoft.com/office/powerpoint/2010/main" val="2169538415"/>
+      </p:ext>
+    </p:extLst>
+  </p:cSld>
+  <p:clrMapOvr>
+    <a:masterClrMapping/>
+  </p:clrMapOvr>
+</p:sld>
+</file>
+
+<file path=ppt/slides/slide13.xml><?xml version="1.0" encoding="utf-8"?>
+<p:sld xmlns:a="http://schemas.openxmlformats.org/drawingml/2006/main" xmlns:r="http://schemas.openxmlformats.org/officeDocument/2006/relationships" xmlns:p="http://schemas.openxmlformats.org/presentationml/2006/main">
+  <p:cSld>
+    <p:spTree>
+      <p:nvGrpSpPr>
+        <p:cNvPr id="1" name=""/>
+        <p:cNvGrpSpPr/>
+        <p:nvPr/>
+      </p:nvGrpSpPr>
+      <p:grpSpPr>
+        <a:xfrm>
+          <a:off x="0" y="0"/>
+          <a:ext cx="0" cy="0"/>
+          <a:chOff x="0" y="0"/>
+          <a:chExt cx="0" cy="0"/>
+        </a:xfrm>
+      </p:grpSpPr>
+      <p:sp>
+        <p:nvSpPr>
+          <p:cNvPr id="2" name="Заголовок 1"/>
+          <p:cNvSpPr>
+            <a:spLocks noGrp="1"/>
+          </p:cNvSpPr>
+          <p:nvPr>
+            <p:ph type="title"/>
+          </p:nvPr>
+        </p:nvSpPr>
+        <p:spPr>
+          <a:xfrm>
+            <a:off x="467544" y="332656"/>
+            <a:ext cx="8229600" cy="1858218"/>
+          </a:xfrm>
+        </p:spPr>
+        <p:txBody>
+          <a:bodyPr>
+            <a:normAutofit fontScale="90000"/>
+          </a:bodyPr>
+          <a:lstStyle/>
+          <a:p>
+            <a:pPr lvl="0"/>
+            <a:r>
+              <a:rPr lang="ru-RU" b="1" dirty="0" smtClean="0"/>
+              <a:t>Разработка модуля </a:t>
+            </a:r>
+            <a:r>
+              <a:rPr lang="ru-RU" b="1" dirty="0"/>
+              <a:t>системы по заполнению информации в базу данных</a:t>
+            </a:r>
+            <a:r>
+              <a:rPr lang="ru-RU" dirty="0"/>
+              <a:t/>
+            </a:r>
+            <a:br>
+              <a:rPr lang="ru-RU" dirty="0"/>
+            </a:br>
+            <a:endParaRPr lang="ru-RU" dirty="0"/>
+          </a:p>
+        </p:txBody>
+      </p:sp>
+      <p:sp>
+        <p:nvSpPr>
+          <p:cNvPr id="3" name="Объект 2"/>
+          <p:cNvSpPr>
+            <a:spLocks noGrp="1"/>
+          </p:cNvSpPr>
+          <p:nvPr>
+            <p:ph idx="1"/>
+          </p:nvPr>
+        </p:nvSpPr>
+        <p:spPr/>
+        <p:txBody>
+          <a:bodyPr/>
+          <a:lstStyle/>
+          <a:p>
+            <a:endParaRPr lang="ru-RU"/>
+          </a:p>
+        </p:txBody>
+      </p:sp>
+    </p:spTree>
+    <p:extLst>
+      <p:ext uri="{BB962C8B-B14F-4D97-AF65-F5344CB8AC3E}">
+        <p14:creationId xmlns:p14="http://schemas.microsoft.com/office/powerpoint/2010/main" val="4069664883"/>
+      </p:ext>
+    </p:extLst>
+  </p:cSld>
+  <p:clrMapOvr>
+    <a:masterClrMapping/>
+  </p:clrMapOvr>
+</p:sld>
+</file>
+
+<file path=ppt/slides/slide14.xml><?xml version="1.0" encoding="utf-8"?>
+<p:sld xmlns:a="http://schemas.openxmlformats.org/drawingml/2006/main" xmlns:r="http://schemas.openxmlformats.org/officeDocument/2006/relationships" xmlns:p="http://schemas.openxmlformats.org/presentationml/2006/main">
+  <p:cSld>
+    <p:spTree>
+      <p:nvGrpSpPr>
+        <p:cNvPr id="1" name=""/>
+        <p:cNvGrpSpPr/>
+        <p:nvPr/>
+      </p:nvGrpSpPr>
+      <p:grpSpPr>
+        <a:xfrm>
+          <a:off x="0" y="0"/>
+          <a:ext cx="0" cy="0"/>
+          <a:chOff x="0" y="0"/>
+          <a:chExt cx="0" cy="0"/>
+        </a:xfrm>
+      </p:grpSpPr>
+      <p:sp>
+        <p:nvSpPr>
+          <p:cNvPr id="2" name="Заголовок 1"/>
+          <p:cNvSpPr>
+            <a:spLocks noGrp="1"/>
+          </p:cNvSpPr>
+          <p:nvPr>
+            <p:ph type="title"/>
+          </p:nvPr>
+        </p:nvSpPr>
+        <p:spPr/>
+        <p:txBody>
+          <a:bodyPr/>
+          <a:lstStyle/>
+          <a:p>
+            <a:r>
+              <a:rPr lang="ru-RU" b="1" dirty="0" smtClean="0"/>
+              <a:t>Заключение</a:t>
+            </a:r>
+            <a:endParaRPr lang="ru-RU" b="1" dirty="0"/>
+          </a:p>
+        </p:txBody>
+      </p:sp>
+      <p:sp>
+        <p:nvSpPr>
+          <p:cNvPr id="3" name="Содержимое 2"/>
+          <p:cNvSpPr>
+            <a:spLocks noGrp="1"/>
+          </p:cNvSpPr>
+          <p:nvPr>
+            <p:ph idx="1"/>
+          </p:nvPr>
+        </p:nvSpPr>
+        <p:spPr/>
+        <p:txBody>
+          <a:bodyPr/>
+          <a:lstStyle/>
+          <a:p>
+            <a:pPr algn="just"/>
+            <a:endParaRPr lang="ru-RU" dirty="0"/>
+          </a:p>
+        </p:txBody>
+      </p:sp>
+    </p:spTree>
+  </p:cSld>
+  <p:clrMapOvr>
+    <a:masterClrMapping/>
+  </p:clrMapOvr>
+</p:sld>
+</file>
+
+<file path=ppt/slides/slide15.xml><?xml version="1.0" encoding="utf-8"?>
+<p:sld xmlns:a="http://schemas.openxmlformats.org/drawingml/2006/main" xmlns:r="http://schemas.openxmlformats.org/officeDocument/2006/relationships" xmlns:p="http://schemas.openxmlformats.org/presentationml/2006/main">
+  <p:cSld>
+    <p:spTree>
+      <p:nvGrpSpPr>
+        <p:cNvPr id="1" name=""/>
+        <p:cNvGrpSpPr/>
+        <p:nvPr/>
+      </p:nvGrpSpPr>
+      <p:grpSpPr>
+        <a:xfrm>
+          <a:off x="0" y="0"/>
+          <a:ext cx="0" cy="0"/>
+          <a:chOff x="0" y="0"/>
+          <a:chExt cx="0" cy="0"/>
+        </a:xfrm>
+      </p:grpSpPr>
+      <p:sp>
+        <p:nvSpPr>
+          <p:cNvPr id="4" name="Объект 2"/>
+          <p:cNvSpPr txBox="1">
+            <a:spLocks/>
+          </p:cNvSpPr>
+          <p:nvPr/>
+        </p:nvSpPr>
+        <p:spPr>
+          <a:xfrm>
+            <a:off x="4961868" y="5301208"/>
+            <a:ext cx="4039288" cy="1224136"/>
+          </a:xfrm>
+          <a:prstGeom prst="rect">
+            <a:avLst/>
+          </a:prstGeom>
+        </p:spPr>
+        <p:txBody>
+          <a:bodyPr vert="horz" lIns="91440" tIns="45720" rIns="91440" bIns="45720" rtlCol="0">
+            <a:normAutofit fontScale="92500" lnSpcReduction="10000"/>
+          </a:bodyPr>
+          <a:lstStyle/>
+          <a:p>
+            <a:pPr marL="0" marR="0" lvl="0" indent="0" algn="l" defTabSz="914400" rtl="0" eaLnBrk="1" fontAlgn="auto" latinLnBrk="0" hangingPunct="1">
+              <a:lnSpc>
+                <a:spcPct val="100000"/>
+              </a:lnSpc>
+              <a:spcBef>
+                <a:spcPct val="20000"/>
+              </a:spcBef>
+              <a:spcAft>
+                <a:spcPts val="0"/>
+              </a:spcAft>
+              <a:buClrTx/>
+              <a:buSzTx/>
+              <a:buFont typeface="Arial" pitchFamily="34" charset="0"/>
+              <a:buNone/>
+              <a:tabLst/>
+              <a:defRPr/>
+            </a:pPr>
+            <a:r>
+              <a:rPr kumimoji="0" lang="ru-RU" sz="2400" b="0" i="0" u="none" strike="noStrike" kern="1200" cap="none" spc="0" normalizeH="0" baseline="0" noProof="0" dirty="0" smtClean="0">
+                <a:ln>
+                  <a:noFill/>
+                </a:ln>
+                <a:solidFill>
+                  <a:schemeClr val="tx1"/>
+                </a:solidFill>
+                <a:effectLst/>
+                <a:uLnTx/>
+                <a:uFillTx/>
+                <a:latin typeface="+mn-lt"/>
+                <a:ea typeface="+mn-ea"/>
+                <a:cs typeface="+mn-cs"/>
+              </a:rPr>
+              <a:t>Студент</a:t>
+            </a:r>
+            <a:r>
+              <a:rPr kumimoji="0" lang="ru-RU" sz="2400" b="0" i="0" u="none" strike="noStrike" kern="1200" cap="none" spc="0" normalizeH="0" noProof="0" dirty="0" smtClean="0">
+                <a:ln>
+                  <a:noFill/>
+                </a:ln>
+                <a:solidFill>
+                  <a:schemeClr val="tx1"/>
+                </a:solidFill>
+                <a:effectLst/>
+                <a:uLnTx/>
+                <a:uFillTx/>
+                <a:latin typeface="+mn-lt"/>
+                <a:ea typeface="+mn-ea"/>
+                <a:cs typeface="+mn-cs"/>
+              </a:rPr>
+              <a:t> гр.</a:t>
+            </a:r>
+            <a:r>
+              <a:rPr kumimoji="0" lang="ru-RU" sz="2400" b="0" i="0" u="none" strike="noStrike" kern="1200" cap="none" spc="0" normalizeH="0" baseline="0" noProof="0" dirty="0" smtClean="0">
+                <a:ln>
+                  <a:noFill/>
+                </a:ln>
+                <a:solidFill>
+                  <a:schemeClr val="tx1"/>
+                </a:solidFill>
+                <a:effectLst/>
+                <a:uLnTx/>
+                <a:uFillTx/>
+                <a:latin typeface="+mn-lt"/>
+                <a:ea typeface="+mn-ea"/>
+                <a:cs typeface="+mn-cs"/>
+              </a:rPr>
+              <a:t> ИТСИ-17-1м</a:t>
+            </a:r>
+          </a:p>
+          <a:p>
+            <a:pPr marL="0" marR="0" lvl="0" indent="0" algn="l" defTabSz="914400" rtl="0" eaLnBrk="1" fontAlgn="auto" latinLnBrk="0" hangingPunct="1">
+              <a:lnSpc>
+                <a:spcPct val="100000"/>
+              </a:lnSpc>
+              <a:spcBef>
+                <a:spcPct val="20000"/>
+              </a:spcBef>
+              <a:spcAft>
+                <a:spcPts val="0"/>
+              </a:spcAft>
+              <a:buClrTx/>
+              <a:buSzTx/>
+              <a:buFont typeface="Arial" pitchFamily="34" charset="0"/>
+              <a:buNone/>
+              <a:tabLst/>
+              <a:defRPr/>
+            </a:pPr>
+            <a:r>
+              <a:rPr kumimoji="0" lang="ru-RU" sz="2400" b="0" i="0" u="none" strike="noStrike" kern="1200" cap="none" spc="0" normalizeH="0" baseline="0" noProof="0" dirty="0" err="1" smtClean="0">
+                <a:ln>
+                  <a:noFill/>
+                </a:ln>
+                <a:solidFill>
+                  <a:schemeClr val="tx1"/>
+                </a:solidFill>
+                <a:effectLst/>
+                <a:uLnTx/>
+                <a:uFillTx/>
+                <a:latin typeface="+mn-lt"/>
+                <a:ea typeface="+mn-ea"/>
+                <a:cs typeface="+mn-cs"/>
+              </a:rPr>
+              <a:t>Боталова</a:t>
+            </a:r>
+            <a:r>
+              <a:rPr kumimoji="0" lang="ru-RU" sz="2400" b="0" i="0" u="none" strike="noStrike" kern="1200" cap="none" spc="0" normalizeH="0" baseline="0" noProof="0" dirty="0" smtClean="0">
+                <a:ln>
+                  <a:noFill/>
+                </a:ln>
+                <a:solidFill>
+                  <a:schemeClr val="tx1"/>
+                </a:solidFill>
+                <a:effectLst/>
+                <a:uLnTx/>
+                <a:uFillTx/>
+                <a:latin typeface="+mn-lt"/>
+                <a:ea typeface="+mn-ea"/>
+                <a:cs typeface="+mn-cs"/>
+              </a:rPr>
+              <a:t> Юлия</a:t>
+            </a:r>
+          </a:p>
+          <a:p>
+            <a:pPr marL="0" marR="0" lvl="0" indent="0" algn="l" defTabSz="914400" rtl="0" eaLnBrk="1" fontAlgn="auto" latinLnBrk="0" hangingPunct="1">
+              <a:lnSpc>
+                <a:spcPct val="100000"/>
+              </a:lnSpc>
+              <a:spcBef>
+                <a:spcPct val="20000"/>
+              </a:spcBef>
+              <a:spcAft>
+                <a:spcPts val="0"/>
+              </a:spcAft>
+              <a:buClrTx/>
+              <a:buSzTx/>
+              <a:buFont typeface="Arial" pitchFamily="34" charset="0"/>
+              <a:buNone/>
+              <a:tabLst/>
+              <a:defRPr/>
+            </a:pPr>
+            <a:r>
+              <a:rPr kumimoji="0" lang="en-US" sz="2400" b="0" i="0" u="none" strike="noStrike" kern="1200" cap="none" spc="0" normalizeH="0" baseline="0" noProof="0" dirty="0" smtClean="0">
+                <a:ln>
+                  <a:noFill/>
+                </a:ln>
+                <a:solidFill>
+                  <a:schemeClr val="tx1"/>
+                </a:solidFill>
+                <a:effectLst/>
+                <a:uLnTx/>
+                <a:uFillTx/>
+                <a:latin typeface="+mn-lt"/>
+                <a:ea typeface="+mn-ea"/>
+                <a:cs typeface="+mn-cs"/>
+              </a:rPr>
+              <a:t>E-mail: botalowa.yu@yandex.ru</a:t>
+            </a:r>
+            <a:endParaRPr kumimoji="0" lang="ru-RU" sz="2400" b="0" i="0" u="none" strike="noStrike" kern="1200" cap="none" spc="0" normalizeH="0" baseline="0" noProof="0" dirty="0">
+              <a:ln>
+                <a:noFill/>
+              </a:ln>
+              <a:solidFill>
+                <a:schemeClr val="tx1"/>
+              </a:solidFill>
+              <a:effectLst/>
+              <a:uLnTx/>
+              <a:uFillTx/>
+              <a:latin typeface="+mn-lt"/>
+              <a:ea typeface="+mn-ea"/>
+              <a:cs typeface="+mn-cs"/>
+            </a:endParaRPr>
+          </a:p>
+        </p:txBody>
+      </p:sp>
+      <p:sp>
+        <p:nvSpPr>
+          <p:cNvPr id="5" name="Заголовок 1"/>
+          <p:cNvSpPr>
+            <a:spLocks noGrp="1"/>
+          </p:cNvSpPr>
+          <p:nvPr>
+            <p:ph type="title"/>
+          </p:nvPr>
+        </p:nvSpPr>
+        <p:spPr>
+          <a:xfrm>
+            <a:off x="539552" y="2636912"/>
+            <a:ext cx="8229600" cy="1143000"/>
+          </a:xfrm>
+        </p:spPr>
+        <p:txBody>
+          <a:bodyPr/>
+          <a:lstStyle/>
+          <a:p>
+            <a:r>
+              <a:rPr lang="ru-RU" b="1" dirty="0" smtClean="0"/>
+              <a:t>Спасибо за внимание!</a:t>
+            </a:r>
+            <a:endParaRPr lang="ru-RU" b="1" dirty="0"/>
           </a:p>
         </p:txBody>
       </p:sp>
@@ -3774,30 +7348,7 @@
       </p:grpSpPr>
       <p:sp>
         <p:nvSpPr>
-          <p:cNvPr id="2" name="Заголовок 1"/>
-          <p:cNvSpPr>
-            <a:spLocks noGrp="1"/>
-          </p:cNvSpPr>
-          <p:nvPr>
-            <p:ph type="title"/>
-          </p:nvPr>
-        </p:nvSpPr>
-        <p:spPr/>
-        <p:txBody>
-          <a:bodyPr/>
-          <a:lstStyle/>
-          <a:p>
-            <a:r>
-              <a:rPr lang="ru-RU" b="1" dirty="0" smtClean="0"/>
-              <a:t>Содержательная постановка</a:t>
-            </a:r>
-            <a:endParaRPr lang="ru-RU" b="1" dirty="0"/>
-          </a:p>
-        </p:txBody>
-      </p:sp>
-      <p:sp>
-        <p:nvSpPr>
-          <p:cNvPr id="3" name="Содержимое 2"/>
+          <p:cNvPr id="3" name="Объект 2"/>
           <p:cNvSpPr>
             <a:spLocks noGrp="1"/>
           </p:cNvSpPr>
@@ -3805,33 +7356,156 @@
             <p:ph idx="1"/>
           </p:nvPr>
         </p:nvSpPr>
-        <p:spPr/>
-        <p:txBody>
-          <a:bodyPr/>
+        <p:spPr>
+          <a:xfrm>
+            <a:off x="802975" y="152328"/>
+            <a:ext cx="7776864" cy="936104"/>
+          </a:xfrm>
+        </p:spPr>
+        <p:txBody>
+          <a:bodyPr>
+            <a:normAutofit/>
+          </a:bodyPr>
+          <a:lstStyle/>
+          <a:p>
+            <a:pPr marL="0" indent="0" algn="just">
+              <a:buNone/>
+            </a:pPr>
+            <a:r>
+              <a:rPr lang="ru-RU" sz="4400" b="1" dirty="0" smtClean="0"/>
+              <a:t>Технологическая оснастка (ТО)</a:t>
+            </a:r>
+          </a:p>
+        </p:txBody>
+      </p:sp>
+      <p:pic>
+        <p:nvPicPr>
+          <p:cNvPr id="3075" name="Picture 3"/>
+          <p:cNvPicPr>
+            <a:picLocks noChangeAspect="1" noChangeArrowheads="1"/>
+          </p:cNvPicPr>
+          <p:nvPr/>
+        </p:nvPicPr>
+        <p:blipFill>
+          <a:blip r:embed="rId3" cstate="print">
+            <a:extLst>
+              <a:ext uri="{28A0092B-C50C-407E-A947-70E740481C1C}">
+                <a14:useLocalDpi xmlns:a14="http://schemas.microsoft.com/office/drawing/2010/main" val="0"/>
+              </a:ext>
+            </a:extLst>
+          </a:blip>
+          <a:srcRect/>
+          <a:stretch>
+            <a:fillRect/>
+          </a:stretch>
+        </p:blipFill>
+        <p:spPr bwMode="auto">
+          <a:xfrm>
+            <a:off x="2555776" y="3861048"/>
+            <a:ext cx="5364088" cy="2520280"/>
+          </a:xfrm>
+          <a:prstGeom prst="rect">
+            <a:avLst/>
+          </a:prstGeom>
+          <a:noFill/>
+          <a:ln>
+            <a:noFill/>
+          </a:ln>
+          <a:extLst>
+            <a:ext uri="{909E8E84-426E-40DD-AFC4-6F175D3DCCD1}">
+              <a14:hiddenFill xmlns:a14="http://schemas.microsoft.com/office/drawing/2010/main">
+                <a:solidFill>
+                  <a:schemeClr val="accent1"/>
+                </a:solidFill>
+              </a14:hiddenFill>
+            </a:ext>
+            <a:ext uri="{91240B29-F687-4F45-9708-019B960494DF}">
+              <a14:hiddenLine xmlns:a14="http://schemas.microsoft.com/office/drawing/2010/main" w="9525">
+                <a:solidFill>
+                  <a:schemeClr val="tx1"/>
+                </a:solidFill>
+                <a:miter lim="800000"/>
+                <a:headEnd/>
+                <a:tailEnd/>
+              </a14:hiddenLine>
+            </a:ext>
+          </a:extLst>
+        </p:spPr>
+      </p:pic>
+      <p:sp>
+        <p:nvSpPr>
+          <p:cNvPr id="5" name="Прямоугольник 4"/>
+          <p:cNvSpPr/>
+          <p:nvPr/>
+        </p:nvSpPr>
+        <p:spPr>
+          <a:xfrm>
+            <a:off x="424861" y="908721"/>
+            <a:ext cx="8611635" cy="2899255"/>
+          </a:xfrm>
+          <a:prstGeom prst="rect">
+            <a:avLst/>
+          </a:prstGeom>
+        </p:spPr>
+        <p:txBody>
+          <a:bodyPr wrap="square">
+            <a:spAutoFit/>
+          </a:bodyPr>
           <a:lstStyle/>
           <a:p>
             <a:pPr algn="just"/>
             <a:r>
-              <a:rPr lang="ru-RU" dirty="0" smtClean="0"/>
-              <a:t>Найти метод, который позволяет </a:t>
-            </a:r>
-            <a:r>
-              <a:rPr lang="ru-RU" b="1" dirty="0" smtClean="0"/>
-              <a:t>автоматически</a:t>
-            </a:r>
-            <a:r>
-              <a:rPr lang="ru-RU" dirty="0" smtClean="0"/>
-              <a:t> подбирать технологическую оснастку (далее ТО) для производства, если она имеется в наличии. Если таковой нет, то вести подбор так, чтоб проектируемая модель ТО была максимально близка к необходимой ТО.</a:t>
-            </a:r>
-            <a:endParaRPr lang="ru-RU" dirty="0"/>
+              <a:rPr lang="ru-RU" sz="3200" dirty="0" smtClean="0"/>
+              <a:t>Совокупность </a:t>
+            </a:r>
+            <a:r>
+              <a:rPr lang="ru-RU" sz="3200" dirty="0"/>
+              <a:t>приспособлений для установки и закрепления заготовок и инструмента, выполнения сборочных операций</a:t>
+            </a:r>
+            <a:r>
+              <a:rPr lang="ru-RU" sz="3200" dirty="0" smtClean="0"/>
+              <a:t>, транспортирования заготов</a:t>
+            </a:r>
+            <a:r>
+              <a:rPr lang="ru-RU" sz="3200" dirty="0" smtClean="0"/>
+              <a:t>ок, полуфабрикатов, деталей </a:t>
+            </a:r>
+            <a:r>
+              <a:rPr lang="ru-RU" sz="3200" dirty="0" smtClean="0"/>
+              <a:t>или </a:t>
+            </a:r>
+            <a:r>
+              <a:rPr lang="ru-RU" sz="3200" dirty="0"/>
+              <a:t>изделий. </a:t>
+            </a:r>
+          </a:p>
+          <a:p>
+            <a:pPr>
+              <a:lnSpc>
+                <a:spcPct val="70000"/>
+              </a:lnSpc>
+            </a:pPr>
+            <a:endParaRPr lang="ru-RU" sz="3200" dirty="0"/>
           </a:p>
         </p:txBody>
       </p:sp>
     </p:spTree>
+    <p:extLst>
+      <p:ext uri="{BB962C8B-B14F-4D97-AF65-F5344CB8AC3E}">
+        <p14:creationId xmlns:p14="http://schemas.microsoft.com/office/powerpoint/2010/main" val="1230671389"/>
+      </p:ext>
+    </p:extLst>
   </p:cSld>
   <p:clrMapOvr>
     <a:masterClrMapping/>
   </p:clrMapOvr>
+  <p:timing>
+    <p:tnLst>
+      <p:par>
+        <p:cTn id="1" dur="indefinite" restart="never" nodeType="tmRoot"/>
+      </p:par>
+    </p:tnLst>
+  </p:timing>
 </p:sld>
 </file>
 
@@ -3869,7 +7543,7 @@
           <a:p>
             <a:r>
               <a:rPr lang="ru-RU" b="1" dirty="0" smtClean="0"/>
-              <a:t>Концептуальная постановка</a:t>
+              <a:t>Цель</a:t>
             </a:r>
             <a:endParaRPr lang="ru-RU" b="1" dirty="0"/>
           </a:p>
@@ -3877,7 +7551,7 @@
       </p:sp>
       <p:sp>
         <p:nvSpPr>
-          <p:cNvPr id="3" name="Содержимое 2"/>
+          <p:cNvPr id="3" name="Объект 2"/>
           <p:cNvSpPr>
             <a:spLocks noGrp="1"/>
           </p:cNvSpPr>
@@ -3885,32 +7559,110 @@
             <p:ph idx="1"/>
           </p:nvPr>
         </p:nvSpPr>
-        <p:spPr/>
-        <p:txBody>
-          <a:bodyPr/>
-          <a:lstStyle/>
-          <a:p>
-            <a:pPr>
+        <p:spPr>
+          <a:xfrm>
+            <a:off x="395536" y="1328252"/>
+            <a:ext cx="4536504" cy="5069471"/>
+          </a:xfrm>
+        </p:spPr>
+        <p:txBody>
+          <a:bodyPr>
+            <a:normAutofit fontScale="92500" lnSpcReduction="20000"/>
+          </a:bodyPr>
+          <a:lstStyle/>
+          <a:p>
+            <a:pPr marL="0" indent="0" algn="just">
               <a:buNone/>
             </a:pPr>
             <a:r>
-              <a:rPr lang="ru-RU" b="1" u="sng" dirty="0" smtClean="0"/>
-              <a:t>Гипотеза:</a:t>
-            </a:r>
-          </a:p>
-          <a:p>
-            <a:pPr algn="just">
+              <a:rPr lang="ru-RU" b="1" i="1" dirty="0" smtClean="0"/>
+              <a:t>Общая цель</a:t>
+            </a:r>
+            <a:r>
+              <a:rPr lang="ru-RU" dirty="0" smtClean="0"/>
+              <a:t>: </a:t>
+            </a:r>
+            <a:r>
+              <a:rPr lang="ru-RU" dirty="0"/>
+              <a:t>создание общего подхода управления всеми видами технологической оснастки, используемых на предприятии </a:t>
+            </a:r>
+            <a:r>
+              <a:rPr lang="ru-RU" dirty="0" smtClean="0"/>
+              <a:t>Редуктор-ПМ</a:t>
+            </a:r>
+          </a:p>
+          <a:p>
+            <a:pPr marL="0" indent="0" algn="just">
               <a:buNone/>
             </a:pPr>
+            <a:endParaRPr lang="ru-RU" dirty="0"/>
+          </a:p>
+          <a:p>
+            <a:pPr marL="0" indent="0" algn="just">
+              <a:buNone/>
+            </a:pPr>
+            <a:r>
+              <a:rPr lang="ru-RU" b="1" i="1" dirty="0"/>
+              <a:t>Проблема</a:t>
+            </a:r>
             <a:r>
               <a:rPr lang="ru-RU" dirty="0" smtClean="0"/>
-              <a:t>	ТО может быть описана некоторым конечным набором измеримых параметров. Исходя из этого, необходимо определить алгоритм (метод), который позволяет решить задачу в автоматическом режиме и находит ТО, параметры которой максимально близки к требуемой.</a:t>
-            </a:r>
-            <a:endParaRPr lang="ru-RU" dirty="0"/>
-          </a:p>
-        </p:txBody>
-      </p:sp>
+              <a:t>: </a:t>
+            </a:r>
+            <a:r>
+              <a:rPr lang="ru-RU" dirty="0"/>
+              <a:t>отсутствие единой БД и единого подхода к управлению процессами ТО на Редуктор-ПМ</a:t>
+            </a:r>
+          </a:p>
+        </p:txBody>
+      </p:sp>
+      <p:pic>
+        <p:nvPicPr>
+          <p:cNvPr id="1028" name="Picture 4" descr="http://happy-family-world.ru/wp-content/uploads/2015/08/3D-Women-Arrow-02-1024x1024.jpg"/>
+          <p:cNvPicPr>
+            <a:picLocks noChangeAspect="1" noChangeArrowheads="1"/>
+          </p:cNvPicPr>
+          <p:nvPr/>
+        </p:nvPicPr>
+        <p:blipFill>
+          <a:blip r:embed="rId3" cstate="print">
+            <a:extLst>
+              <a:ext uri="{28A0092B-C50C-407E-A947-70E740481C1C}">
+                <a14:useLocalDpi xmlns:a14="http://schemas.microsoft.com/office/drawing/2010/main" val="0"/>
+              </a:ext>
+            </a:extLst>
+          </a:blip>
+          <a:srcRect/>
+          <a:stretch>
+            <a:fillRect/>
+          </a:stretch>
+        </p:blipFill>
+        <p:spPr bwMode="auto">
+          <a:xfrm>
+            <a:off x="5288987" y="2204864"/>
+            <a:ext cx="3636305" cy="2592288"/>
+          </a:xfrm>
+          <a:prstGeom prst="rect">
+            <a:avLst/>
+          </a:prstGeom>
+          <a:noFill/>
+          <a:extLst>
+            <a:ext uri="{909E8E84-426E-40DD-AFC4-6F175D3DCCD1}">
+              <a14:hiddenFill xmlns:a14="http://schemas.microsoft.com/office/drawing/2010/main">
+                <a:solidFill>
+                  <a:srgbClr val="FFFFFF"/>
+                </a:solidFill>
+              </a14:hiddenFill>
+            </a:ext>
+          </a:extLst>
+        </p:spPr>
+      </p:pic>
     </p:spTree>
+    <p:extLst>
+      <p:ext uri="{BB962C8B-B14F-4D97-AF65-F5344CB8AC3E}">
+        <p14:creationId xmlns:p14="http://schemas.microsoft.com/office/powerpoint/2010/main" val="3013823244"/>
+      </p:ext>
+    </p:extLst>
   </p:cSld>
   <p:clrMapOvr>
     <a:masterClrMapping/>
@@ -3935,79 +7687,22 @@
           <a:chExt cx="0" cy="0"/>
         </a:xfrm>
       </p:grpSpPr>
-      <p:sp>
-        <p:nvSpPr>
-          <p:cNvPr id="2" name="Заголовок 1"/>
-          <p:cNvSpPr>
-            <a:spLocks noGrp="1"/>
-          </p:cNvSpPr>
-          <p:nvPr>
-            <p:ph type="title"/>
-          </p:nvPr>
-        </p:nvSpPr>
-        <p:spPr/>
-        <p:txBody>
-          <a:bodyPr/>
-          <a:lstStyle/>
-          <a:p>
-            <a:r>
-              <a:rPr lang="ru-RU" b="1" dirty="0" smtClean="0"/>
-              <a:t>Математическая постановка</a:t>
-            </a:r>
-            <a:endParaRPr lang="ru-RU" b="1" dirty="0"/>
-          </a:p>
-        </p:txBody>
-      </p:sp>
-      <p:sp>
-        <p:nvSpPr>
-          <p:cNvPr id="3" name="Содержимое 2"/>
-          <p:cNvSpPr>
-            <a:spLocks noGrp="1"/>
-          </p:cNvSpPr>
-          <p:nvPr>
-            <p:ph idx="1"/>
-          </p:nvPr>
-        </p:nvSpPr>
-        <p:spPr/>
-        <p:txBody>
-          <a:bodyPr/>
-          <a:lstStyle/>
-          <a:p>
-            <a:pPr>
-              <a:buNone/>
-            </a:pPr>
-            <a:r>
-              <a:rPr lang="ru-RU" b="1" dirty="0" smtClean="0"/>
-              <a:t>Критерий близости</a:t>
-            </a:r>
-          </a:p>
-          <a:p>
-            <a:r>
-              <a:rPr lang="ru-RU" dirty="0" smtClean="0"/>
-              <a:t>Измеримые параметры</a:t>
-            </a:r>
-          </a:p>
-          <a:p>
-            <a:r>
-              <a:rPr lang="ru-RU" dirty="0" smtClean="0"/>
-              <a:t>Качественные параметры</a:t>
-            </a:r>
-          </a:p>
-          <a:p>
-            <a:endParaRPr lang="ru-RU" b="1" dirty="0"/>
-          </a:p>
-        </p:txBody>
-      </p:sp>
       <p:pic>
         <p:nvPicPr>
-          <p:cNvPr id="1026" name="Picture 2" descr="https://www.coursepath.com/wp-content/uploads/2017/12/question-mark-1829459_1920.png"/>
+          <p:cNvPr id="6146" name="Picture 2" descr="https://cdn-images-1.medium.com/max/1200/1*T88PmBSUQ0-RcdHgD2hiAw.jpeg"/>
           <p:cNvPicPr>
             <a:picLocks noChangeAspect="1" noChangeArrowheads="1"/>
           </p:cNvPicPr>
           <p:nvPr/>
         </p:nvPicPr>
         <p:blipFill>
-          <a:blip r:embed="rId2" cstate="print"/>
+          <a:blip r:embed="rId3" cstate="print">
+            <a:extLst>
+              <a:ext uri="{28A0092B-C50C-407E-A947-70E740481C1C}">
+                <a14:useLocalDpi xmlns:a14="http://schemas.microsoft.com/office/drawing/2010/main" val="0"/>
+              </a:ext>
+            </a:extLst>
+          </a:blip>
           <a:srcRect/>
           <a:stretch>
             <a:fillRect/>
@@ -4015,16 +7710,113 @@
         </p:blipFill>
         <p:spPr bwMode="auto">
           <a:xfrm>
-            <a:off x="4427984" y="2060848"/>
-            <a:ext cx="5709099" cy="4320480"/>
+            <a:off x="5393320" y="3933056"/>
+            <a:ext cx="3750679" cy="2584843"/>
           </a:xfrm>
           <a:prstGeom prst="rect">
             <a:avLst/>
           </a:prstGeom>
           <a:noFill/>
+          <a:extLst>
+            <a:ext uri="{909E8E84-426E-40DD-AFC4-6F175D3DCCD1}">
+              <a14:hiddenFill xmlns:a14="http://schemas.microsoft.com/office/drawing/2010/main">
+                <a:solidFill>
+                  <a:srgbClr val="FFFFFF"/>
+                </a:solidFill>
+              </a14:hiddenFill>
+            </a:ext>
+          </a:extLst>
         </p:spPr>
       </p:pic>
+      <p:sp>
+        <p:nvSpPr>
+          <p:cNvPr id="2" name="Заголовок 1"/>
+          <p:cNvSpPr>
+            <a:spLocks noGrp="1"/>
+          </p:cNvSpPr>
+          <p:nvPr>
+            <p:ph type="title"/>
+          </p:nvPr>
+        </p:nvSpPr>
+        <p:spPr/>
+        <p:txBody>
+          <a:bodyPr/>
+          <a:lstStyle/>
+          <a:p>
+            <a:r>
+              <a:rPr lang="ru-RU" b="1" dirty="0" smtClean="0"/>
+              <a:t>Предпосылки создания системы</a:t>
+            </a:r>
+            <a:endParaRPr lang="ru-RU" b="1" dirty="0"/>
+          </a:p>
+        </p:txBody>
+      </p:sp>
+      <p:sp>
+        <p:nvSpPr>
+          <p:cNvPr id="3" name="Объект 2"/>
+          <p:cNvSpPr>
+            <a:spLocks noGrp="1"/>
+          </p:cNvSpPr>
+          <p:nvPr>
+            <p:ph idx="1"/>
+          </p:nvPr>
+        </p:nvSpPr>
+        <p:spPr>
+          <a:xfrm>
+            <a:off x="179512" y="1268760"/>
+            <a:ext cx="5904656" cy="5328592"/>
+          </a:xfrm>
+        </p:spPr>
+        <p:txBody>
+          <a:bodyPr>
+            <a:normAutofit fontScale="92500" lnSpcReduction="20000"/>
+          </a:bodyPr>
+          <a:lstStyle/>
+          <a:p>
+            <a:pPr algn="just"/>
+            <a:r>
+              <a:rPr lang="ru-RU" dirty="0"/>
+              <a:t>Отсутствие полной технической информации о ТО </a:t>
+            </a:r>
+            <a:endParaRPr lang="ru-RU" dirty="0" smtClean="0"/>
+          </a:p>
+          <a:p>
+            <a:pPr algn="just"/>
+            <a:r>
+              <a:rPr lang="ru-RU" dirty="0" smtClean="0"/>
+              <a:t>Временные затраты кладовщиков, конструкторов, технологов, программистов на взаимодействие между собой</a:t>
+            </a:r>
+          </a:p>
+          <a:p>
+            <a:pPr algn="just"/>
+            <a:r>
+              <a:rPr lang="ru-RU" dirty="0" smtClean="0"/>
+              <a:t>Временные затраты на добавление, изменение, согласование разной документации</a:t>
+            </a:r>
+          </a:p>
+          <a:p>
+            <a:pPr algn="just"/>
+            <a:r>
+              <a:rPr lang="ru-RU" dirty="0" smtClean="0"/>
+              <a:t>Большие складские площади</a:t>
+            </a:r>
+          </a:p>
+          <a:p>
+            <a:pPr algn="just"/>
+            <a:r>
+              <a:rPr lang="ru-RU" dirty="0"/>
+              <a:t>Небрежное отношение рабочих к ТО</a:t>
+            </a:r>
+            <a:endParaRPr lang="ru-RU" dirty="0"/>
+          </a:p>
+        </p:txBody>
+      </p:sp>
     </p:spTree>
+    <p:extLst>
+      <p:ext uri="{BB962C8B-B14F-4D97-AF65-F5344CB8AC3E}">
+        <p14:creationId xmlns:p14="http://schemas.microsoft.com/office/powerpoint/2010/main" val="2755533420"/>
+      </p:ext>
+    </p:extLst>
   </p:cSld>
   <p:clrMapOvr>
     <a:masterClrMapping/>
@@ -4061,32 +7853,114 @@
         </p:nvSpPr>
         <p:spPr/>
         <p:txBody>
+          <a:bodyPr/>
+          <a:lstStyle/>
+          <a:p>
+            <a:r>
+              <a:rPr lang="ru-RU" b="1" dirty="0" smtClean="0"/>
+              <a:t>Задачи</a:t>
+            </a:r>
+            <a:endParaRPr lang="ru-RU" dirty="0"/>
+          </a:p>
+        </p:txBody>
+      </p:sp>
+      <p:sp>
+        <p:nvSpPr>
+          <p:cNvPr id="3" name="Объект 2"/>
+          <p:cNvSpPr>
+            <a:spLocks noGrp="1"/>
+          </p:cNvSpPr>
+          <p:nvPr>
+            <p:ph idx="1"/>
+          </p:nvPr>
+        </p:nvSpPr>
+        <p:spPr>
+          <a:xfrm>
+            <a:off x="457200" y="1340768"/>
+            <a:ext cx="6203032" cy="5184576"/>
+          </a:xfrm>
+        </p:spPr>
+        <p:txBody>
           <a:bodyPr>
-            <a:normAutofit fontScale="90000"/>
+            <a:normAutofit fontScale="92500"/>
           </a:bodyPr>
           <a:lstStyle/>
           <a:p>
+            <a:pPr marL="514350" lvl="0" indent="-514350" algn="just">
+              <a:buFont typeface="+mj-lt"/>
+              <a:buAutoNum type="arabicPeriod"/>
+            </a:pPr>
+            <a:r>
+              <a:rPr lang="ru-RU" dirty="0" smtClean="0"/>
+              <a:t>Разобраться </a:t>
+            </a:r>
             <a:r>
               <a:rPr lang="ru-RU" dirty="0"/>
-              <a:t>Выбор программного продукта для проектирования интерфейса</a:t>
-            </a:r>
-          </a:p>
-        </p:txBody>
-      </p:sp>
-      <p:sp>
-        <p:nvSpPr>
-          <p:cNvPr id="3" name="Содержимое 2"/>
-          <p:cNvSpPr>
-            <a:spLocks noGrp="1"/>
-          </p:cNvSpPr>
-          <p:nvPr>
-            <p:ph idx="1"/>
-          </p:nvPr>
-        </p:nvSpPr>
-        <p:spPr/>
-        <p:txBody>
-          <a:bodyPr/>
-          <a:lstStyle/>
+              <a:t>с предметной </a:t>
+            </a:r>
+            <a:r>
+              <a:rPr lang="ru-RU" dirty="0" smtClean="0"/>
+              <a:t>областью</a:t>
+            </a:r>
+          </a:p>
+          <a:p>
+            <a:pPr marL="514350" lvl="0" indent="-514350" algn="just">
+              <a:buFont typeface="+mj-lt"/>
+              <a:buAutoNum type="arabicPeriod"/>
+            </a:pPr>
+            <a:r>
+              <a:rPr lang="ru-RU" dirty="0" smtClean="0"/>
+              <a:t>Составить требования к системе</a:t>
+            </a:r>
+            <a:endParaRPr lang="ru-RU" dirty="0"/>
+          </a:p>
+          <a:p>
+            <a:pPr marL="514350" lvl="0" indent="-514350" algn="just">
+              <a:buFont typeface="+mj-lt"/>
+              <a:buAutoNum type="arabicPeriod"/>
+            </a:pPr>
+            <a:r>
+              <a:rPr lang="ru-RU" dirty="0"/>
+              <a:t>Создать классификатор </a:t>
+            </a:r>
+            <a:r>
+              <a:rPr lang="ru-RU" dirty="0" smtClean="0"/>
+              <a:t>ТО</a:t>
+            </a:r>
+          </a:p>
+          <a:p>
+            <a:pPr marL="514350" lvl="0" indent="-514350" algn="just">
+              <a:buFont typeface="+mj-lt"/>
+              <a:buAutoNum type="arabicPeriod"/>
+            </a:pPr>
+            <a:r>
+              <a:rPr lang="ru-RU" dirty="0" smtClean="0"/>
+              <a:t>Спроектировать БД для </a:t>
+            </a:r>
+            <a:r>
+              <a:rPr lang="ru-RU" dirty="0"/>
+              <a:t>хранения всей информации о ТО и о дополнительном </a:t>
+            </a:r>
+            <a:r>
+              <a:rPr lang="ru-RU" dirty="0" smtClean="0"/>
+              <a:t>материале</a:t>
+            </a:r>
+            <a:endParaRPr lang="ru-RU" dirty="0"/>
+          </a:p>
+          <a:p>
+            <a:pPr marL="514350" lvl="0" indent="-514350" algn="just">
+              <a:buFont typeface="+mj-lt"/>
+              <a:buAutoNum type="arabicPeriod"/>
+            </a:pPr>
+            <a:r>
+              <a:rPr lang="ru-RU" dirty="0" smtClean="0"/>
+              <a:t>Разработать </a:t>
+            </a:r>
+            <a:r>
+              <a:rPr lang="ru-RU" dirty="0"/>
+              <a:t>модуль системы по заполнению информации в базу данных</a:t>
+            </a:r>
+          </a:p>
           <a:p>
             <a:endParaRPr lang="ru-RU" dirty="0"/>
           </a:p>
@@ -4094,110 +7968,51 @@
       </p:sp>
       <p:pic>
         <p:nvPicPr>
-          <p:cNvPr id="15362" name="Picture 2" descr="ÐÐ¾Ñ-Ð¾Ð¶ÐµÐµ Ð¸Ð·Ð¾Ð±ÑÐ°Ð¶ÐµÐ½Ð¸Ðµ"/>
+          <p:cNvPr id="2050" name="Picture 2" descr="http://www.jaesconsulting.com/wp-content/uploads/2016/03/dart.jpg"/>
           <p:cNvPicPr>
             <a:picLocks noChangeAspect="1" noChangeArrowheads="1"/>
           </p:cNvPicPr>
           <p:nvPr/>
         </p:nvPicPr>
         <p:blipFill>
-          <a:blip r:embed="rId2" cstate="print"/>
+          <a:blip r:embed="rId3" cstate="print">
+            <a:extLst>
+              <a:ext uri="{28A0092B-C50C-407E-A947-70E740481C1C}">
+                <a14:useLocalDpi xmlns:a14="http://schemas.microsoft.com/office/drawing/2010/main" val="0"/>
+              </a:ext>
+            </a:extLst>
+          </a:blip>
           <a:srcRect/>
           <a:stretch>
             <a:fillRect/>
           </a:stretch>
         </p:blipFill>
         <p:spPr bwMode="auto">
-          <a:xfrm>
-            <a:off x="580980" y="2000240"/>
-            <a:ext cx="2786082" cy="2786082"/>
+          <a:xfrm rot="16200000">
+            <a:off x="4832504" y="2556987"/>
+            <a:ext cx="6176854" cy="1728192"/>
           </a:xfrm>
           <a:prstGeom prst="rect">
             <a:avLst/>
           </a:prstGeom>
           <a:noFill/>
-        </p:spPr>
-      </p:pic>
-      <p:pic>
-        <p:nvPicPr>
-          <p:cNvPr id="15364" name="Picture 4" descr="ÐÐ°ÑÑÐ¸Ð½ÐºÐ¸ Ð¿Ð¾ Ð·Ð°Ð¿ÑÐ¾ÑÑ Justinmind Prototyper Ð»Ð¾Ð³Ð¾ÑÐ¸Ð¿"/>
-          <p:cNvPicPr>
-            <a:picLocks noChangeAspect="1" noChangeArrowheads="1"/>
-          </p:cNvPicPr>
-          <p:nvPr/>
-        </p:nvPicPr>
-        <p:blipFill>
-          <a:blip r:embed="rId3" cstate="print"/>
-          <a:srcRect/>
-          <a:stretch>
-            <a:fillRect/>
-          </a:stretch>
-        </p:blipFill>
-        <p:spPr bwMode="auto">
-          <a:xfrm>
-            <a:off x="5000628" y="2143116"/>
-            <a:ext cx="1905000" cy="1905000"/>
-          </a:xfrm>
-          <a:prstGeom prst="rect">
-            <a:avLst/>
-          </a:prstGeom>
-          <a:noFill/>
-        </p:spPr>
-      </p:pic>
-      <p:pic>
-        <p:nvPicPr>
-          <p:cNvPr id="15366" name="Picture 6" descr="ÐÐ°ÑÑÐ¸Ð½ÐºÐ¸ Ð¿Ð¾ Ð·Ð°Ð¿ÑÐ¾ÑÑ Mockplus Ð»Ð¾Ð³Ð¾ÑÐ¸Ð¿"/>
-          <p:cNvPicPr>
-            <a:picLocks noChangeAspect="1" noChangeArrowheads="1"/>
-          </p:cNvPicPr>
-          <p:nvPr/>
-        </p:nvPicPr>
-        <p:blipFill>
-          <a:blip r:embed="rId4" cstate="print"/>
-          <a:srcRect/>
-          <a:stretch>
-            <a:fillRect/>
-          </a:stretch>
-        </p:blipFill>
-        <p:spPr bwMode="auto">
-          <a:xfrm>
-            <a:off x="6715140" y="4071942"/>
-            <a:ext cx="1643074" cy="1643074"/>
-          </a:xfrm>
-          <a:prstGeom prst="rect">
-            <a:avLst/>
-          </a:prstGeom>
-          <a:noFill/>
-        </p:spPr>
-      </p:pic>
-      <p:pic>
-        <p:nvPicPr>
-          <p:cNvPr id="15368" name="Picture 8" descr="ÐÐ°ÑÑÐ¸Ð½ÐºÐ¸ Ð¿Ð¾ Ð·Ð°Ð¿ÑÐ¾ÑÑ axure rp Ð»Ð¾Ð³Ð¾ÑÐ¸Ð¿"/>
-          <p:cNvPicPr>
-            <a:picLocks noChangeAspect="1" noChangeArrowheads="1"/>
-          </p:cNvPicPr>
-          <p:nvPr/>
-        </p:nvPicPr>
-        <p:blipFill>
-          <a:blip r:embed="rId5" cstate="print"/>
-          <a:srcRect/>
-          <a:stretch>
-            <a:fillRect/>
-          </a:stretch>
-        </p:blipFill>
-        <p:spPr bwMode="auto">
-          <a:xfrm>
-            <a:off x="3643306" y="4071942"/>
-            <a:ext cx="1771628" cy="1771629"/>
-          </a:xfrm>
-          <a:prstGeom prst="rect">
-            <a:avLst/>
-          </a:prstGeom>
-          <a:noFill/>
+          <a:extLst>
+            <a:ext uri="{909E8E84-426E-40DD-AFC4-6F175D3DCCD1}">
+              <a14:hiddenFill xmlns:a14="http://schemas.microsoft.com/office/drawing/2010/main">
+                <a:solidFill>
+                  <a:srgbClr val="FFFFFF"/>
+                </a:solidFill>
+              </a14:hiddenFill>
+            </a:ext>
+          </a:extLst>
         </p:spPr>
       </p:pic>
     </p:spTree>
+    <p:extLst>
+      <p:ext uri="{BB962C8B-B14F-4D97-AF65-F5344CB8AC3E}">
+        <p14:creationId xmlns:p14="http://schemas.microsoft.com/office/powerpoint/2010/main" val="2324929088"/>
+      </p:ext>
+    </p:extLst>
   </p:cSld>
   <p:clrMapOvr>
     <a:masterClrMapping/>
@@ -4232,22 +8047,35 @@
             <p:ph type="title"/>
           </p:nvPr>
         </p:nvSpPr>
-        <p:spPr/>
+        <p:spPr>
+          <a:xfrm>
+            <a:off x="457199" y="0"/>
+            <a:ext cx="8229600" cy="1143000"/>
+          </a:xfrm>
+        </p:spPr>
         <p:txBody>
           <a:bodyPr/>
           <a:lstStyle/>
           <a:p>
             <a:r>
+              <a:rPr lang="ru-RU" b="1" dirty="0"/>
+              <a:t>Подобная</a:t>
+            </a:r>
+            <a:r>
               <a:rPr lang="ru-RU" dirty="0" smtClean="0"/>
-              <a:t>Заключение</a:t>
-            </a:r>
-            <a:endParaRPr lang="ru-RU" dirty="0"/>
-          </a:p>
-        </p:txBody>
-      </p:sp>
-      <p:sp>
-        <p:nvSpPr>
-          <p:cNvPr id="3" name="Содержимое 2"/>
+              <a:t> </a:t>
+            </a:r>
+            <a:r>
+              <a:rPr lang="ru-RU" b="1" dirty="0"/>
+              <a:t>система</a:t>
+            </a:r>
+            <a:endParaRPr lang="ru-RU" b="1" dirty="0"/>
+          </a:p>
+        </p:txBody>
+      </p:sp>
+      <p:sp>
+        <p:nvSpPr>
+          <p:cNvPr id="3" name="Объект 2"/>
           <p:cNvSpPr>
             <a:spLocks noGrp="1"/>
           </p:cNvSpPr>
@@ -4255,32 +8083,91 @@
             <p:ph idx="1"/>
           </p:nvPr>
         </p:nvSpPr>
-        <p:spPr/>
-        <p:txBody>
-          <a:bodyPr/>
-          <a:lstStyle/>
-          <a:p>
-            <a:pPr algn="just"/>
-            <a:r>
-              <a:rPr lang="ru-RU" dirty="0" smtClean="0"/>
-              <a:t>Прототип интерфейса системы управления жизненным циклом технологической оснастки был создан в программном пакете </a:t>
-            </a:r>
-            <a:r>
-              <a:rPr lang="en-US" dirty="0" smtClean="0"/>
-              <a:t>Pencil</a:t>
-            </a:r>
-            <a:r>
-              <a:rPr lang="ru-RU" dirty="0" smtClean="0"/>
-              <a:t>. Задача, которая была поставлена, выполнена. Макеты разделов были спроектированы приблизительно. В дальнейшем будет дорабатываться до окончательного вида. </a:t>
-            </a:r>
-          </a:p>
-          <a:p>
-            <a:pPr algn="just"/>
-            <a:endParaRPr lang="ru-RU" dirty="0"/>
-          </a:p>
-        </p:txBody>
-      </p:sp>
+        <p:spPr>
+          <a:xfrm>
+            <a:off x="457199" y="1052736"/>
+            <a:ext cx="8229600" cy="4525963"/>
+          </a:xfrm>
+        </p:spPr>
+        <p:txBody>
+          <a:bodyPr>
+            <a:normAutofit/>
+          </a:bodyPr>
+          <a:lstStyle/>
+          <a:p>
+            <a:pPr marL="0" indent="0">
+              <a:buNone/>
+            </a:pPr>
+            <a:r>
+              <a:rPr lang="ru-RU" sz="3600" dirty="0" smtClean="0"/>
+              <a:t>Экспертная система </a:t>
+            </a:r>
+            <a:r>
+              <a:rPr lang="ru-RU" sz="3600" b="1" dirty="0" smtClean="0"/>
+              <a:t>«</a:t>
+            </a:r>
+            <a:r>
+              <a:rPr lang="en-US" sz="3600" b="1" dirty="0" smtClean="0"/>
+              <a:t>Inter</a:t>
+            </a:r>
+            <a:r>
+              <a:rPr lang="ru-RU" sz="3600" b="1" dirty="0" smtClean="0"/>
+              <a:t>»</a:t>
+            </a:r>
+            <a:endParaRPr lang="ru-RU" sz="3600" b="1" dirty="0"/>
+          </a:p>
+        </p:txBody>
+      </p:sp>
+      <p:pic>
+        <p:nvPicPr>
+          <p:cNvPr id="4" name="Рисунок 3"/>
+          <p:cNvPicPr/>
+          <p:nvPr/>
+        </p:nvPicPr>
+        <p:blipFill>
+          <a:blip r:embed="rId3"/>
+          <a:stretch>
+            <a:fillRect/>
+          </a:stretch>
+        </p:blipFill>
+        <p:spPr>
+          <a:xfrm>
+            <a:off x="342726" y="1772816"/>
+            <a:ext cx="5940425" cy="2342515"/>
+          </a:xfrm>
+          <a:prstGeom prst="rect">
+            <a:avLst/>
+          </a:prstGeom>
+        </p:spPr>
+      </p:pic>
+      <p:pic>
+        <p:nvPicPr>
+          <p:cNvPr id="5" name="Рисунок 4"/>
+          <p:cNvPicPr/>
+          <p:nvPr/>
+        </p:nvPicPr>
+        <p:blipFill>
+          <a:blip r:embed="rId4"/>
+          <a:stretch>
+            <a:fillRect/>
+          </a:stretch>
+        </p:blipFill>
+        <p:spPr>
+          <a:xfrm>
+            <a:off x="4788024" y="3508375"/>
+            <a:ext cx="4041775" cy="3349625"/>
+          </a:xfrm>
+          <a:prstGeom prst="rect">
+            <a:avLst/>
+          </a:prstGeom>
+        </p:spPr>
+      </p:pic>
     </p:spTree>
+    <p:extLst>
+      <p:ext uri="{BB962C8B-B14F-4D97-AF65-F5344CB8AC3E}">
+        <p14:creationId xmlns:p14="http://schemas.microsoft.com/office/powerpoint/2010/main" val="3365808532"/>
+      </p:ext>
+    </p:extLst>
   </p:cSld>
   <p:clrMapOvr>
     <a:masterClrMapping/>
@@ -4305,206 +8192,180 @@
           <a:chExt cx="0" cy="0"/>
         </a:xfrm>
       </p:grpSpPr>
-      <p:sp>
-        <p:nvSpPr>
-          <p:cNvPr id="4" name="Объект 2"/>
-          <p:cNvSpPr txBox="1">
-            <a:spLocks/>
-          </p:cNvSpPr>
+      <p:pic>
+        <p:nvPicPr>
+          <p:cNvPr id="3074" name="Picture 2" descr="https://www.pickthebrain.com/blog/wp-content/uploads/2015/02/success.jpg"/>
+          <p:cNvPicPr>
+            <a:picLocks noChangeAspect="1" noChangeArrowheads="1"/>
+          </p:cNvPicPr>
           <p:nvPr/>
-        </p:nvSpPr>
-        <p:spPr>
+        </p:nvPicPr>
+        <p:blipFill>
+          <a:blip r:embed="rId3" cstate="print">
+            <a:extLst>
+              <a:ext uri="{28A0092B-C50C-407E-A947-70E740481C1C}">
+                <a14:useLocalDpi xmlns:a14="http://schemas.microsoft.com/office/drawing/2010/main" val="0"/>
+              </a:ext>
+            </a:extLst>
+          </a:blip>
+          <a:srcRect/>
+          <a:stretch>
+            <a:fillRect/>
+          </a:stretch>
+        </p:blipFill>
+        <p:spPr bwMode="auto">
           <a:xfrm>
-            <a:off x="4961868" y="5301208"/>
-            <a:ext cx="4039288" cy="1224136"/>
+            <a:off x="4729336" y="1772816"/>
+            <a:ext cx="4507200" cy="3380400"/>
           </a:xfrm>
           <a:prstGeom prst="rect">
             <a:avLst/>
           </a:prstGeom>
+          <a:noFill/>
+          <a:extLst>
+            <a:ext uri="{909E8E84-426E-40DD-AFC4-6F175D3DCCD1}">
+              <a14:hiddenFill xmlns:a14="http://schemas.microsoft.com/office/drawing/2010/main">
+                <a:solidFill>
+                  <a:srgbClr val="FFFFFF"/>
+                </a:solidFill>
+              </a14:hiddenFill>
+            </a:ext>
+          </a:extLst>
         </p:spPr>
-        <p:txBody>
-          <a:bodyPr vert="horz" lIns="91440" tIns="45720" rIns="91440" bIns="45720" rtlCol="0">
+      </p:pic>
+      <p:sp>
+        <p:nvSpPr>
+          <p:cNvPr id="2" name="Заголовок 1"/>
+          <p:cNvSpPr>
+            <a:spLocks noGrp="1"/>
+          </p:cNvSpPr>
+          <p:nvPr>
+            <p:ph type="title"/>
+          </p:nvPr>
+        </p:nvSpPr>
+        <p:spPr/>
+        <p:txBody>
+          <a:bodyPr/>
+          <a:lstStyle/>
+          <a:p>
+            <a:r>
+              <a:rPr lang="ru-RU" b="1" dirty="0" smtClean="0"/>
+              <a:t>Содержательная постановка</a:t>
+            </a:r>
+            <a:endParaRPr lang="ru-RU" b="1" dirty="0"/>
+          </a:p>
+        </p:txBody>
+      </p:sp>
+      <p:sp>
+        <p:nvSpPr>
+          <p:cNvPr id="3" name="Содержимое 2"/>
+          <p:cNvSpPr>
+            <a:spLocks noGrp="1"/>
+          </p:cNvSpPr>
+          <p:nvPr>
+            <p:ph idx="1"/>
+          </p:nvPr>
+        </p:nvSpPr>
+        <p:spPr>
+          <a:xfrm>
+            <a:off x="179512" y="1600200"/>
+            <a:ext cx="4968552" cy="4997152"/>
+          </a:xfrm>
+        </p:spPr>
+        <p:txBody>
+          <a:bodyPr>
             <a:normAutofit fontScale="92500" lnSpcReduction="10000"/>
           </a:bodyPr>
           <a:lstStyle/>
           <a:p>
-            <a:pPr marL="0" marR="0" lvl="0" indent="0" algn="l" defTabSz="914400" rtl="0" eaLnBrk="1" fontAlgn="auto" latinLnBrk="0" hangingPunct="1">
-              <a:lnSpc>
-                <a:spcPct val="100000"/>
-              </a:lnSpc>
-              <a:spcBef>
-                <a:spcPct val="20000"/>
-              </a:spcBef>
-              <a:spcAft>
-                <a:spcPts val="0"/>
-              </a:spcAft>
-              <a:buClrTx/>
-              <a:buSzTx/>
-              <a:buFont typeface="Arial" pitchFamily="34" charset="0"/>
+            <a:pPr marL="0" indent="0" algn="just">
               <a:buNone/>
-              <a:tabLst/>
-              <a:defRPr/>
             </a:pPr>
             <a:r>
-              <a:rPr kumimoji="0" lang="ru-RU" sz="2400" b="0" i="0" u="none" strike="noStrike" kern="1200" cap="none" spc="0" normalizeH="0" baseline="0" noProof="0" dirty="0" smtClean="0">
-                <a:ln>
-                  <a:noFill/>
-                </a:ln>
+              <a:rPr lang="ru-RU" dirty="0" smtClean="0"/>
+              <a:t>Найти метод, который позволяет </a:t>
+            </a:r>
+            <a:r>
+              <a:rPr lang="ru-RU" b="1" dirty="0" smtClean="0"/>
+              <a:t>автоматически</a:t>
+            </a:r>
+            <a:r>
+              <a:rPr lang="ru-RU" dirty="0" smtClean="0"/>
+              <a:t> подбирать технологическую оснастку (далее ТО) для производства, если она имеется в наличии. Если таковой нет, то вести подбор так, чтоб проектируемая модель ТО была максимально близка к необходимой ТО.</a:t>
+            </a:r>
+            <a:endParaRPr lang="ru-RU" dirty="0"/>
+          </a:p>
+        </p:txBody>
+      </p:sp>
+    </p:spTree>
+  </p:cSld>
+  <p:clrMapOvr>
+    <a:masterClrMapping/>
+  </p:clrMapOvr>
+</p:sld>
+</file>
+
+<file path=ppt/slides/slide8.xml><?xml version="1.0" encoding="utf-8"?>
+<p:sld xmlns:a="http://schemas.openxmlformats.org/drawingml/2006/main" xmlns:r="http://schemas.openxmlformats.org/officeDocument/2006/relationships" xmlns:p="http://schemas.openxmlformats.org/presentationml/2006/main">
+  <p:cSld>
+    <p:spTree>
+      <p:nvGrpSpPr>
+        <p:cNvPr id="1" name=""/>
+        <p:cNvGrpSpPr/>
+        <p:nvPr/>
+      </p:nvGrpSpPr>
+      <p:grpSpPr>
+        <a:xfrm>
+          <a:off x="0" y="0"/>
+          <a:ext cx="0" cy="0"/>
+          <a:chOff x="0" y="0"/>
+          <a:chExt cx="0" cy="0"/>
+        </a:xfrm>
+      </p:grpSpPr>
+      <p:pic>
+        <p:nvPicPr>
+          <p:cNvPr id="4098" name="Picture 2" descr="http://www.decom.solutions/wp-content/uploads/2016/07/billionphotos-1067638-1-1170x780.png"/>
+          <p:cNvPicPr>
+            <a:picLocks noChangeAspect="1" noChangeArrowheads="1"/>
+          </p:cNvPicPr>
+          <p:nvPr/>
+        </p:nvPicPr>
+        <p:blipFill>
+          <a:blip r:embed="rId2">
+            <a:extLst>
+              <a:ext uri="{28A0092B-C50C-407E-A947-70E740481C1C}">
+                <a14:useLocalDpi xmlns:a14="http://schemas.microsoft.com/office/drawing/2010/main" val="0"/>
+              </a:ext>
+            </a:extLst>
+          </a:blip>
+          <a:srcRect/>
+          <a:stretch>
+            <a:fillRect/>
+          </a:stretch>
+        </p:blipFill>
+        <p:spPr bwMode="auto">
+          <a:xfrm>
+            <a:off x="4644008" y="2780928"/>
+            <a:ext cx="5815658" cy="3877105"/>
+          </a:xfrm>
+          <a:prstGeom prst="rect">
+            <a:avLst/>
+          </a:prstGeom>
+          <a:noFill/>
+          <a:extLst>
+            <a:ext uri="{909E8E84-426E-40DD-AFC4-6F175D3DCCD1}">
+              <a14:hiddenFill xmlns:a14="http://schemas.microsoft.com/office/drawing/2010/main">
                 <a:solidFill>
-                  <a:schemeClr val="tx1"/>
+                  <a:srgbClr val="FFFFFF"/>
                 </a:solidFill>
-                <a:effectLst/>
-                <a:uLnTx/>
-                <a:uFillTx/>
-                <a:latin typeface="+mn-lt"/>
-                <a:ea typeface="+mn-ea"/>
-                <a:cs typeface="+mn-cs"/>
-              </a:rPr>
-              <a:t>Студент</a:t>
-            </a:r>
-            <a:r>
-              <a:rPr kumimoji="0" lang="ru-RU" sz="2400" b="0" i="0" u="none" strike="noStrike" kern="1200" cap="none" spc="0" normalizeH="0" noProof="0" dirty="0" smtClean="0">
-                <a:ln>
-                  <a:noFill/>
-                </a:ln>
-                <a:solidFill>
-                  <a:schemeClr val="tx1"/>
-                </a:solidFill>
-                <a:effectLst/>
-                <a:uLnTx/>
-                <a:uFillTx/>
-                <a:latin typeface="+mn-lt"/>
-                <a:ea typeface="+mn-ea"/>
-                <a:cs typeface="+mn-cs"/>
-              </a:rPr>
-              <a:t> гр.</a:t>
-            </a:r>
-            <a:r>
-              <a:rPr kumimoji="0" lang="ru-RU" sz="2400" b="0" i="0" u="none" strike="noStrike" kern="1200" cap="none" spc="0" normalizeH="0" baseline="0" noProof="0" dirty="0" smtClean="0">
-                <a:ln>
-                  <a:noFill/>
-                </a:ln>
-                <a:solidFill>
-                  <a:schemeClr val="tx1"/>
-                </a:solidFill>
-                <a:effectLst/>
-                <a:uLnTx/>
-                <a:uFillTx/>
-                <a:latin typeface="+mn-lt"/>
-                <a:ea typeface="+mn-ea"/>
-                <a:cs typeface="+mn-cs"/>
-              </a:rPr>
-              <a:t> ИТСИ-17-1м</a:t>
-            </a:r>
-          </a:p>
-          <a:p>
-            <a:pPr marL="0" marR="0" lvl="0" indent="0" algn="l" defTabSz="914400" rtl="0" eaLnBrk="1" fontAlgn="auto" latinLnBrk="0" hangingPunct="1">
-              <a:lnSpc>
-                <a:spcPct val="100000"/>
-              </a:lnSpc>
-              <a:spcBef>
-                <a:spcPct val="20000"/>
-              </a:spcBef>
-              <a:spcAft>
-                <a:spcPts val="0"/>
-              </a:spcAft>
-              <a:buClrTx/>
-              <a:buSzTx/>
-              <a:buFont typeface="Arial" pitchFamily="34" charset="0"/>
-              <a:buNone/>
-              <a:tabLst/>
-              <a:defRPr/>
-            </a:pPr>
-            <a:r>
-              <a:rPr kumimoji="0" lang="ru-RU" sz="2400" b="0" i="0" u="none" strike="noStrike" kern="1200" cap="none" spc="0" normalizeH="0" baseline="0" noProof="0" dirty="0" err="1" smtClean="0">
-                <a:ln>
-                  <a:noFill/>
-                </a:ln>
-                <a:solidFill>
-                  <a:schemeClr val="tx1"/>
-                </a:solidFill>
-                <a:effectLst/>
-                <a:uLnTx/>
-                <a:uFillTx/>
-                <a:latin typeface="+mn-lt"/>
-                <a:ea typeface="+mn-ea"/>
-                <a:cs typeface="+mn-cs"/>
-              </a:rPr>
-              <a:t>Боталова</a:t>
-            </a:r>
-            <a:r>
-              <a:rPr kumimoji="0" lang="ru-RU" sz="2400" b="0" i="0" u="none" strike="noStrike" kern="1200" cap="none" spc="0" normalizeH="0" baseline="0" noProof="0" dirty="0" smtClean="0">
-                <a:ln>
-                  <a:noFill/>
-                </a:ln>
-                <a:solidFill>
-                  <a:schemeClr val="tx1"/>
-                </a:solidFill>
-                <a:effectLst/>
-                <a:uLnTx/>
-                <a:uFillTx/>
-                <a:latin typeface="+mn-lt"/>
-                <a:ea typeface="+mn-ea"/>
-                <a:cs typeface="+mn-cs"/>
-              </a:rPr>
-              <a:t> Юлия</a:t>
-            </a:r>
-          </a:p>
-          <a:p>
-            <a:pPr marL="0" marR="0" lvl="0" indent="0" algn="l" defTabSz="914400" rtl="0" eaLnBrk="1" fontAlgn="auto" latinLnBrk="0" hangingPunct="1">
-              <a:lnSpc>
-                <a:spcPct val="100000"/>
-              </a:lnSpc>
-              <a:spcBef>
-                <a:spcPct val="20000"/>
-              </a:spcBef>
-              <a:spcAft>
-                <a:spcPts val="0"/>
-              </a:spcAft>
-              <a:buClrTx/>
-              <a:buSzTx/>
-              <a:buFont typeface="Arial" pitchFamily="34" charset="0"/>
-              <a:buNone/>
-              <a:tabLst/>
-              <a:defRPr/>
-            </a:pPr>
-            <a:r>
-              <a:rPr kumimoji="0" lang="en-US" sz="2400" b="0" i="0" u="none" strike="noStrike" kern="1200" cap="none" spc="0" normalizeH="0" baseline="0" noProof="0" dirty="0" smtClean="0">
-                <a:ln>
-                  <a:noFill/>
-                </a:ln>
-                <a:solidFill>
-                  <a:schemeClr val="tx1"/>
-                </a:solidFill>
-                <a:effectLst/>
-                <a:uLnTx/>
-                <a:uFillTx/>
-                <a:latin typeface="+mn-lt"/>
-                <a:ea typeface="+mn-ea"/>
-                <a:cs typeface="+mn-cs"/>
-              </a:rPr>
-              <a:t>E-mail: botalowa.yu@yandex.ru</a:t>
-            </a:r>
-            <a:endParaRPr kumimoji="0" lang="ru-RU" sz="2400" b="0" i="0" u="none" strike="noStrike" kern="1200" cap="none" spc="0" normalizeH="0" baseline="0" noProof="0" dirty="0">
-              <a:ln>
-                <a:noFill/>
-              </a:ln>
-              <a:solidFill>
-                <a:schemeClr val="tx1"/>
-              </a:solidFill>
-              <a:effectLst/>
-              <a:uLnTx/>
-              <a:uFillTx/>
-              <a:latin typeface="+mn-lt"/>
-              <a:ea typeface="+mn-ea"/>
-              <a:cs typeface="+mn-cs"/>
-            </a:endParaRPr>
-          </a:p>
-        </p:txBody>
-      </p:sp>
-      <p:sp>
-        <p:nvSpPr>
-          <p:cNvPr id="5" name="Заголовок 1"/>
+              </a14:hiddenFill>
+            </a:ext>
+          </a:extLst>
+        </p:spPr>
+      </p:pic>
+      <p:sp>
+        <p:nvSpPr>
+          <p:cNvPr id="2" name="Заголовок 1"/>
           <p:cNvSpPr>
             <a:spLocks noGrp="1"/>
           </p:cNvSpPr>
@@ -4514,7 +8375,7 @@
         </p:nvSpPr>
         <p:spPr>
           <a:xfrm>
-            <a:off x="539552" y="2636912"/>
+            <a:off x="467544" y="116632"/>
             <a:ext cx="8229600" cy="1143000"/>
           </a:xfrm>
         </p:spPr>
@@ -4524,8 +8385,179 @@
           <a:p>
             <a:r>
               <a:rPr lang="ru-RU" b="1" dirty="0" smtClean="0"/>
-              <a:t>Спасибо за внимание!</a:t>
-            </a:r>
+              <a:t>Концептуальная постановка</a:t>
+            </a:r>
+            <a:endParaRPr lang="ru-RU" b="1" dirty="0"/>
+          </a:p>
+        </p:txBody>
+      </p:sp>
+      <p:sp>
+        <p:nvSpPr>
+          <p:cNvPr id="3" name="Содержимое 2"/>
+          <p:cNvSpPr>
+            <a:spLocks noGrp="1"/>
+          </p:cNvSpPr>
+          <p:nvPr>
+            <p:ph idx="1"/>
+          </p:nvPr>
+        </p:nvSpPr>
+        <p:spPr>
+          <a:xfrm>
+            <a:off x="107504" y="1196752"/>
+            <a:ext cx="5400600" cy="5461281"/>
+          </a:xfrm>
+        </p:spPr>
+        <p:txBody>
+          <a:bodyPr>
+            <a:normAutofit fontScale="92500" lnSpcReduction="10000"/>
+          </a:bodyPr>
+          <a:lstStyle/>
+          <a:p>
+            <a:pPr>
+              <a:buNone/>
+            </a:pPr>
+            <a:r>
+              <a:rPr lang="ru-RU" b="1" u="sng" dirty="0" smtClean="0"/>
+              <a:t>Гипотеза:</a:t>
+            </a:r>
+          </a:p>
+          <a:p>
+            <a:pPr algn="just">
+              <a:buNone/>
+            </a:pPr>
+            <a:r>
+              <a:rPr lang="ru-RU" dirty="0" smtClean="0"/>
+              <a:t>	ТО может быть описана некоторым конечным набором измеримых параметров. Исходя из этого, необходимо определить алгоритм (метод), который позволяет решить задачу в автоматическом режиме и находит ТО, параметры которой максимально близки к требуемой.</a:t>
+            </a:r>
+            <a:endParaRPr lang="ru-RU" dirty="0"/>
+          </a:p>
+        </p:txBody>
+      </p:sp>
+    </p:spTree>
+  </p:cSld>
+  <p:clrMapOvr>
+    <a:masterClrMapping/>
+  </p:clrMapOvr>
+</p:sld>
+</file>
+
+<file path=ppt/slides/slide9.xml><?xml version="1.0" encoding="utf-8"?>
+<p:sld xmlns:a="http://schemas.openxmlformats.org/drawingml/2006/main" xmlns:r="http://schemas.openxmlformats.org/officeDocument/2006/relationships" xmlns:p="http://schemas.openxmlformats.org/presentationml/2006/main">
+  <p:cSld>
+    <p:spTree>
+      <p:nvGrpSpPr>
+        <p:cNvPr id="1" name=""/>
+        <p:cNvGrpSpPr/>
+        <p:nvPr/>
+      </p:nvGrpSpPr>
+      <p:grpSpPr>
+        <a:xfrm>
+          <a:off x="0" y="0"/>
+          <a:ext cx="0" cy="0"/>
+          <a:chOff x="0" y="0"/>
+          <a:chExt cx="0" cy="0"/>
+        </a:xfrm>
+      </p:grpSpPr>
+      <p:pic>
+        <p:nvPicPr>
+          <p:cNvPr id="5124" name="Picture 4" descr="https://im0-tub-ru.yandex.net/i?id=df505869fda5120dcea79a9ab06d60ba-l&amp;n=13"/>
+          <p:cNvPicPr>
+            <a:picLocks noChangeAspect="1" noChangeArrowheads="1"/>
+          </p:cNvPicPr>
+          <p:nvPr/>
+        </p:nvPicPr>
+        <p:blipFill>
+          <a:blip r:embed="rId2" cstate="print">
+            <a:extLst>
+              <a:ext uri="{28A0092B-C50C-407E-A947-70E740481C1C}">
+                <a14:useLocalDpi xmlns:a14="http://schemas.microsoft.com/office/drawing/2010/main" val="0"/>
+              </a:ext>
+            </a:extLst>
+          </a:blip>
+          <a:srcRect/>
+          <a:stretch>
+            <a:fillRect/>
+          </a:stretch>
+        </p:blipFill>
+        <p:spPr bwMode="auto">
+          <a:xfrm>
+            <a:off x="1259632" y="4265711"/>
+            <a:ext cx="6480722" cy="2592289"/>
+          </a:xfrm>
+          <a:prstGeom prst="rect">
+            <a:avLst/>
+          </a:prstGeom>
+          <a:noFill/>
+          <a:extLst>
+            <a:ext uri="{909E8E84-426E-40DD-AFC4-6F175D3DCCD1}">
+              <a14:hiddenFill xmlns:a14="http://schemas.microsoft.com/office/drawing/2010/main">
+                <a:solidFill>
+                  <a:srgbClr val="FFFFFF"/>
+                </a:solidFill>
+              </a14:hiddenFill>
+            </a:ext>
+          </a:extLst>
+        </p:spPr>
+      </p:pic>
+      <p:sp>
+        <p:nvSpPr>
+          <p:cNvPr id="2" name="Заголовок 1"/>
+          <p:cNvSpPr>
+            <a:spLocks noGrp="1"/>
+          </p:cNvSpPr>
+          <p:nvPr>
+            <p:ph type="title"/>
+          </p:nvPr>
+        </p:nvSpPr>
+        <p:spPr/>
+        <p:txBody>
+          <a:bodyPr/>
+          <a:lstStyle/>
+          <a:p>
+            <a:r>
+              <a:rPr lang="ru-RU" b="1" dirty="0" smtClean="0"/>
+              <a:t>Математическая постановка</a:t>
+            </a:r>
+            <a:endParaRPr lang="ru-RU" b="1" dirty="0"/>
+          </a:p>
+        </p:txBody>
+      </p:sp>
+      <p:sp>
+        <p:nvSpPr>
+          <p:cNvPr id="3" name="Содержимое 2"/>
+          <p:cNvSpPr>
+            <a:spLocks noGrp="1"/>
+          </p:cNvSpPr>
+          <p:nvPr>
+            <p:ph idx="1"/>
+          </p:nvPr>
+        </p:nvSpPr>
+        <p:spPr/>
+        <p:txBody>
+          <a:bodyPr/>
+          <a:lstStyle/>
+          <a:p>
+            <a:pPr>
+              <a:buNone/>
+            </a:pPr>
+            <a:r>
+              <a:rPr lang="ru-RU" b="1" dirty="0" smtClean="0"/>
+              <a:t>Критерий близости</a:t>
+            </a:r>
+          </a:p>
+          <a:p>
+            <a:r>
+              <a:rPr lang="ru-RU" dirty="0" smtClean="0"/>
+              <a:t>Измеримые параметры</a:t>
+            </a:r>
+          </a:p>
+          <a:p>
+            <a:r>
+              <a:rPr lang="ru-RU" dirty="0" smtClean="0"/>
+              <a:t>Качественные параметры</a:t>
+            </a:r>
+          </a:p>
+          <a:p>
             <a:endParaRPr lang="ru-RU" b="1" dirty="0"/>
           </a:p>
         </p:txBody>
@@ -4819,4 +8851,289 @@
   <a:objectDefaults/>
   <a:extraClrSchemeLst/>
 </a:theme>
+</file>
+
+<file path=ppt/theme/theme2.xml><?xml version="1.0" encoding="utf-8"?>
+<a:theme xmlns:a="http://schemas.openxmlformats.org/drawingml/2006/main" name="Тема Office">
+  <a:themeElements>
+    <a:clrScheme name="Стандартная">
+      <a:dk1>
+        <a:sysClr val="windowText" lastClr="000000"/>
+      </a:dk1>
+      <a:lt1>
+        <a:sysClr val="window" lastClr="FFFFFF"/>
+      </a:lt1>
+      <a:dk2>
+        <a:srgbClr val="1F497D"/>
+      </a:dk2>
+      <a:lt2>
+        <a:srgbClr val="EEECE1"/>
+      </a:lt2>
+      <a:accent1>
+        <a:srgbClr val="4F81BD"/>
+      </a:accent1>
+      <a:accent2>
+        <a:srgbClr val="C0504D"/>
+      </a:accent2>
+      <a:accent3>
+        <a:srgbClr val="9BBB59"/>
+      </a:accent3>
+      <a:accent4>
+        <a:srgbClr val="8064A2"/>
+      </a:accent4>
+      <a:accent5>
+        <a:srgbClr val="4BACC6"/>
+      </a:accent5>
+      <a:accent6>
+        <a:srgbClr val="F79646"/>
+      </a:accent6>
+      <a:hlink>
+        <a:srgbClr val="0000FF"/>
+      </a:hlink>
+      <a:folHlink>
+        <a:srgbClr val="800080"/>
+      </a:folHlink>
+    </a:clrScheme>
+    <a:fontScheme name="Стандартная">
+      <a:majorFont>
+        <a:latin typeface="Calibri"/>
+        <a:ea typeface=""/>
+        <a:cs typeface=""/>
+        <a:font script="Jpan" typeface="ＭＳ Ｐゴシック"/>
+        <a:font script="Hang" typeface="맑은 고딕"/>
+        <a:font script="Hans" typeface="宋体"/>
+        <a:font script="Hant" typeface="新細明體"/>
+        <a:font script="Arab" typeface="Times New Roman"/>
+        <a:font script="Hebr" typeface="Times New Roman"/>
+        <a:font script="Thai" typeface="Angsana New"/>
+        <a:font script="Ethi" typeface="Nyala"/>
+        <a:font script="Beng" typeface="Vrinda"/>
+        <a:font script="Gujr" typeface="Shruti"/>
+        <a:font script="Khmr" typeface="MoolBoran"/>
+        <a:font script="Knda" typeface="Tunga"/>
+        <a:font script="Guru" typeface="Raavi"/>
+        <a:font script="Cans" typeface="Euphemia"/>
+        <a:font script="Cher" typeface="Plantagenet Cherokee"/>
+        <a:font script="Yiii" typeface="Microsoft Yi Baiti"/>
+        <a:font script="Tibt" typeface="Microsoft Himalaya"/>
+        <a:font script="Thaa" typeface="MV Boli"/>
+        <a:font script="Deva" typeface="Mangal"/>
+        <a:font script="Telu" typeface="Gautami"/>
+        <a:font script="Taml" typeface="Latha"/>
+        <a:font script="Syrc" typeface="Estrangelo Edessa"/>
+        <a:font script="Orya" typeface="Kalinga"/>
+        <a:font script="Mlym" typeface="Kartika"/>
+        <a:font script="Laoo" typeface="DokChampa"/>
+        <a:font script="Sinh" typeface="Iskoola Pota"/>
+        <a:font script="Mong" typeface="Mongolian Baiti"/>
+        <a:font script="Viet" typeface="Times New Roman"/>
+        <a:font script="Uigh" typeface="Microsoft Uighur"/>
+        <a:font script="Geor" typeface="Sylfaen"/>
+      </a:majorFont>
+      <a:minorFont>
+        <a:latin typeface="Calibri"/>
+        <a:ea typeface=""/>
+        <a:cs typeface=""/>
+        <a:font script="Jpan" typeface="ＭＳ Ｐゴシック"/>
+        <a:font script="Hang" typeface="맑은 고딕"/>
+        <a:font script="Hans" typeface="宋体"/>
+        <a:font script="Hant" typeface="新細明體"/>
+        <a:font script="Arab" typeface="Arial"/>
+        <a:font script="Hebr" typeface="Arial"/>
+        <a:font script="Thai" typeface="Cordia New"/>
+        <a:font script="Ethi" typeface="Nyala"/>
+        <a:font script="Beng" typeface="Vrinda"/>
+        <a:font script="Gujr" typeface="Shruti"/>
+        <a:font script="Khmr" typeface="DaunPenh"/>
+        <a:font script="Knda" typeface="Tunga"/>
+        <a:font script="Guru" typeface="Raavi"/>
+        <a:font script="Cans" typeface="Euphemia"/>
+        <a:font script="Cher" typeface="Plantagenet Cherokee"/>
+        <a:font script="Yiii" typeface="Microsoft Yi Baiti"/>
+        <a:font script="Tibt" typeface="Microsoft Himalaya"/>
+        <a:font script="Thaa" typeface="MV Boli"/>
+        <a:font script="Deva" typeface="Mangal"/>
+        <a:font script="Telu" typeface="Gautami"/>
+        <a:font script="Taml" typeface="Latha"/>
+        <a:font script="Syrc" typeface="Estrangelo Edessa"/>
+        <a:font script="Orya" typeface="Kalinga"/>
+        <a:font script="Mlym" typeface="Kartika"/>
+        <a:font script="Laoo" typeface="DokChampa"/>
+        <a:font script="Sinh" typeface="Iskoola Pota"/>
+        <a:font script="Mong" typeface="Mongolian Baiti"/>
+        <a:font script="Viet" typeface="Arial"/>
+        <a:font script="Uigh" typeface="Microsoft Uighur"/>
+        <a:font script="Geor" typeface="Sylfaen"/>
+      </a:minorFont>
+    </a:fontScheme>
+    <a:fmtScheme name="Стандартная">
+      <a:fillStyleLst>
+        <a:solidFill>
+          <a:schemeClr val="phClr"/>
+        </a:solidFill>
+        <a:gradFill rotWithShape="1">
+          <a:gsLst>
+            <a:gs pos="0">
+              <a:schemeClr val="phClr">
+                <a:tint val="50000"/>
+                <a:satMod val="300000"/>
+              </a:schemeClr>
+            </a:gs>
+            <a:gs pos="35000">
+              <a:schemeClr val="phClr">
+                <a:tint val="37000"/>
+                <a:satMod val="300000"/>
+              </a:schemeClr>
+            </a:gs>
+            <a:gs pos="100000">
+              <a:schemeClr val="phClr">
+                <a:tint val="15000"/>
+                <a:satMod val="350000"/>
+              </a:schemeClr>
+            </a:gs>
+          </a:gsLst>
+          <a:lin ang="16200000" scaled="1"/>
+        </a:gradFill>
+        <a:gradFill rotWithShape="1">
+          <a:gsLst>
+            <a:gs pos="0">
+              <a:schemeClr val="phClr">
+                <a:shade val="51000"/>
+                <a:satMod val="130000"/>
+              </a:schemeClr>
+            </a:gs>
+            <a:gs pos="80000">
+              <a:schemeClr val="phClr">
+                <a:shade val="93000"/>
+                <a:satMod val="130000"/>
+              </a:schemeClr>
+            </a:gs>
+            <a:gs pos="100000">
+              <a:schemeClr val="phClr">
+                <a:shade val="94000"/>
+                <a:satMod val="135000"/>
+              </a:schemeClr>
+            </a:gs>
+          </a:gsLst>
+          <a:lin ang="16200000" scaled="0"/>
+        </a:gradFill>
+      </a:fillStyleLst>
+      <a:lnStyleLst>
+        <a:ln w="9525" cap="flat" cmpd="sng" algn="ctr">
+          <a:solidFill>
+            <a:schemeClr val="phClr">
+              <a:shade val="95000"/>
+              <a:satMod val="105000"/>
+            </a:schemeClr>
+          </a:solidFill>
+          <a:prstDash val="solid"/>
+        </a:ln>
+        <a:ln w="25400" cap="flat" cmpd="sng" algn="ctr">
+          <a:solidFill>
+            <a:schemeClr val="phClr"/>
+          </a:solidFill>
+          <a:prstDash val="solid"/>
+        </a:ln>
+        <a:ln w="38100" cap="flat" cmpd="sng" algn="ctr">
+          <a:solidFill>
+            <a:schemeClr val="phClr"/>
+          </a:solidFill>
+          <a:prstDash val="solid"/>
+        </a:ln>
+      </a:lnStyleLst>
+      <a:effectStyleLst>
+        <a:effectStyle>
+          <a:effectLst>
+            <a:outerShdw blurRad="40000" dist="20000" dir="5400000" rotWithShape="0">
+              <a:srgbClr val="000000">
+                <a:alpha val="38000"/>
+              </a:srgbClr>
+            </a:outerShdw>
+          </a:effectLst>
+        </a:effectStyle>
+        <a:effectStyle>
+          <a:effectLst>
+            <a:outerShdw blurRad="40000" dist="23000" dir="5400000" rotWithShape="0">
+              <a:srgbClr val="000000">
+                <a:alpha val="35000"/>
+              </a:srgbClr>
+            </a:outerShdw>
+          </a:effectLst>
+        </a:effectStyle>
+        <a:effectStyle>
+          <a:effectLst>
+            <a:outerShdw blurRad="40000" dist="23000" dir="5400000" rotWithShape="0">
+              <a:srgbClr val="000000">
+                <a:alpha val="35000"/>
+              </a:srgbClr>
+            </a:outerShdw>
+          </a:effectLst>
+          <a:scene3d>
+            <a:camera prst="orthographicFront">
+              <a:rot lat="0" lon="0" rev="0"/>
+            </a:camera>
+            <a:lightRig rig="threePt" dir="t">
+              <a:rot lat="0" lon="0" rev="1200000"/>
+            </a:lightRig>
+          </a:scene3d>
+          <a:sp3d>
+            <a:bevelT w="63500" h="25400"/>
+          </a:sp3d>
+        </a:effectStyle>
+      </a:effectStyleLst>
+      <a:bgFillStyleLst>
+        <a:solidFill>
+          <a:schemeClr val="phClr"/>
+        </a:solidFill>
+        <a:gradFill rotWithShape="1">
+          <a:gsLst>
+            <a:gs pos="0">
+              <a:schemeClr val="phClr">
+                <a:tint val="40000"/>
+                <a:satMod val="350000"/>
+              </a:schemeClr>
+            </a:gs>
+            <a:gs pos="40000">
+              <a:schemeClr val="phClr">
+                <a:tint val="45000"/>
+                <a:shade val="99000"/>
+                <a:satMod val="350000"/>
+              </a:schemeClr>
+            </a:gs>
+            <a:gs pos="100000">
+              <a:schemeClr val="phClr">
+                <a:shade val="20000"/>
+                <a:satMod val="255000"/>
+              </a:schemeClr>
+            </a:gs>
+          </a:gsLst>
+          <a:path path="circle">
+            <a:fillToRect l="50000" t="-80000" r="50000" b="180000"/>
+          </a:path>
+        </a:gradFill>
+        <a:gradFill rotWithShape="1">
+          <a:gsLst>
+            <a:gs pos="0">
+              <a:schemeClr val="phClr">
+                <a:tint val="80000"/>
+                <a:satMod val="300000"/>
+              </a:schemeClr>
+            </a:gs>
+            <a:gs pos="100000">
+              <a:schemeClr val="phClr">
+                <a:shade val="30000"/>
+                <a:satMod val="200000"/>
+              </a:schemeClr>
+            </a:gs>
+          </a:gsLst>
+          <a:path path="circle">
+            <a:fillToRect l="50000" t="50000" r="50000" b="50000"/>
+          </a:path>
+        </a:gradFill>
+      </a:bgFillStyleLst>
+    </a:fmtScheme>
+  </a:themeElements>
+  <a:objectDefaults/>
+  <a:extraClrSchemeLst/>
+</a:theme>
 </file>
--- a/НИР/Выступление 14.05.pptx
+++ b/НИР/Выступление 14.05.pptx
@@ -5,7 +5,7 @@
     <p:sldMasterId id="2147483648" r:id="rId1"/>
   </p:sldMasterIdLst>
   <p:notesMasterIdLst>
-    <p:notesMasterId r:id="rId17"/>
+    <p:notesMasterId r:id="rId20"/>
   </p:notesMasterIdLst>
   <p:sldIdLst>
     <p:sldId id="256" r:id="rId2"/>
@@ -19,10 +19,13 @@
     <p:sldId id="277" r:id="rId10"/>
     <p:sldId id="282" r:id="rId11"/>
     <p:sldId id="284" r:id="rId12"/>
-    <p:sldId id="285" r:id="rId13"/>
-    <p:sldId id="286" r:id="rId14"/>
-    <p:sldId id="274" r:id="rId15"/>
-    <p:sldId id="258" r:id="rId16"/>
+    <p:sldId id="287" r:id="rId13"/>
+    <p:sldId id="285" r:id="rId14"/>
+    <p:sldId id="288" r:id="rId15"/>
+    <p:sldId id="289" r:id="rId16"/>
+    <p:sldId id="286" r:id="rId17"/>
+    <p:sldId id="274" r:id="rId18"/>
+    <p:sldId id="258" r:id="rId19"/>
   </p:sldIdLst>
   <p:sldSz cx="9144000" cy="6858000" type="screen4x3"/>
   <p:notesSz cx="6858000" cy="9144000"/>
@@ -206,7 +209,8 @@
           <a:p>
             <a:fld id="{926BF514-3F67-4D35-A89C-255D561CA3F4}" type="datetimeFigureOut">
               <a:rPr lang="ru-RU" smtClean="0"/>
-              <a:t>09.05.2019</a:t>
+              <a:pPr/>
+              <a:t>13.05.2019</a:t>
             </a:fld>
             <a:endParaRPr lang="ru-RU"/>
           </a:p>
@@ -365,6 +369,7 @@
           <a:p>
             <a:fld id="{2B017611-21B7-474E-A55D-EF90E5AE33A3}" type="slidenum">
               <a:rPr lang="ru-RU" smtClean="0"/>
+              <a:pPr/>
               <a:t>‹#›</a:t>
             </a:fld>
             <a:endParaRPr lang="ru-RU"/>
@@ -374,7 +379,7 @@
     </p:spTree>
     <p:extLst>
       <p:ext uri="{BB962C8B-B14F-4D97-AF65-F5344CB8AC3E}">
-        <p14:creationId xmlns:p14="http://schemas.microsoft.com/office/powerpoint/2010/main" val="68511252"/>
+        <p14:creationId xmlns:p14="http://schemas.microsoft.com/office/powerpoint/2010/main" xmlns="" val="68511252"/>
       </p:ext>
     </p:extLst>
   </p:cSld>
@@ -618,6 +623,7 @@
           <a:p>
             <a:fld id="{2B017611-21B7-474E-A55D-EF90E5AE33A3}" type="slidenum">
               <a:rPr lang="ru-RU" smtClean="0"/>
+              <a:pPr/>
               <a:t>1</a:t>
             </a:fld>
             <a:endParaRPr lang="ru-RU"/>
@@ -627,9 +633,1272 @@
     </p:spTree>
     <p:extLst>
       <p:ext uri="{BB962C8B-B14F-4D97-AF65-F5344CB8AC3E}">
-        <p14:creationId xmlns:p14="http://schemas.microsoft.com/office/powerpoint/2010/main" val="823307728"/>
+        <p14:creationId xmlns:p14="http://schemas.microsoft.com/office/powerpoint/2010/main" xmlns="" val="823307728"/>
       </p:ext>
     </p:extLst>
+  </p:cSld>
+  <p:clrMapOvr>
+    <a:masterClrMapping/>
+  </p:clrMapOvr>
+</p:notes>
+</file>
+
+<file path=ppt/notesSlides/notesSlide10.xml><?xml version="1.0" encoding="utf-8"?>
+<p:notes xmlns:a="http://schemas.openxmlformats.org/drawingml/2006/main" xmlns:r="http://schemas.openxmlformats.org/officeDocument/2006/relationships" xmlns:p="http://schemas.openxmlformats.org/presentationml/2006/main">
+  <p:cSld>
+    <p:spTree>
+      <p:nvGrpSpPr>
+        <p:cNvPr id="1" name=""/>
+        <p:cNvGrpSpPr/>
+        <p:nvPr/>
+      </p:nvGrpSpPr>
+      <p:grpSpPr>
+        <a:xfrm>
+          <a:off x="0" y="0"/>
+          <a:ext cx="0" cy="0"/>
+          <a:chOff x="0" y="0"/>
+          <a:chExt cx="0" cy="0"/>
+        </a:xfrm>
+      </p:grpSpPr>
+      <p:sp>
+        <p:nvSpPr>
+          <p:cNvPr id="2" name="Образ слайда 1"/>
+          <p:cNvSpPr>
+            <a:spLocks noGrp="1" noRot="1" noChangeAspect="1"/>
+          </p:cNvSpPr>
+          <p:nvPr>
+            <p:ph type="sldImg"/>
+          </p:nvPr>
+        </p:nvSpPr>
+        <p:spPr/>
+      </p:sp>
+      <p:sp>
+        <p:nvSpPr>
+          <p:cNvPr id="3" name="Заметки 2"/>
+          <p:cNvSpPr>
+            <a:spLocks noGrp="1"/>
+          </p:cNvSpPr>
+          <p:nvPr>
+            <p:ph type="body" idx="1"/>
+          </p:nvPr>
+        </p:nvSpPr>
+        <p:spPr/>
+        <p:txBody>
+          <a:bodyPr/>
+          <a:lstStyle/>
+          <a:p>
+            <a:r>
+              <a:rPr lang="ru-RU" sz="1200" kern="1200" dirty="0" smtClean="0">
+                <a:solidFill>
+                  <a:schemeClr val="tx1"/>
+                </a:solidFill>
+                <a:effectLst/>
+                <a:latin typeface="+mn-lt"/>
+                <a:ea typeface="+mn-ea"/>
+                <a:cs typeface="+mn-cs"/>
+              </a:rPr>
+              <a:t>На предприятии выделено 8 методов обработки металлов, по которым далее будут распределяться ТО: </a:t>
+            </a:r>
+          </a:p>
+          <a:p>
+            <a:pPr lvl="0"/>
+            <a:r>
+              <a:rPr lang="ru-RU" sz="1200" kern="1200" dirty="0" smtClean="0">
+                <a:solidFill>
+                  <a:schemeClr val="tx1"/>
+                </a:solidFill>
+                <a:effectLst/>
+                <a:latin typeface="+mn-lt"/>
+                <a:ea typeface="+mn-ea"/>
+                <a:cs typeface="+mn-cs"/>
+              </a:rPr>
+              <a:t>Обработка литьём</a:t>
+            </a:r>
+          </a:p>
+          <a:p>
+            <a:pPr lvl="0"/>
+            <a:r>
+              <a:rPr lang="ru-RU" sz="1200" kern="1200" dirty="0" smtClean="0">
+                <a:solidFill>
+                  <a:schemeClr val="tx1"/>
+                </a:solidFill>
+                <a:effectLst/>
+                <a:latin typeface="+mn-lt"/>
+                <a:ea typeface="+mn-ea"/>
+                <a:cs typeface="+mn-cs"/>
+              </a:rPr>
+              <a:t>Обработка металлов давлением</a:t>
+            </a:r>
+          </a:p>
+          <a:p>
+            <a:pPr lvl="0"/>
+            <a:r>
+              <a:rPr lang="ru-RU" sz="1200" kern="1200" dirty="0" smtClean="0">
+                <a:solidFill>
+                  <a:schemeClr val="tx1"/>
+                </a:solidFill>
+                <a:effectLst/>
+                <a:latin typeface="+mn-lt"/>
+                <a:ea typeface="+mn-ea"/>
+                <a:cs typeface="+mn-cs"/>
+              </a:rPr>
+              <a:t>Обработка металлов резанием</a:t>
+            </a:r>
+          </a:p>
+          <a:p>
+            <a:pPr lvl="0"/>
+            <a:r>
+              <a:rPr lang="ru-RU" sz="1200" kern="1200" dirty="0" smtClean="0">
+                <a:solidFill>
+                  <a:schemeClr val="tx1"/>
+                </a:solidFill>
+                <a:effectLst/>
+                <a:latin typeface="+mn-lt"/>
+                <a:ea typeface="+mn-ea"/>
+                <a:cs typeface="+mn-cs"/>
+              </a:rPr>
+              <a:t>Сварка металлов</a:t>
+            </a:r>
+          </a:p>
+          <a:p>
+            <a:pPr lvl="0"/>
+            <a:r>
+              <a:rPr lang="ru-RU" sz="1200" kern="1200" dirty="0" smtClean="0">
+                <a:solidFill>
+                  <a:schemeClr val="tx1"/>
+                </a:solidFill>
+                <a:effectLst/>
+                <a:latin typeface="+mn-lt"/>
+                <a:ea typeface="+mn-ea"/>
+                <a:cs typeface="+mn-cs"/>
+              </a:rPr>
+              <a:t>Измерение </a:t>
+            </a:r>
+          </a:p>
+          <a:p>
+            <a:pPr lvl="0"/>
+            <a:r>
+              <a:rPr lang="ru-RU" sz="1200" kern="1200" dirty="0" smtClean="0">
+                <a:solidFill>
+                  <a:schemeClr val="tx1"/>
+                </a:solidFill>
+                <a:effectLst/>
+                <a:latin typeface="+mn-lt"/>
+                <a:ea typeface="+mn-ea"/>
+                <a:cs typeface="+mn-cs"/>
+              </a:rPr>
+              <a:t>Крепление</a:t>
+            </a:r>
+          </a:p>
+          <a:p>
+            <a:pPr lvl="0"/>
+            <a:r>
+              <a:rPr lang="ru-RU" sz="1200" kern="1200" dirty="0" smtClean="0">
+                <a:solidFill>
+                  <a:schemeClr val="tx1"/>
+                </a:solidFill>
+                <a:effectLst/>
+                <a:latin typeface="+mn-lt"/>
+                <a:ea typeface="+mn-ea"/>
+                <a:cs typeface="+mn-cs"/>
+              </a:rPr>
+              <a:t>Ручная обработка металлов</a:t>
+            </a:r>
+          </a:p>
+          <a:p>
+            <a:pPr lvl="0"/>
+            <a:r>
+              <a:rPr lang="ru-RU" sz="1200" kern="1200" dirty="0" smtClean="0">
+                <a:solidFill>
+                  <a:schemeClr val="tx1"/>
+                </a:solidFill>
+                <a:effectLst/>
+                <a:latin typeface="+mn-lt"/>
+                <a:ea typeface="+mn-ea"/>
+                <a:cs typeface="+mn-cs"/>
+              </a:rPr>
+              <a:t>Автоматизация ручного труда</a:t>
+            </a:r>
+          </a:p>
+          <a:p>
+            <a:r>
+              <a:rPr lang="ru-RU" sz="1200" kern="1200" dirty="0" smtClean="0">
+                <a:solidFill>
+                  <a:schemeClr val="tx1"/>
+                </a:solidFill>
+                <a:effectLst/>
+                <a:latin typeface="+mn-lt"/>
+                <a:ea typeface="+mn-ea"/>
+                <a:cs typeface="+mn-cs"/>
+              </a:rPr>
+              <a:t>К каждому из методов относятся определенные операции, всего их 36. Например, обработка металлов давлением включает в себя 5 операций: прокатка, волочение, прессование, ковка, штамповка.</a:t>
+            </a:r>
+          </a:p>
+          <a:p>
+            <a:endParaRPr lang="ru-RU" dirty="0"/>
+          </a:p>
+        </p:txBody>
+      </p:sp>
+      <p:sp>
+        <p:nvSpPr>
+          <p:cNvPr id="4" name="Номер слайда 3"/>
+          <p:cNvSpPr>
+            <a:spLocks noGrp="1"/>
+          </p:cNvSpPr>
+          <p:nvPr>
+            <p:ph type="sldNum" sz="quarter" idx="10"/>
+          </p:nvPr>
+        </p:nvSpPr>
+        <p:spPr/>
+        <p:txBody>
+          <a:bodyPr/>
+          <a:lstStyle/>
+          <a:p>
+            <a:fld id="{2B017611-21B7-474E-A55D-EF90E5AE33A3}" type="slidenum">
+              <a:rPr lang="ru-RU" smtClean="0"/>
+              <a:pPr/>
+              <a:t>11</a:t>
+            </a:fld>
+            <a:endParaRPr lang="ru-RU"/>
+          </a:p>
+        </p:txBody>
+      </p:sp>
+    </p:spTree>
+    <p:extLst>
+      <p:ext uri="{BB962C8B-B14F-4D97-AF65-F5344CB8AC3E}">
+        <p14:creationId xmlns:p14="http://schemas.microsoft.com/office/powerpoint/2010/main" xmlns="" val="403301717"/>
+      </p:ext>
+    </p:extLst>
+  </p:cSld>
+  <p:clrMapOvr>
+    <a:masterClrMapping/>
+  </p:clrMapOvr>
+</p:notes>
+</file>
+
+<file path=ppt/notesSlides/notesSlide11.xml><?xml version="1.0" encoding="utf-8"?>
+<p:notes xmlns:a="http://schemas.openxmlformats.org/drawingml/2006/main" xmlns:r="http://schemas.openxmlformats.org/officeDocument/2006/relationships" xmlns:p="http://schemas.openxmlformats.org/presentationml/2006/main">
+  <p:cSld>
+    <p:spTree>
+      <p:nvGrpSpPr>
+        <p:cNvPr id="1" name=""/>
+        <p:cNvGrpSpPr/>
+        <p:nvPr/>
+      </p:nvGrpSpPr>
+      <p:grpSpPr>
+        <a:xfrm>
+          <a:off x="0" y="0"/>
+          <a:ext cx="0" cy="0"/>
+          <a:chOff x="0" y="0"/>
+          <a:chExt cx="0" cy="0"/>
+        </a:xfrm>
+      </p:grpSpPr>
+      <p:sp>
+        <p:nvSpPr>
+          <p:cNvPr id="2" name="Образ слайда 1"/>
+          <p:cNvSpPr>
+            <a:spLocks noGrp="1" noRot="1" noChangeAspect="1"/>
+          </p:cNvSpPr>
+          <p:nvPr>
+            <p:ph type="sldImg"/>
+          </p:nvPr>
+        </p:nvSpPr>
+        <p:spPr/>
+      </p:sp>
+      <p:sp>
+        <p:nvSpPr>
+          <p:cNvPr id="3" name="Заметки 2"/>
+          <p:cNvSpPr>
+            <a:spLocks noGrp="1"/>
+          </p:cNvSpPr>
+          <p:nvPr>
+            <p:ph type="body" idx="1"/>
+          </p:nvPr>
+        </p:nvSpPr>
+        <p:spPr/>
+        <p:txBody>
+          <a:bodyPr>
+            <a:normAutofit/>
+          </a:bodyPr>
+          <a:lstStyle/>
+          <a:p>
+            <a:r>
+              <a:rPr lang="ru-RU" dirty="0" smtClean="0"/>
+              <a:t>Структуру базы данных</a:t>
+            </a:r>
+            <a:r>
+              <a:rPr lang="ru-RU" baseline="0" dirty="0" smtClean="0"/>
+              <a:t> буду показывать по частям.</a:t>
+            </a:r>
+          </a:p>
+          <a:p>
+            <a:r>
+              <a:rPr lang="ru-RU" dirty="0" smtClean="0"/>
+              <a:t>Всего на моей </a:t>
+            </a:r>
+            <a:r>
+              <a:rPr lang="en-US" dirty="0" smtClean="0"/>
+              <a:t>ER-</a:t>
+            </a:r>
+            <a:r>
+              <a:rPr lang="ru-RU" dirty="0" smtClean="0"/>
+              <a:t>диаграмме</a:t>
+            </a:r>
+            <a:r>
+              <a:rPr lang="ru-RU" baseline="0" dirty="0" smtClean="0"/>
+              <a:t> 28 сущностей.</a:t>
+            </a:r>
+          </a:p>
+          <a:p>
+            <a:r>
+              <a:rPr lang="ru-RU" baseline="0" dirty="0" smtClean="0"/>
+              <a:t>Разберем первый кусок диаграммы, говоря об информации о ТО.</a:t>
+            </a:r>
+          </a:p>
+          <a:p>
+            <a:r>
+              <a:rPr lang="ru-RU" baseline="0" dirty="0" smtClean="0"/>
+              <a:t>Как видим на диаграмме сущность метод обработки металлов, относится к сущности операция ОМ связью один ко многим, это я уже отмечала, когда рассказывала про классификатор.</a:t>
+            </a:r>
+          </a:p>
+          <a:p>
+            <a:r>
+              <a:rPr lang="ru-RU" baseline="0" dirty="0" smtClean="0"/>
+              <a:t>Также видим сущность тип ТО. Между сущностями операция ОМ и тип ТО происходит связь многие ко многим, но чтоб избежать трудностей в разработке системы, была создана дополнительная сущность </a:t>
+            </a:r>
+            <a:r>
+              <a:rPr lang="en-US" baseline="0" dirty="0" err="1" smtClean="0"/>
+              <a:t>TypesOfMetalProcessingOperation</a:t>
+            </a:r>
+            <a:r>
+              <a:rPr lang="ru-RU" baseline="0" dirty="0" smtClean="0"/>
+              <a:t>, в которой хранятся </a:t>
+            </a:r>
+            <a:r>
+              <a:rPr lang="en-US" baseline="0" dirty="0" smtClean="0"/>
+              <a:t>id-</a:t>
+            </a:r>
+            <a:r>
+              <a:rPr lang="ru-RU" baseline="0" dirty="0" err="1" smtClean="0"/>
+              <a:t>шники</a:t>
+            </a:r>
+            <a:r>
+              <a:rPr lang="ru-RU" baseline="0" dirty="0" smtClean="0"/>
+              <a:t> обеих из сущностей в соответствии. Далее связью один ко многим относится сущность тип ТО к виду ТО, и потом связью один к одному соединены сущности вид ТО и сама ТО.</a:t>
+            </a:r>
+          </a:p>
+          <a:p>
+            <a:r>
+              <a:rPr lang="ru-RU" baseline="0" dirty="0" smtClean="0"/>
+              <a:t>Далее сущность </a:t>
+            </a:r>
+            <a:r>
+              <a:rPr lang="en-US" baseline="0" dirty="0" smtClean="0"/>
+              <a:t>cooperator</a:t>
+            </a:r>
+            <a:r>
+              <a:rPr lang="ru-RU" baseline="0" dirty="0" smtClean="0"/>
+              <a:t> это сущность хранящая в себе информацию о всех сотрудниках – ФИО и персональный номер. Она нужна для того, чтоб в системе хранилась информация о назначенном ответственном за ТО – сущность </a:t>
+            </a:r>
+            <a:r>
+              <a:rPr lang="en-US" baseline="0" dirty="0" err="1" smtClean="0"/>
+              <a:t>ToolManager</a:t>
+            </a:r>
+            <a:r>
+              <a:rPr lang="ru-RU" baseline="0" dirty="0" smtClean="0"/>
+              <a:t>.  В ней видим </a:t>
+            </a:r>
+            <a:r>
+              <a:rPr lang="en-US" baseline="0" dirty="0" smtClean="0"/>
+              <a:t>id </a:t>
+            </a:r>
+            <a:r>
+              <a:rPr lang="ru-RU" baseline="0" dirty="0" smtClean="0"/>
+              <a:t>сотрудника и дату назначения. Также есть сущность </a:t>
+            </a:r>
+            <a:r>
+              <a:rPr lang="en-US" baseline="0" dirty="0" smtClean="0"/>
+              <a:t>Substitute</a:t>
+            </a:r>
+            <a:r>
+              <a:rPr lang="ru-RU" baseline="0" dirty="0" smtClean="0"/>
+              <a:t> – заменители, был уточнен момент, что у ТО есть свои заменители. В этой сущности по </a:t>
+            </a:r>
+            <a:r>
+              <a:rPr lang="en-US" baseline="0" dirty="0" smtClean="0"/>
+              <a:t>id </a:t>
+            </a:r>
+            <a:r>
+              <a:rPr lang="ru-RU" baseline="0" dirty="0" smtClean="0"/>
+              <a:t>ТО хранятся </a:t>
+            </a:r>
+            <a:r>
+              <a:rPr lang="en-US" baseline="0" dirty="0" smtClean="0"/>
+              <a:t>id </a:t>
+            </a:r>
+            <a:r>
+              <a:rPr lang="ru-RU" baseline="0" dirty="0" smtClean="0"/>
+              <a:t>ТО заменяемой и заменяющей ТО.</a:t>
+            </a:r>
+          </a:p>
+        </p:txBody>
+      </p:sp>
+      <p:sp>
+        <p:nvSpPr>
+          <p:cNvPr id="4" name="Номер слайда 3"/>
+          <p:cNvSpPr>
+            <a:spLocks noGrp="1"/>
+          </p:cNvSpPr>
+          <p:nvPr>
+            <p:ph type="sldNum" sz="quarter" idx="10"/>
+          </p:nvPr>
+        </p:nvSpPr>
+        <p:spPr/>
+        <p:txBody>
+          <a:bodyPr/>
+          <a:lstStyle/>
+          <a:p>
+            <a:fld id="{2B017611-21B7-474E-A55D-EF90E5AE33A3}" type="slidenum">
+              <a:rPr lang="ru-RU" smtClean="0"/>
+              <a:pPr/>
+              <a:t>12</a:t>
+            </a:fld>
+            <a:endParaRPr lang="ru-RU"/>
+          </a:p>
+        </p:txBody>
+      </p:sp>
+    </p:spTree>
+  </p:cSld>
+  <p:clrMapOvr>
+    <a:masterClrMapping/>
+  </p:clrMapOvr>
+</p:notes>
+</file>
+
+<file path=ppt/notesSlides/notesSlide12.xml><?xml version="1.0" encoding="utf-8"?>
+<p:notes xmlns:a="http://schemas.openxmlformats.org/drawingml/2006/main" xmlns:r="http://schemas.openxmlformats.org/officeDocument/2006/relationships" xmlns:p="http://schemas.openxmlformats.org/presentationml/2006/main">
+  <p:cSld>
+    <p:spTree>
+      <p:nvGrpSpPr>
+        <p:cNvPr id="1" name=""/>
+        <p:cNvGrpSpPr/>
+        <p:nvPr/>
+      </p:nvGrpSpPr>
+      <p:grpSpPr>
+        <a:xfrm>
+          <a:off x="0" y="0"/>
+          <a:ext cx="0" cy="0"/>
+          <a:chOff x="0" y="0"/>
+          <a:chExt cx="0" cy="0"/>
+        </a:xfrm>
+      </p:grpSpPr>
+      <p:sp>
+        <p:nvSpPr>
+          <p:cNvPr id="2" name="Образ слайда 1"/>
+          <p:cNvSpPr>
+            <a:spLocks noGrp="1" noRot="1" noChangeAspect="1"/>
+          </p:cNvSpPr>
+          <p:nvPr>
+            <p:ph type="sldImg"/>
+          </p:nvPr>
+        </p:nvSpPr>
+        <p:spPr/>
+      </p:sp>
+      <p:sp>
+        <p:nvSpPr>
+          <p:cNvPr id="3" name="Заметки 2"/>
+          <p:cNvSpPr>
+            <a:spLocks noGrp="1"/>
+          </p:cNvSpPr>
+          <p:nvPr>
+            <p:ph type="body" idx="1"/>
+          </p:nvPr>
+        </p:nvSpPr>
+        <p:spPr/>
+        <p:txBody>
+          <a:bodyPr>
+            <a:normAutofit/>
+          </a:bodyPr>
+          <a:lstStyle/>
+          <a:p>
+            <a:r>
+              <a:rPr lang="ru-RU" dirty="0" smtClean="0"/>
+              <a:t>На данном слайде отражен</a:t>
+            </a:r>
+            <a:r>
+              <a:rPr lang="ru-RU" baseline="0" dirty="0" smtClean="0"/>
+              <a:t>а часть диаграммы структуры хранения. То есть у нас есть цех – </a:t>
+            </a:r>
+            <a:r>
+              <a:rPr lang="en-US" baseline="0" dirty="0" smtClean="0"/>
+              <a:t>workshop</a:t>
+            </a:r>
+            <a:r>
+              <a:rPr lang="ru-RU" baseline="0" dirty="0" smtClean="0"/>
+              <a:t>, инструментально-раздаточная кладовая, в каждой цехе она есть </a:t>
+            </a:r>
+            <a:r>
+              <a:rPr lang="en-US" baseline="0" dirty="0" err="1" smtClean="0"/>
+              <a:t>ToolStorageRoom</a:t>
+            </a:r>
+            <a:r>
+              <a:rPr lang="ru-RU" baseline="0" dirty="0" smtClean="0"/>
+              <a:t>,-между ними связь один к одному. В каждой ИРК есть множество стеллажей </a:t>
+            </a:r>
+            <a:r>
+              <a:rPr lang="en-US" baseline="0" dirty="0" smtClean="0"/>
+              <a:t>Rack</a:t>
+            </a:r>
+            <a:r>
+              <a:rPr lang="ru-RU" baseline="0" dirty="0" smtClean="0"/>
+              <a:t>, из этого следует что между сущностями связь один ко многим. Ну и такой же связью обладают сущности стеллаж и ячейка. У ячейки есть свои размеры и материал, из которого она сделана.</a:t>
+            </a:r>
+            <a:endParaRPr lang="ru-RU" dirty="0"/>
+          </a:p>
+        </p:txBody>
+      </p:sp>
+      <p:sp>
+        <p:nvSpPr>
+          <p:cNvPr id="4" name="Номер слайда 3"/>
+          <p:cNvSpPr>
+            <a:spLocks noGrp="1"/>
+          </p:cNvSpPr>
+          <p:nvPr>
+            <p:ph type="sldNum" sz="quarter" idx="10"/>
+          </p:nvPr>
+        </p:nvSpPr>
+        <p:spPr/>
+        <p:txBody>
+          <a:bodyPr/>
+          <a:lstStyle/>
+          <a:p>
+            <a:fld id="{2B017611-21B7-474E-A55D-EF90E5AE33A3}" type="slidenum">
+              <a:rPr lang="ru-RU" smtClean="0"/>
+              <a:pPr/>
+              <a:t>13</a:t>
+            </a:fld>
+            <a:endParaRPr lang="ru-RU"/>
+          </a:p>
+        </p:txBody>
+      </p:sp>
+    </p:spTree>
+  </p:cSld>
+  <p:clrMapOvr>
+    <a:masterClrMapping/>
+  </p:clrMapOvr>
+</p:notes>
+</file>
+
+<file path=ppt/notesSlides/notesSlide13.xml><?xml version="1.0" encoding="utf-8"?>
+<p:notes xmlns:a="http://schemas.openxmlformats.org/drawingml/2006/main" xmlns:r="http://schemas.openxmlformats.org/officeDocument/2006/relationships" xmlns:p="http://schemas.openxmlformats.org/presentationml/2006/main">
+  <p:cSld>
+    <p:spTree>
+      <p:nvGrpSpPr>
+        <p:cNvPr id="1" name=""/>
+        <p:cNvGrpSpPr/>
+        <p:nvPr/>
+      </p:nvGrpSpPr>
+      <p:grpSpPr>
+        <a:xfrm>
+          <a:off x="0" y="0"/>
+          <a:ext cx="0" cy="0"/>
+          <a:chOff x="0" y="0"/>
+          <a:chExt cx="0" cy="0"/>
+        </a:xfrm>
+      </p:grpSpPr>
+      <p:sp>
+        <p:nvSpPr>
+          <p:cNvPr id="2" name="Образ слайда 1"/>
+          <p:cNvSpPr>
+            <a:spLocks noGrp="1" noRot="1" noChangeAspect="1"/>
+          </p:cNvSpPr>
+          <p:nvPr>
+            <p:ph type="sldImg"/>
+          </p:nvPr>
+        </p:nvSpPr>
+        <p:spPr/>
+      </p:sp>
+      <p:sp>
+        <p:nvSpPr>
+          <p:cNvPr id="3" name="Заметки 2"/>
+          <p:cNvSpPr>
+            <a:spLocks noGrp="1"/>
+          </p:cNvSpPr>
+          <p:nvPr>
+            <p:ph type="body" idx="1"/>
+          </p:nvPr>
+        </p:nvSpPr>
+        <p:spPr/>
+        <p:txBody>
+          <a:bodyPr>
+            <a:normAutofit/>
+          </a:bodyPr>
+          <a:lstStyle/>
+          <a:p>
+            <a:r>
+              <a:rPr lang="ru-RU" dirty="0" smtClean="0"/>
+              <a:t>В</a:t>
+            </a:r>
+            <a:r>
+              <a:rPr lang="ru-RU" baseline="0" dirty="0" smtClean="0"/>
+              <a:t> производстве используется не только ТО, но и материал. Материал относится к операциям ОМ. Как в операции может использоваться много разного материала, так и материал может использоваться в разных операциях, между ними связь много ко многим – поэтому сущность </a:t>
+            </a:r>
+            <a:r>
+              <a:rPr lang="en-US" baseline="0" dirty="0" err="1" smtClean="0"/>
+              <a:t>MaterialForOperation</a:t>
+            </a:r>
+            <a:r>
+              <a:rPr lang="ru-RU" baseline="0" dirty="0" smtClean="0"/>
+              <a:t>. На слайде представлена часть диаграммы, в которой показаны связи между параметрами хранимых единиц: ТО и материала. У нас есть сущность </a:t>
+            </a:r>
+            <a:r>
+              <a:rPr lang="en-US" baseline="0" dirty="0" smtClean="0"/>
+              <a:t>parameter</a:t>
+            </a:r>
+            <a:r>
+              <a:rPr lang="ru-RU" baseline="0" dirty="0" smtClean="0"/>
+              <a:t>- параметр, в котором перечислены все параметры – как качественные, так и количественные, тип обозначается у каждого. Если параметр количественный, то у него есть единицы измерения – сущность </a:t>
+            </a:r>
+            <a:r>
+              <a:rPr lang="en-US" baseline="0" dirty="0" smtClean="0"/>
+              <a:t>Unit (</a:t>
+            </a:r>
+            <a:r>
+              <a:rPr lang="ru-RU" baseline="0" dirty="0" smtClean="0"/>
+              <a:t>связь один ко многим). Отмечу сущности </a:t>
+            </a:r>
+            <a:r>
+              <a:rPr lang="en-US" baseline="0" dirty="0" err="1" smtClean="0"/>
+              <a:t>ParameterTooling</a:t>
+            </a:r>
+            <a:r>
+              <a:rPr lang="ru-RU" baseline="0" dirty="0" smtClean="0"/>
+              <a:t> и </a:t>
+            </a:r>
+            <a:r>
+              <a:rPr lang="en-US" baseline="0" dirty="0" err="1" smtClean="0"/>
+              <a:t>ParameterAdditionMaterial</a:t>
+            </a:r>
+            <a:r>
+              <a:rPr lang="ru-RU" baseline="0" dirty="0" smtClean="0"/>
+              <a:t>. В них соответственно хранится информация о том, какие параметры относятся к ТО и материалу ну и записываются значения.</a:t>
+            </a:r>
+            <a:endParaRPr lang="ru-RU" dirty="0"/>
+          </a:p>
+        </p:txBody>
+      </p:sp>
+      <p:sp>
+        <p:nvSpPr>
+          <p:cNvPr id="4" name="Номер слайда 3"/>
+          <p:cNvSpPr>
+            <a:spLocks noGrp="1"/>
+          </p:cNvSpPr>
+          <p:nvPr>
+            <p:ph type="sldNum" sz="quarter" idx="10"/>
+          </p:nvPr>
+        </p:nvSpPr>
+        <p:spPr/>
+        <p:txBody>
+          <a:bodyPr/>
+          <a:lstStyle/>
+          <a:p>
+            <a:fld id="{2B017611-21B7-474E-A55D-EF90E5AE33A3}" type="slidenum">
+              <a:rPr lang="ru-RU" smtClean="0"/>
+              <a:pPr/>
+              <a:t>14</a:t>
+            </a:fld>
+            <a:endParaRPr lang="ru-RU"/>
+          </a:p>
+        </p:txBody>
+      </p:sp>
+    </p:spTree>
+  </p:cSld>
+  <p:clrMapOvr>
+    <a:masterClrMapping/>
+  </p:clrMapOvr>
+</p:notes>
+</file>
+
+<file path=ppt/notesSlides/notesSlide14.xml><?xml version="1.0" encoding="utf-8"?>
+<p:notes xmlns:a="http://schemas.openxmlformats.org/drawingml/2006/main" xmlns:r="http://schemas.openxmlformats.org/officeDocument/2006/relationships" xmlns:p="http://schemas.openxmlformats.org/presentationml/2006/main">
+  <p:cSld>
+    <p:spTree>
+      <p:nvGrpSpPr>
+        <p:cNvPr id="1" name=""/>
+        <p:cNvGrpSpPr/>
+        <p:nvPr/>
+      </p:nvGrpSpPr>
+      <p:grpSpPr>
+        <a:xfrm>
+          <a:off x="0" y="0"/>
+          <a:ext cx="0" cy="0"/>
+          <a:chOff x="0" y="0"/>
+          <a:chExt cx="0" cy="0"/>
+        </a:xfrm>
+      </p:grpSpPr>
+      <p:sp>
+        <p:nvSpPr>
+          <p:cNvPr id="2" name="Образ слайда 1"/>
+          <p:cNvSpPr>
+            <a:spLocks noGrp="1" noRot="1" noChangeAspect="1"/>
+          </p:cNvSpPr>
+          <p:nvPr>
+            <p:ph type="sldImg"/>
+          </p:nvPr>
+        </p:nvSpPr>
+        <p:spPr/>
+      </p:sp>
+      <p:sp>
+        <p:nvSpPr>
+          <p:cNvPr id="3" name="Заметки 2"/>
+          <p:cNvSpPr>
+            <a:spLocks noGrp="1"/>
+          </p:cNvSpPr>
+          <p:nvPr>
+            <p:ph type="body" idx="1"/>
+          </p:nvPr>
+        </p:nvSpPr>
+        <p:spPr/>
+        <p:txBody>
+          <a:bodyPr>
+            <a:normAutofit/>
+          </a:bodyPr>
+          <a:lstStyle/>
+          <a:p>
+            <a:r>
+              <a:rPr lang="ru-RU" dirty="0" smtClean="0"/>
+              <a:t>Последняя часть моей диаграммы представлена на этом слайде. Отмечу</a:t>
+            </a:r>
+            <a:r>
+              <a:rPr lang="ru-RU" baseline="0" dirty="0" smtClean="0"/>
+              <a:t> как происходит хранение ТО и материала на складе. В одной ячейке может храниться несколько единиц ТО или материала, но главное одного вида. Эта информация хранится в сущности </a:t>
+            </a:r>
+            <a:r>
+              <a:rPr lang="en-US" baseline="0" dirty="0" err="1" smtClean="0"/>
+              <a:t>ToolingInTheCell</a:t>
+            </a:r>
+            <a:r>
+              <a:rPr lang="ru-RU" baseline="0" dirty="0" smtClean="0"/>
+              <a:t>, аналогично и с материалом. Далее ограничения на хранение. Например, материал огнеопасен, поэтому надо нам найти такую ячейку, в которой материал будет храниться безопасно. Созданы сущности </a:t>
+            </a:r>
+            <a:r>
+              <a:rPr lang="en-US" baseline="0" dirty="0" err="1" smtClean="0"/>
+              <a:t>ToolingLimit</a:t>
+            </a:r>
+            <a:r>
+              <a:rPr lang="ru-RU" baseline="0" dirty="0" smtClean="0"/>
+              <a:t> и </a:t>
+            </a:r>
+            <a:r>
+              <a:rPr lang="en-US" baseline="0" dirty="0" err="1" smtClean="0"/>
+              <a:t>MaterialLimit</a:t>
+            </a:r>
+            <a:r>
+              <a:rPr lang="ru-RU" baseline="0" dirty="0" smtClean="0"/>
+              <a:t>, в которых перечислены все ограничения. </a:t>
+            </a:r>
+            <a:r>
+              <a:rPr lang="en-US" baseline="0" dirty="0" err="1" smtClean="0"/>
+              <a:t>CellLimitForTooling</a:t>
+            </a:r>
+            <a:r>
+              <a:rPr lang="ru-RU" baseline="0" dirty="0" smtClean="0"/>
+              <a:t> сущность связана с ограничениями для ТО и она несет за собой информацию противоположную. Если параметр относится к ТО и такой же относится к ячейке, то это значит, что параметр можно хранить в этой ячейке. Соответственно и для материала подобные сущности созданы.</a:t>
+            </a:r>
+          </a:p>
+        </p:txBody>
+      </p:sp>
+      <p:sp>
+        <p:nvSpPr>
+          <p:cNvPr id="4" name="Номер слайда 3"/>
+          <p:cNvSpPr>
+            <a:spLocks noGrp="1"/>
+          </p:cNvSpPr>
+          <p:nvPr>
+            <p:ph type="sldNum" sz="quarter" idx="10"/>
+          </p:nvPr>
+        </p:nvSpPr>
+        <p:spPr/>
+        <p:txBody>
+          <a:bodyPr/>
+          <a:lstStyle/>
+          <a:p>
+            <a:fld id="{2B017611-21B7-474E-A55D-EF90E5AE33A3}" type="slidenum">
+              <a:rPr lang="ru-RU" smtClean="0"/>
+              <a:pPr/>
+              <a:t>15</a:t>
+            </a:fld>
+            <a:endParaRPr lang="ru-RU"/>
+          </a:p>
+        </p:txBody>
+      </p:sp>
+    </p:spTree>
+  </p:cSld>
+  <p:clrMapOvr>
+    <a:masterClrMapping/>
+  </p:clrMapOvr>
+</p:notes>
+</file>
+
+<file path=ppt/notesSlides/notesSlide15.xml><?xml version="1.0" encoding="utf-8"?>
+<p:notes xmlns:a="http://schemas.openxmlformats.org/drawingml/2006/main" xmlns:r="http://schemas.openxmlformats.org/officeDocument/2006/relationships" xmlns:p="http://schemas.openxmlformats.org/presentationml/2006/main">
+  <p:cSld>
+    <p:spTree>
+      <p:nvGrpSpPr>
+        <p:cNvPr id="1" name=""/>
+        <p:cNvGrpSpPr/>
+        <p:nvPr/>
+      </p:nvGrpSpPr>
+      <p:grpSpPr>
+        <a:xfrm>
+          <a:off x="0" y="0"/>
+          <a:ext cx="0" cy="0"/>
+          <a:chOff x="0" y="0"/>
+          <a:chExt cx="0" cy="0"/>
+        </a:xfrm>
+      </p:grpSpPr>
+      <p:sp>
+        <p:nvSpPr>
+          <p:cNvPr id="2" name="Образ слайда 1"/>
+          <p:cNvSpPr>
+            <a:spLocks noGrp="1" noRot="1" noChangeAspect="1"/>
+          </p:cNvSpPr>
+          <p:nvPr>
+            <p:ph type="sldImg"/>
+          </p:nvPr>
+        </p:nvSpPr>
+        <p:spPr/>
+      </p:sp>
+      <p:sp>
+        <p:nvSpPr>
+          <p:cNvPr id="3" name="Заметки 2"/>
+          <p:cNvSpPr>
+            <a:spLocks noGrp="1"/>
+          </p:cNvSpPr>
+          <p:nvPr>
+            <p:ph type="body" idx="1"/>
+          </p:nvPr>
+        </p:nvSpPr>
+        <p:spPr/>
+        <p:txBody>
+          <a:bodyPr>
+            <a:normAutofit/>
+          </a:bodyPr>
+          <a:lstStyle/>
+          <a:p>
+            <a:r>
+              <a:rPr lang="ru-RU" sz="1200" kern="1200" dirty="0" smtClean="0">
+                <a:solidFill>
+                  <a:schemeClr val="tx1"/>
+                </a:solidFill>
+                <a:latin typeface="+mn-lt"/>
+                <a:ea typeface="+mn-ea"/>
+                <a:cs typeface="+mn-cs"/>
+              </a:rPr>
+              <a:t>База данных спроектирована. Большой объём информации необходимо не только структурировано и логически хранить в базе данных, но и организовать работу самой системы с базой данных. Основа логики заложена в самом проекте БД, где указаны связи таблиц между собой. Но, также, будут работать запросы к БД, которые будут необходимо прописать в самой системе. Для начала надо разработать модуль заполнения информации в БД.</a:t>
+            </a:r>
+          </a:p>
+          <a:p>
+            <a:r>
+              <a:rPr lang="ru-RU" sz="1200" kern="1200" dirty="0" smtClean="0">
+                <a:solidFill>
+                  <a:schemeClr val="tx1"/>
+                </a:solidFill>
+                <a:latin typeface="+mn-lt"/>
+                <a:ea typeface="+mn-ea"/>
+                <a:cs typeface="+mn-cs"/>
+              </a:rPr>
+              <a:t>Для этого была выбрана СУБД </a:t>
+            </a:r>
+            <a:r>
+              <a:rPr lang="ru-RU" sz="1200" kern="1200" dirty="0" err="1" smtClean="0">
+                <a:solidFill>
+                  <a:schemeClr val="tx1"/>
+                </a:solidFill>
+                <a:latin typeface="+mn-lt"/>
+                <a:ea typeface="+mn-ea"/>
+                <a:cs typeface="+mn-cs"/>
+              </a:rPr>
+              <a:t>Postgresql</a:t>
+            </a:r>
+            <a:r>
+              <a:rPr lang="ru-RU" sz="1200" kern="1200" dirty="0" smtClean="0">
+                <a:solidFill>
+                  <a:schemeClr val="tx1"/>
+                </a:solidFill>
+                <a:latin typeface="+mn-lt"/>
+                <a:ea typeface="+mn-ea"/>
+                <a:cs typeface="+mn-cs"/>
+              </a:rPr>
+              <a:t> - бесплатное ПО с открытым исходным кодом. Эта СУБД является очень мощной системой. Язык разработки – </a:t>
+            </a:r>
+            <a:r>
+              <a:rPr lang="en-US" sz="1200" kern="1200" dirty="0" smtClean="0">
+                <a:solidFill>
+                  <a:schemeClr val="tx1"/>
+                </a:solidFill>
+                <a:latin typeface="+mn-lt"/>
+                <a:ea typeface="+mn-ea"/>
+                <a:cs typeface="+mn-cs"/>
+              </a:rPr>
+              <a:t>Java</a:t>
+            </a:r>
+            <a:r>
+              <a:rPr lang="ru-RU" sz="1200" kern="1200" dirty="0" smtClean="0">
+                <a:solidFill>
+                  <a:schemeClr val="tx1"/>
+                </a:solidFill>
+                <a:latin typeface="+mn-lt"/>
+                <a:ea typeface="+mn-ea"/>
+                <a:cs typeface="+mn-cs"/>
+              </a:rPr>
+              <a:t>, </a:t>
+            </a:r>
+            <a:r>
+              <a:rPr lang="en-US" sz="1200" kern="1200" dirty="0" smtClean="0">
+                <a:solidFill>
+                  <a:schemeClr val="tx1"/>
+                </a:solidFill>
+                <a:latin typeface="+mn-lt"/>
+                <a:ea typeface="+mn-ea"/>
+                <a:cs typeface="+mn-cs"/>
+              </a:rPr>
+              <a:t>Java IDE</a:t>
+            </a:r>
+            <a:r>
+              <a:rPr lang="ru-RU" sz="1200" kern="1200" dirty="0" smtClean="0">
+                <a:solidFill>
+                  <a:schemeClr val="tx1"/>
+                </a:solidFill>
+                <a:latin typeface="+mn-lt"/>
+                <a:ea typeface="+mn-ea"/>
+                <a:cs typeface="+mn-cs"/>
+              </a:rPr>
+              <a:t> - </a:t>
+            </a:r>
+            <a:r>
+              <a:rPr lang="ru-RU" sz="1200" kern="1200" dirty="0" err="1" smtClean="0">
+                <a:solidFill>
+                  <a:schemeClr val="tx1"/>
+                </a:solidFill>
+                <a:latin typeface="+mn-lt"/>
+                <a:ea typeface="+mn-ea"/>
+                <a:cs typeface="+mn-cs"/>
+              </a:rPr>
+              <a:t>Inteleji</a:t>
+            </a:r>
+            <a:r>
+              <a:rPr lang="ru-RU" sz="1200" kern="1200" dirty="0" smtClean="0">
+                <a:solidFill>
+                  <a:schemeClr val="tx1"/>
+                </a:solidFill>
+                <a:latin typeface="+mn-lt"/>
+                <a:ea typeface="+mn-ea"/>
+                <a:cs typeface="+mn-cs"/>
+              </a:rPr>
+              <a:t> </a:t>
+            </a:r>
+            <a:r>
+              <a:rPr lang="ru-RU" sz="1200" kern="1200" dirty="0" err="1" smtClean="0">
+                <a:solidFill>
+                  <a:schemeClr val="tx1"/>
+                </a:solidFill>
+                <a:latin typeface="+mn-lt"/>
+                <a:ea typeface="+mn-ea"/>
+                <a:cs typeface="+mn-cs"/>
+              </a:rPr>
+              <a:t>Idea</a:t>
+            </a:r>
+            <a:r>
+              <a:rPr lang="ru-RU" sz="1200" kern="1200" dirty="0" smtClean="0">
+                <a:solidFill>
+                  <a:schemeClr val="tx1"/>
+                </a:solidFill>
+                <a:latin typeface="+mn-lt"/>
+                <a:ea typeface="+mn-ea"/>
+                <a:cs typeface="+mn-cs"/>
+              </a:rPr>
+              <a:t> и </a:t>
+            </a:r>
+            <a:r>
+              <a:rPr lang="ru-RU" sz="1200" kern="1200" dirty="0" err="1" smtClean="0">
+                <a:solidFill>
+                  <a:schemeClr val="tx1"/>
+                </a:solidFill>
+                <a:latin typeface="+mn-lt"/>
+                <a:ea typeface="+mn-ea"/>
+                <a:cs typeface="+mn-cs"/>
+              </a:rPr>
+              <a:t>фреймворк</a:t>
+            </a:r>
+            <a:r>
+              <a:rPr lang="ru-RU" sz="1200" kern="1200" dirty="0" smtClean="0">
+                <a:solidFill>
+                  <a:schemeClr val="tx1"/>
+                </a:solidFill>
+                <a:latin typeface="+mn-lt"/>
+                <a:ea typeface="+mn-ea"/>
+                <a:cs typeface="+mn-cs"/>
+              </a:rPr>
+              <a:t> </a:t>
+            </a:r>
+            <a:r>
+              <a:rPr lang="en-US" sz="1200" kern="1200" dirty="0" smtClean="0">
+                <a:solidFill>
+                  <a:schemeClr val="tx1"/>
+                </a:solidFill>
+                <a:latin typeface="+mn-lt"/>
+                <a:ea typeface="+mn-ea"/>
+                <a:cs typeface="+mn-cs"/>
+              </a:rPr>
+              <a:t>Spring</a:t>
+            </a:r>
+            <a:r>
+              <a:rPr lang="ru-RU" sz="1200" kern="1200" dirty="0" smtClean="0">
+                <a:solidFill>
+                  <a:schemeClr val="tx1"/>
+                </a:solidFill>
+                <a:latin typeface="+mn-lt"/>
+                <a:ea typeface="+mn-ea"/>
+                <a:cs typeface="+mn-cs"/>
+              </a:rPr>
+              <a:t> - один из самых популярных </a:t>
+            </a:r>
+            <a:r>
+              <a:rPr lang="ru-RU" sz="1200" kern="1200" dirty="0" err="1" smtClean="0">
+                <a:solidFill>
+                  <a:schemeClr val="tx1"/>
+                </a:solidFill>
+                <a:latin typeface="+mn-lt"/>
+                <a:ea typeface="+mn-ea"/>
+                <a:cs typeface="+mn-cs"/>
+              </a:rPr>
+              <a:t>фреймворков</a:t>
+            </a:r>
+            <a:r>
+              <a:rPr lang="ru-RU" sz="1200" kern="1200" dirty="0" smtClean="0">
+                <a:solidFill>
+                  <a:schemeClr val="tx1"/>
+                </a:solidFill>
+                <a:latin typeface="+mn-lt"/>
+                <a:ea typeface="+mn-ea"/>
+                <a:cs typeface="+mn-cs"/>
+              </a:rPr>
+              <a:t> для создания </a:t>
+            </a:r>
+            <a:r>
+              <a:rPr lang="ru-RU" sz="1200" kern="1200" dirty="0" err="1" smtClean="0">
+                <a:solidFill>
+                  <a:schemeClr val="tx1"/>
+                </a:solidFill>
+                <a:latin typeface="+mn-lt"/>
+                <a:ea typeface="+mn-ea"/>
+                <a:cs typeface="+mn-cs"/>
+              </a:rPr>
+              <a:t>веб-приложений</a:t>
+            </a:r>
+            <a:r>
+              <a:rPr lang="ru-RU" sz="1200" kern="1200" dirty="0" smtClean="0">
+                <a:solidFill>
+                  <a:schemeClr val="tx1"/>
+                </a:solidFill>
+                <a:latin typeface="+mn-lt"/>
+                <a:ea typeface="+mn-ea"/>
+                <a:cs typeface="+mn-cs"/>
+              </a:rPr>
+              <a:t> на </a:t>
+            </a:r>
+            <a:r>
+              <a:rPr lang="ru-RU" sz="1200" kern="1200" dirty="0" err="1" smtClean="0">
+                <a:solidFill>
+                  <a:schemeClr val="tx1"/>
+                </a:solidFill>
+                <a:latin typeface="+mn-lt"/>
+                <a:ea typeface="+mn-ea"/>
+                <a:cs typeface="+mn-cs"/>
+              </a:rPr>
+              <a:t>Java</a:t>
+            </a:r>
+            <a:r>
+              <a:rPr lang="ru-RU" sz="1200" kern="1200" dirty="0" smtClean="0">
+                <a:solidFill>
+                  <a:schemeClr val="tx1"/>
+                </a:solidFill>
+                <a:latin typeface="+mn-lt"/>
+                <a:ea typeface="+mn-ea"/>
+                <a:cs typeface="+mn-cs"/>
+              </a:rPr>
+              <a:t>. Его плюсами являются: </a:t>
+            </a:r>
+          </a:p>
+          <a:p>
+            <a:pPr lvl="0"/>
+            <a:r>
+              <a:rPr lang="ru-RU" sz="1200" kern="1200" dirty="0" smtClean="0">
+                <a:solidFill>
+                  <a:schemeClr val="tx1"/>
+                </a:solidFill>
+                <a:latin typeface="+mn-lt"/>
+                <a:ea typeface="+mn-ea"/>
+                <a:cs typeface="+mn-cs"/>
+              </a:rPr>
+              <a:t>Относительная легкость в изучении и применении </a:t>
+            </a:r>
+            <a:r>
+              <a:rPr lang="ru-RU" sz="1200" kern="1200" dirty="0" err="1" smtClean="0">
+                <a:solidFill>
+                  <a:schemeClr val="tx1"/>
+                </a:solidFill>
+                <a:latin typeface="+mn-lt"/>
+                <a:ea typeface="+mn-ea"/>
+                <a:cs typeface="+mn-cs"/>
+              </a:rPr>
+              <a:t>фреймворка</a:t>
+            </a:r>
+            <a:r>
+              <a:rPr lang="ru-RU" sz="1200" kern="1200" dirty="0" smtClean="0">
+                <a:solidFill>
+                  <a:schemeClr val="tx1"/>
+                </a:solidFill>
+                <a:latin typeface="+mn-lt"/>
+                <a:ea typeface="+mn-ea"/>
+                <a:cs typeface="+mn-cs"/>
+              </a:rPr>
+              <a:t> в разработке и поддержке приложения</a:t>
+            </a:r>
+          </a:p>
+          <a:p>
+            <a:pPr lvl="0"/>
+            <a:r>
+              <a:rPr lang="ru-RU" sz="1200" kern="1200" dirty="0" smtClean="0">
+                <a:solidFill>
+                  <a:schemeClr val="tx1"/>
+                </a:solidFill>
+                <a:latin typeface="+mn-lt"/>
+                <a:ea typeface="+mn-ea"/>
+                <a:cs typeface="+mn-cs"/>
+              </a:rPr>
+              <a:t>Проект </a:t>
+            </a:r>
+            <a:r>
+              <a:rPr lang="ru-RU" sz="1200" kern="1200" dirty="0" err="1" smtClean="0">
+                <a:solidFill>
+                  <a:schemeClr val="tx1"/>
+                </a:solidFill>
+                <a:latin typeface="+mn-lt"/>
+                <a:ea typeface="+mn-ea"/>
+                <a:cs typeface="+mn-cs"/>
+              </a:rPr>
+              <a:t>Spring</a:t>
+            </a:r>
+            <a:r>
+              <a:rPr lang="ru-RU" sz="1200" kern="1200" dirty="0" smtClean="0">
+                <a:solidFill>
+                  <a:schemeClr val="tx1"/>
+                </a:solidFill>
+                <a:latin typeface="+mn-lt"/>
+                <a:ea typeface="+mn-ea"/>
+                <a:cs typeface="+mn-cs"/>
+              </a:rPr>
+              <a:t> содержит в себе множество </a:t>
+            </a:r>
+            <a:r>
+              <a:rPr lang="ru-RU" sz="1200" kern="1200" dirty="0" err="1" smtClean="0">
+                <a:solidFill>
+                  <a:schemeClr val="tx1"/>
+                </a:solidFill>
+                <a:latin typeface="+mn-lt"/>
+                <a:ea typeface="+mn-ea"/>
+                <a:cs typeface="+mn-cs"/>
+              </a:rPr>
+              <a:t>подпроектов</a:t>
+            </a:r>
+            <a:r>
+              <a:rPr lang="ru-RU" sz="1200" kern="1200" dirty="0" smtClean="0">
+                <a:solidFill>
+                  <a:schemeClr val="tx1"/>
+                </a:solidFill>
+                <a:latin typeface="+mn-lt"/>
+                <a:ea typeface="+mn-ea"/>
+                <a:cs typeface="+mn-cs"/>
+              </a:rPr>
+              <a:t>, которые затрагивают важные части создания софта, такие как </a:t>
+            </a:r>
+            <a:r>
+              <a:rPr lang="ru-RU" sz="1200" kern="1200" dirty="0" err="1" smtClean="0">
+                <a:solidFill>
+                  <a:schemeClr val="tx1"/>
+                </a:solidFill>
+                <a:latin typeface="+mn-lt"/>
+                <a:ea typeface="+mn-ea"/>
+                <a:cs typeface="+mn-cs"/>
+              </a:rPr>
+              <a:t>веб</a:t>
+            </a:r>
+            <a:r>
+              <a:rPr lang="ru-RU" sz="1200" kern="1200" dirty="0" smtClean="0">
+                <a:solidFill>
+                  <a:schemeClr val="tx1"/>
+                </a:solidFill>
+                <a:latin typeface="+mn-lt"/>
+                <a:ea typeface="+mn-ea"/>
+                <a:cs typeface="+mn-cs"/>
+              </a:rPr>
+              <a:t> сервисы, </a:t>
+            </a:r>
+            <a:r>
+              <a:rPr lang="ru-RU" sz="1200" kern="1200" dirty="0" err="1" smtClean="0">
+                <a:solidFill>
+                  <a:schemeClr val="tx1"/>
+                </a:solidFill>
+                <a:latin typeface="+mn-lt"/>
+                <a:ea typeface="+mn-ea"/>
+                <a:cs typeface="+mn-cs"/>
+              </a:rPr>
+              <a:t>веб</a:t>
+            </a:r>
+            <a:r>
+              <a:rPr lang="ru-RU" sz="1200" kern="1200" dirty="0" smtClean="0">
+                <a:solidFill>
+                  <a:schemeClr val="tx1"/>
+                </a:solidFill>
+                <a:latin typeface="+mn-lt"/>
+                <a:ea typeface="+mn-ea"/>
+                <a:cs typeface="+mn-cs"/>
+              </a:rPr>
+              <a:t> программирование, работа с базами данных, загрузка файлов, обработка ошибок и многое другое. Всё это настраивается в едином формате и упрощает поддержку приложения.</a:t>
+            </a:r>
+          </a:p>
+          <a:p>
+            <a:endParaRPr lang="ru-RU" dirty="0"/>
+          </a:p>
+        </p:txBody>
+      </p:sp>
+      <p:sp>
+        <p:nvSpPr>
+          <p:cNvPr id="4" name="Номер слайда 3"/>
+          <p:cNvSpPr>
+            <a:spLocks noGrp="1"/>
+          </p:cNvSpPr>
+          <p:nvPr>
+            <p:ph type="sldNum" sz="quarter" idx="10"/>
+          </p:nvPr>
+        </p:nvSpPr>
+        <p:spPr/>
+        <p:txBody>
+          <a:bodyPr/>
+          <a:lstStyle/>
+          <a:p>
+            <a:fld id="{2B017611-21B7-474E-A55D-EF90E5AE33A3}" type="slidenum">
+              <a:rPr lang="ru-RU" smtClean="0"/>
+              <a:pPr/>
+              <a:t>16</a:t>
+            </a:fld>
+            <a:endParaRPr lang="ru-RU"/>
+          </a:p>
+        </p:txBody>
+      </p:sp>
+    </p:spTree>
   </p:cSld>
   <p:clrMapOvr>
     <a:masterClrMapping/>
@@ -751,11 +2020,7 @@
             </a:pPr>
             <a:r>
               <a:rPr lang="ru-RU" sz="1200" dirty="0" smtClean="0"/>
-              <a:t>Использование </a:t>
-            </a:r>
-            <a:r>
-              <a:rPr lang="ru-RU" sz="1200" dirty="0" smtClean="0"/>
-              <a:t>оснастки позволяет осуществлять дополнительную или специальную обработку и/или доработку выпускаемых изделий.</a:t>
+              <a:t>Использование оснастки позволяет осуществлять дополнительную или специальную обработку и/или доработку выпускаемых изделий.</a:t>
             </a:r>
           </a:p>
           <a:p>
@@ -916,6 +2181,7 @@
           <a:p>
             <a:fld id="{2B017611-21B7-474E-A55D-EF90E5AE33A3}" type="slidenum">
               <a:rPr lang="ru-RU" smtClean="0"/>
+              <a:pPr/>
               <a:t>3</a:t>
             </a:fld>
             <a:endParaRPr lang="ru-RU"/>
@@ -925,7 +2191,7 @@
     </p:spTree>
     <p:extLst>
       <p:ext uri="{BB962C8B-B14F-4D97-AF65-F5344CB8AC3E}">
-        <p14:creationId xmlns:p14="http://schemas.microsoft.com/office/powerpoint/2010/main" val="224182243"/>
+        <p14:creationId xmlns:p14="http://schemas.microsoft.com/office/powerpoint/2010/main" xmlns="" val="224182243"/>
       </p:ext>
     </p:extLst>
   </p:cSld>
@@ -998,11 +2264,7 @@
             </a:pPr>
             <a:r>
               <a:rPr lang="ru-RU" dirty="0" smtClean="0"/>
-              <a:t>Предпосылк</a:t>
-            </a:r>
-            <a:r>
-              <a:rPr lang="ru-RU" dirty="0" smtClean="0"/>
-              <a:t>ами создания</a:t>
+              <a:t>Предпосылками создания</a:t>
             </a:r>
             <a:r>
               <a:rPr lang="ru-RU" baseline="0" dirty="0" smtClean="0"/>
@@ -1075,6 +2337,7 @@
           <a:p>
             <a:fld id="{2B017611-21B7-474E-A55D-EF90E5AE33A3}" type="slidenum">
               <a:rPr lang="ru-RU" smtClean="0"/>
+              <a:pPr/>
               <a:t>4</a:t>
             </a:fld>
             <a:endParaRPr lang="ru-RU"/>
@@ -1084,7 +2347,7 @@
     </p:spTree>
     <p:extLst>
       <p:ext uri="{BB962C8B-B14F-4D97-AF65-F5344CB8AC3E}">
-        <p14:creationId xmlns:p14="http://schemas.microsoft.com/office/powerpoint/2010/main" val="2935596941"/>
+        <p14:creationId xmlns:p14="http://schemas.microsoft.com/office/powerpoint/2010/main" xmlns="" val="2935596941"/>
       </p:ext>
     </p:extLst>
   </p:cSld>
@@ -1251,6 +2514,7 @@
           <a:p>
             <a:fld id="{2B017611-21B7-474E-A55D-EF90E5AE33A3}" type="slidenum">
               <a:rPr lang="ru-RU" smtClean="0"/>
+              <a:pPr/>
               <a:t>5</a:t>
             </a:fld>
             <a:endParaRPr lang="ru-RU"/>
@@ -1260,7 +2524,7 @@
     </p:spTree>
     <p:extLst>
       <p:ext uri="{BB962C8B-B14F-4D97-AF65-F5344CB8AC3E}">
-        <p14:creationId xmlns:p14="http://schemas.microsoft.com/office/powerpoint/2010/main" val="1573350293"/>
+        <p14:creationId xmlns:p14="http://schemas.microsoft.com/office/powerpoint/2010/main" xmlns="" val="1573350293"/>
       </p:ext>
     </p:extLst>
   </p:cSld>
@@ -1393,6 +2657,7 @@
           <a:p>
             <a:fld id="{2B017611-21B7-474E-A55D-EF90E5AE33A3}" type="slidenum">
               <a:rPr lang="ru-RU" smtClean="0"/>
+              <a:pPr/>
               <a:t>6</a:t>
             </a:fld>
             <a:endParaRPr lang="ru-RU"/>
@@ -1402,7 +2667,7 @@
     </p:spTree>
     <p:extLst>
       <p:ext uri="{BB962C8B-B14F-4D97-AF65-F5344CB8AC3E}">
-        <p14:creationId xmlns:p14="http://schemas.microsoft.com/office/powerpoint/2010/main" val="1026400350"/>
+        <p14:creationId xmlns:p14="http://schemas.microsoft.com/office/powerpoint/2010/main" xmlns="" val="1026400350"/>
       </p:ext>
     </p:extLst>
   </p:cSld>
@@ -1517,6 +2782,7 @@
           <a:p>
             <a:fld id="{2B017611-21B7-474E-A55D-EF90E5AE33A3}" type="slidenum">
               <a:rPr lang="ru-RU" smtClean="0"/>
+              <a:pPr/>
               <a:t>7</a:t>
             </a:fld>
             <a:endParaRPr lang="ru-RU"/>
@@ -1526,7 +2792,7 @@
     </p:spTree>
     <p:extLst>
       <p:ext uri="{BB962C8B-B14F-4D97-AF65-F5344CB8AC3E}">
-        <p14:creationId xmlns:p14="http://schemas.microsoft.com/office/powerpoint/2010/main" val="542337663"/>
+        <p14:creationId xmlns:p14="http://schemas.microsoft.com/office/powerpoint/2010/main" xmlns="" val="542337663"/>
       </p:ext>
     </p:extLst>
   </p:cSld>
@@ -1577,17 +2843,147 @@
         </p:nvSpPr>
         <p:spPr/>
         <p:txBody>
-          <a:bodyPr/>
+          <a:bodyPr>
+            <a:normAutofit/>
+          </a:bodyPr>
           <a:lstStyle/>
           <a:p>
             <a:r>
               <a:rPr lang="ru-RU" dirty="0" smtClean="0"/>
-              <a:t>Неполный список требований</a:t>
+              <a:t>У каждой ТО есть свой набор</a:t>
             </a:r>
             <a:r>
               <a:rPr lang="ru-RU" baseline="0" dirty="0" smtClean="0"/>
-              <a:t> к системе перечислены на слайде. Отмечу то, что требования касаются электронного ведения документооборота – согласование, формирование, ведения электронного справочника. Также автоматизации подбора и поиска ТО. Оптимизации хранения и закупок.</a:t>
-            </a:r>
+              <a:t> качественных и количественных </a:t>
+            </a:r>
+            <a:r>
+              <a:rPr lang="ru-RU" baseline="0" dirty="0" smtClean="0"/>
+              <a:t>признаков</a:t>
+            </a:r>
+            <a:r>
+              <a:rPr lang="ru-RU" baseline="0" dirty="0" smtClean="0"/>
+              <a:t>.</a:t>
+            </a:r>
+          </a:p>
+          <a:p>
+            <a:pPr marL="0" marR="0" indent="0" algn="l" defTabSz="914400" rtl="0" eaLnBrk="1" fontAlgn="auto" latinLnBrk="0" hangingPunct="1">
+              <a:lnSpc>
+                <a:spcPct val="100000"/>
+              </a:lnSpc>
+              <a:spcBef>
+                <a:spcPts val="0"/>
+              </a:spcBef>
+              <a:spcAft>
+                <a:spcPts val="0"/>
+              </a:spcAft>
+              <a:buClrTx/>
+              <a:buSzTx/>
+              <a:buFontTx/>
+              <a:buNone/>
+              <a:tabLst/>
+              <a:defRPr/>
+            </a:pPr>
+            <a:r>
+              <a:rPr lang="ru-RU" sz="1200" kern="1200" dirty="0" smtClean="0">
+                <a:solidFill>
+                  <a:schemeClr val="tx1"/>
+                </a:solidFill>
+                <a:latin typeface="+mn-lt"/>
+                <a:ea typeface="+mn-ea"/>
+                <a:cs typeface="+mn-cs"/>
+              </a:rPr>
+              <a:t>Пусть нам известны наборы качественных признаков () и количественных признаков () у проектируемой технологической оснастки. Из известных признаков создаём параметр управления .</a:t>
+            </a:r>
+          </a:p>
+          <a:p>
+            <a:r>
+              <a:rPr lang="ru-RU" sz="1200" kern="1200" dirty="0" smtClean="0">
+                <a:solidFill>
+                  <a:schemeClr val="tx1"/>
+                </a:solidFill>
+                <a:latin typeface="+mn-lt"/>
+                <a:ea typeface="+mn-ea"/>
+                <a:cs typeface="+mn-cs"/>
+              </a:rPr>
+              <a:t>Разберём небольшой пример. Для поиска определённой ТО выбраны качественные признаки: операция обработки металлов , участие человека в обслуживании ; количественные: длина , масса . Соответственно начальные множества, к которым относятся признаки </a:t>
+            </a:r>
+            <a:endParaRPr lang="ru-RU" dirty="0" smtClean="0"/>
+          </a:p>
+          <a:p>
+            <a:r>
+              <a:rPr lang="ru-RU" sz="1200" kern="1200" dirty="0" smtClean="0">
+                <a:solidFill>
+                  <a:schemeClr val="tx1"/>
+                </a:solidFill>
+                <a:latin typeface="+mn-lt"/>
+                <a:ea typeface="+mn-ea"/>
+                <a:cs typeface="+mn-cs"/>
+              </a:rPr>
+              <a:t>При подборе технологической оснастки различие между количественными признаками должно быть минимальным, поэтому образуем целевую функцию:</a:t>
+            </a:r>
+          </a:p>
+          <a:p>
+            <a:endParaRPr lang="ru-RU" sz="1200" kern="1200" dirty="0" smtClean="0">
+              <a:solidFill>
+                <a:schemeClr val="tx1"/>
+              </a:solidFill>
+              <a:latin typeface="+mn-lt"/>
+              <a:ea typeface="+mn-ea"/>
+              <a:cs typeface="+mn-cs"/>
+            </a:endParaRPr>
+          </a:p>
+          <a:p>
+            <a:r>
+              <a:rPr lang="ru-RU" sz="1200" kern="1200" dirty="0" smtClean="0">
+                <a:solidFill>
+                  <a:schemeClr val="tx1"/>
+                </a:solidFill>
+                <a:latin typeface="+mn-lt"/>
+                <a:ea typeface="+mn-ea"/>
+                <a:cs typeface="+mn-cs"/>
+              </a:rPr>
+              <a:t>Ограничениями являются условия, где заданная операция обработки металлов принадлежит множеству операций ОМ и участие человека в обслуживании (например, автоматическое) принадлежит множеству видов участия человека в обслуживании (ручное, полуавтоматическое, автоматическое).</a:t>
+            </a:r>
+            <a:endParaRPr lang="ru-RU" dirty="0" smtClean="0"/>
+          </a:p>
+          <a:p>
+            <a:r>
+              <a:rPr lang="ru-RU" sz="1200" kern="1200" dirty="0" smtClean="0">
+                <a:solidFill>
+                  <a:schemeClr val="tx1"/>
+                </a:solidFill>
+                <a:latin typeface="+mn-lt"/>
+                <a:ea typeface="+mn-ea"/>
+                <a:cs typeface="+mn-cs"/>
+              </a:rPr>
+              <a:t>Условий будет множество, так как признаков будет большое количество. Здесь только разобран пример малого количества признаков.</a:t>
+            </a:r>
+            <a:endParaRPr lang="ru-RU" dirty="0" smtClean="0"/>
+          </a:p>
+          <a:p>
+            <a:endParaRPr lang="ru-RU" dirty="0" smtClean="0"/>
+          </a:p>
+          <a:p>
+            <a:pPr marL="0" marR="0" indent="0" algn="l" defTabSz="914400" rtl="0" eaLnBrk="1" fontAlgn="auto" latinLnBrk="0" hangingPunct="1">
+              <a:lnSpc>
+                <a:spcPct val="100000"/>
+              </a:lnSpc>
+              <a:spcBef>
+                <a:spcPts val="0"/>
+              </a:spcBef>
+              <a:spcAft>
+                <a:spcPts val="0"/>
+              </a:spcAft>
+              <a:buClrTx/>
+              <a:buSzTx/>
+              <a:buFontTx/>
+              <a:buNone/>
+              <a:tabLst/>
+              <a:defRPr/>
+            </a:pPr>
+            <a:endParaRPr lang="ru-RU" dirty="0" smtClean="0"/>
+          </a:p>
+          <a:p>
             <a:endParaRPr lang="ru-RU" dirty="0"/>
           </a:p>
         </p:txBody>
@@ -1609,18 +3005,14 @@
           <a:p>
             <a:fld id="{2B017611-21B7-474E-A55D-EF90E5AE33A3}" type="slidenum">
               <a:rPr lang="ru-RU" smtClean="0"/>
-              <a:t>10</a:t>
+              <a:pPr/>
+              <a:t>9</a:t>
             </a:fld>
             <a:endParaRPr lang="ru-RU"/>
           </a:p>
         </p:txBody>
       </p:sp>
     </p:spTree>
-    <p:extLst>
-      <p:ext uri="{BB962C8B-B14F-4D97-AF65-F5344CB8AC3E}">
-        <p14:creationId xmlns:p14="http://schemas.microsoft.com/office/powerpoint/2010/main" val="1336362665"/>
-      </p:ext>
-    </p:extLst>
   </p:cSld>
   <p:clrMapOvr>
     <a:masterClrMapping/>
@@ -1673,153 +3065,13 @@
           <a:lstStyle/>
           <a:p>
             <a:r>
-              <a:rPr lang="ru-RU" sz="1200" kern="1200" dirty="0" smtClean="0">
-                <a:solidFill>
-                  <a:schemeClr val="tx1"/>
-                </a:solidFill>
-                <a:effectLst/>
-                <a:latin typeface="+mn-lt"/>
-                <a:ea typeface="+mn-ea"/>
-                <a:cs typeface="+mn-cs"/>
-              </a:rPr>
-              <a:t>На предприятии выделено 8 методов обработки металлов, по которым далее будут распределяться ТО: </a:t>
-            </a:r>
-          </a:p>
-          <a:p>
-            <a:pPr lvl="0"/>
-            <a:r>
-              <a:rPr lang="ru-RU" sz="1200" kern="1200" dirty="0" smtClean="0">
-                <a:solidFill>
-                  <a:schemeClr val="tx1"/>
-                </a:solidFill>
-                <a:effectLst/>
-                <a:latin typeface="+mn-lt"/>
-                <a:ea typeface="+mn-ea"/>
-                <a:cs typeface="+mn-cs"/>
-              </a:rPr>
-              <a:t>Обработка литьём</a:t>
-            </a:r>
-          </a:p>
-          <a:p>
-            <a:pPr lvl="0"/>
-            <a:r>
-              <a:rPr lang="ru-RU" sz="1200" kern="1200" dirty="0" smtClean="0">
-                <a:solidFill>
-                  <a:schemeClr val="tx1"/>
-                </a:solidFill>
-                <a:effectLst/>
-                <a:latin typeface="+mn-lt"/>
-                <a:ea typeface="+mn-ea"/>
-                <a:cs typeface="+mn-cs"/>
-              </a:rPr>
-              <a:t>Обработка металлов давлением</a:t>
-            </a:r>
-          </a:p>
-          <a:p>
-            <a:pPr lvl="0"/>
-            <a:r>
-              <a:rPr lang="ru-RU" sz="1200" kern="1200" dirty="0" smtClean="0">
-                <a:solidFill>
-                  <a:schemeClr val="tx1"/>
-                </a:solidFill>
-                <a:effectLst/>
-                <a:latin typeface="+mn-lt"/>
-                <a:ea typeface="+mn-ea"/>
-                <a:cs typeface="+mn-cs"/>
-              </a:rPr>
-              <a:t>Обработка металлов резанием</a:t>
-            </a:r>
-          </a:p>
-          <a:p>
-            <a:pPr lvl="0"/>
-            <a:r>
-              <a:rPr lang="ru-RU" sz="1200" kern="1200" dirty="0" smtClean="0">
-                <a:solidFill>
-                  <a:schemeClr val="tx1"/>
-                </a:solidFill>
-                <a:effectLst/>
-                <a:latin typeface="+mn-lt"/>
-                <a:ea typeface="+mn-ea"/>
-                <a:cs typeface="+mn-cs"/>
-              </a:rPr>
-              <a:t>Сварка металлов</a:t>
-            </a:r>
-          </a:p>
-          <a:p>
-            <a:pPr lvl="0"/>
-            <a:r>
-              <a:rPr lang="ru-RU" sz="1200" kern="1200" dirty="0" smtClean="0">
-                <a:solidFill>
-                  <a:schemeClr val="tx1"/>
-                </a:solidFill>
-                <a:effectLst/>
-                <a:latin typeface="+mn-lt"/>
-                <a:ea typeface="+mn-ea"/>
-                <a:cs typeface="+mn-cs"/>
-              </a:rPr>
-              <a:t>Измерение </a:t>
-            </a:r>
-          </a:p>
-          <a:p>
-            <a:pPr lvl="0"/>
-            <a:r>
-              <a:rPr lang="ru-RU" sz="1200" kern="1200" dirty="0" smtClean="0">
-                <a:solidFill>
-                  <a:schemeClr val="tx1"/>
-                </a:solidFill>
-                <a:effectLst/>
-                <a:latin typeface="+mn-lt"/>
-                <a:ea typeface="+mn-ea"/>
-                <a:cs typeface="+mn-cs"/>
-              </a:rPr>
-              <a:t>Крепление</a:t>
-            </a:r>
-          </a:p>
-          <a:p>
-            <a:pPr lvl="0"/>
-            <a:r>
-              <a:rPr lang="ru-RU" sz="1200" kern="1200" dirty="0" smtClean="0">
-                <a:solidFill>
-                  <a:schemeClr val="tx1"/>
-                </a:solidFill>
-                <a:effectLst/>
-                <a:latin typeface="+mn-lt"/>
-                <a:ea typeface="+mn-ea"/>
-                <a:cs typeface="+mn-cs"/>
-              </a:rPr>
-              <a:t>Ручная обработка металлов</a:t>
-            </a:r>
-          </a:p>
-          <a:p>
-            <a:pPr lvl="0"/>
-            <a:r>
-              <a:rPr lang="ru-RU" sz="1200" kern="1200" dirty="0" smtClean="0">
-                <a:solidFill>
-                  <a:schemeClr val="tx1"/>
-                </a:solidFill>
-                <a:effectLst/>
-                <a:latin typeface="+mn-lt"/>
-                <a:ea typeface="+mn-ea"/>
-                <a:cs typeface="+mn-cs"/>
-              </a:rPr>
-              <a:t>Автоматизация ручного труда</a:t>
-            </a:r>
-          </a:p>
-          <a:p>
-            <a:r>
-              <a:rPr lang="ru-RU" sz="1200" kern="1200" dirty="0" smtClean="0">
-                <a:solidFill>
-                  <a:schemeClr val="tx1"/>
-                </a:solidFill>
-                <a:effectLst/>
-                <a:latin typeface="+mn-lt"/>
-                <a:ea typeface="+mn-ea"/>
-                <a:cs typeface="+mn-cs"/>
-              </a:rPr>
-              <a:t>К каждому из методов относятся определенные операции, всего их 36. Например, обработка металлов давлением включает в себя 5 операций: прокатка, волочение, прессование, ковка, штамповка.</a:t>
-            </a:r>
-          </a:p>
-          <a:p>
+              <a:rPr lang="ru-RU" dirty="0" smtClean="0"/>
+              <a:t>Неполный список требований</a:t>
+            </a:r>
+            <a:r>
+              <a:rPr lang="ru-RU" baseline="0" dirty="0" smtClean="0"/>
+              <a:t> к системе перечислены на слайде. Отмечу то, что требования касаются электронного ведения документооборота – согласование, формирование, ведения электронного справочника. Также автоматизации подбора и поиска ТО. Оптимизации хранения и закупок.</a:t>
+            </a:r>
             <a:endParaRPr lang="ru-RU" dirty="0"/>
           </a:p>
         </p:txBody>
@@ -1841,7 +3093,8 @@
           <a:p>
             <a:fld id="{2B017611-21B7-474E-A55D-EF90E5AE33A3}" type="slidenum">
               <a:rPr lang="ru-RU" smtClean="0"/>
-              <a:t>11</a:t>
+              <a:pPr/>
+              <a:t>10</a:t>
             </a:fld>
             <a:endParaRPr lang="ru-RU"/>
           </a:p>
@@ -1850,7 +3103,7 @@
     </p:spTree>
     <p:extLst>
       <p:ext uri="{BB962C8B-B14F-4D97-AF65-F5344CB8AC3E}">
-        <p14:creationId xmlns:p14="http://schemas.microsoft.com/office/powerpoint/2010/main" val="403301717"/>
+        <p14:creationId xmlns:p14="http://schemas.microsoft.com/office/powerpoint/2010/main" xmlns="" val="1336362665"/>
       </p:ext>
     </p:extLst>
   </p:cSld>
@@ -2042,7 +3295,7 @@
             <a:fld id="{1D674C34-B824-42B8-A491-BF423A690697}" type="datetimeFigureOut">
               <a:rPr lang="ru-RU" smtClean="0"/>
               <a:pPr/>
-              <a:t>09.05.2019</a:t>
+              <a:t>13.05.2019</a:t>
             </a:fld>
             <a:endParaRPr lang="ru-RU"/>
           </a:p>
@@ -2209,7 +3462,7 @@
             <a:fld id="{1D674C34-B824-42B8-A491-BF423A690697}" type="datetimeFigureOut">
               <a:rPr lang="ru-RU" smtClean="0"/>
               <a:pPr/>
-              <a:t>09.05.2019</a:t>
+              <a:t>13.05.2019</a:t>
             </a:fld>
             <a:endParaRPr lang="ru-RU"/>
           </a:p>
@@ -2386,7 +3639,7 @@
             <a:fld id="{1D674C34-B824-42B8-A491-BF423A690697}" type="datetimeFigureOut">
               <a:rPr lang="ru-RU" smtClean="0"/>
               <a:pPr/>
-              <a:t>09.05.2019</a:t>
+              <a:t>13.05.2019</a:t>
             </a:fld>
             <a:endParaRPr lang="ru-RU"/>
           </a:p>
@@ -2553,7 +3806,7 @@
             <a:fld id="{1D674C34-B824-42B8-A491-BF423A690697}" type="datetimeFigureOut">
               <a:rPr lang="ru-RU" smtClean="0"/>
               <a:pPr/>
-              <a:t>09.05.2019</a:t>
+              <a:t>13.05.2019</a:t>
             </a:fld>
             <a:endParaRPr lang="ru-RU"/>
           </a:p>
@@ -2796,7 +4049,7 @@
             <a:fld id="{1D674C34-B824-42B8-A491-BF423A690697}" type="datetimeFigureOut">
               <a:rPr lang="ru-RU" smtClean="0"/>
               <a:pPr/>
-              <a:t>09.05.2019</a:t>
+              <a:t>13.05.2019</a:t>
             </a:fld>
             <a:endParaRPr lang="ru-RU"/>
           </a:p>
@@ -3081,7 +4334,7 @@
             <a:fld id="{1D674C34-B824-42B8-A491-BF423A690697}" type="datetimeFigureOut">
               <a:rPr lang="ru-RU" smtClean="0"/>
               <a:pPr/>
-              <a:t>09.05.2019</a:t>
+              <a:t>13.05.2019</a:t>
             </a:fld>
             <a:endParaRPr lang="ru-RU"/>
           </a:p>
@@ -3500,7 +4753,7 @@
             <a:fld id="{1D674C34-B824-42B8-A491-BF423A690697}" type="datetimeFigureOut">
               <a:rPr lang="ru-RU" smtClean="0"/>
               <a:pPr/>
-              <a:t>09.05.2019</a:t>
+              <a:t>13.05.2019</a:t>
             </a:fld>
             <a:endParaRPr lang="ru-RU"/>
           </a:p>
@@ -3615,7 +4868,7 @@
             <a:fld id="{1D674C34-B824-42B8-A491-BF423A690697}" type="datetimeFigureOut">
               <a:rPr lang="ru-RU" smtClean="0"/>
               <a:pPr/>
-              <a:t>09.05.2019</a:t>
+              <a:t>13.05.2019</a:t>
             </a:fld>
             <a:endParaRPr lang="ru-RU"/>
           </a:p>
@@ -3707,7 +4960,7 @@
             <a:fld id="{1D674C34-B824-42B8-A491-BF423A690697}" type="datetimeFigureOut">
               <a:rPr lang="ru-RU" smtClean="0"/>
               <a:pPr/>
-              <a:t>09.05.2019</a:t>
+              <a:t>13.05.2019</a:t>
             </a:fld>
             <a:endParaRPr lang="ru-RU"/>
           </a:p>
@@ -3981,7 +5234,7 @@
             <a:fld id="{1D674C34-B824-42B8-A491-BF423A690697}" type="datetimeFigureOut">
               <a:rPr lang="ru-RU" smtClean="0"/>
               <a:pPr/>
-              <a:t>09.05.2019</a:t>
+              <a:t>13.05.2019</a:t>
             </a:fld>
             <a:endParaRPr lang="ru-RU"/>
           </a:p>
@@ -4231,7 +5484,7 @@
             <a:fld id="{1D674C34-B824-42B8-A491-BF423A690697}" type="datetimeFigureOut">
               <a:rPr lang="ru-RU" smtClean="0"/>
               <a:pPr/>
-              <a:t>09.05.2019</a:t>
+              <a:t>13.05.2019</a:t>
             </a:fld>
             <a:endParaRPr lang="ru-RU"/>
           </a:p>
@@ -4441,7 +5694,7 @@
             <a:fld id="{1D674C34-B824-42B8-A491-BF423A690697}" type="datetimeFigureOut">
               <a:rPr lang="ru-RU" smtClean="0"/>
               <a:pPr/>
-              <a:t>09.05.2019</a:t>
+              <a:t>13.05.2019</a:t>
             </a:fld>
             <a:endParaRPr lang="ru-RU"/>
           </a:p>
@@ -4836,11 +6089,7 @@
           <a:p>
             <a:r>
               <a:rPr lang="ru-RU" sz="3600" dirty="0" smtClean="0"/>
-              <a:t>Разработка общего подхода управления всеми видами технологической оснастки, используемых </a:t>
-            </a:r>
-            <a:r>
-              <a:rPr lang="ru-RU" sz="3600" dirty="0" smtClean="0"/>
-              <a:t>на предприятии «Редуктор-ПМ»</a:t>
+              <a:t>Разработка общего подхода управления всеми видами технологической оснастки, используемых на предприятии «Редуктор-ПМ»</a:t>
             </a:r>
             <a:r>
               <a:rPr lang="ru-RU" dirty="0"/>
@@ -4876,14 +6125,14 @@
           <a:effectLst/>
           <a:extLst>
             <a:ext uri="{909E8E84-426E-40DD-AFC4-6F175D3DCCD1}">
-              <a14:hiddenFill xmlns:a14="http://schemas.microsoft.com/office/drawing/2010/main">
+              <a14:hiddenFill xmlns:a14="http://schemas.microsoft.com/office/drawing/2010/main" xmlns="">
                 <a:solidFill>
                   <a:schemeClr val="accent1"/>
                 </a:solidFill>
               </a14:hiddenFill>
             </a:ext>
             <a:ext uri="{91240B29-F687-4F45-9708-019B960494DF}">
-              <a14:hiddenLine xmlns:a14="http://schemas.microsoft.com/office/drawing/2010/main" w="9525">
+              <a14:hiddenLine xmlns:a14="http://schemas.microsoft.com/office/drawing/2010/main" xmlns="" w="9525">
                 <a:solidFill>
                   <a:schemeClr val="tx1"/>
                 </a:solidFill>
@@ -4893,7 +6142,7 @@
               </a14:hiddenLine>
             </a:ext>
             <a:ext uri="{AF507438-7753-43E0-B8FC-AC1667EBCBE1}">
-              <a14:hiddenEffects xmlns:a14="http://schemas.microsoft.com/office/drawing/2010/main">
+              <a14:hiddenEffects xmlns:a14="http://schemas.microsoft.com/office/drawing/2010/main" xmlns="">
                 <a:effectLst>
                   <a:outerShdw dist="35921" dir="2700000" algn="ctr" rotWithShape="0">
                     <a:schemeClr val="bg2"/>
@@ -4933,22 +6182,7 @@
                 <a:ea typeface="Times New Roman" pitchFamily="18" charset="0"/>
                 <a:cs typeface="Arial" pitchFamily="34" charset="0"/>
               </a:rPr>
-              <a:t>Министерство </a:t>
-            </a:r>
-            <a:r>
-              <a:rPr kumimoji="0" lang="ru-RU" altLang="ru-RU" sz="1200" b="0" i="0" u="none" strike="noStrike" cap="none" normalizeH="0" baseline="0" dirty="0" smtClean="0">
-                <a:ln>
-                  <a:noFill/>
-                </a:ln>
-                <a:solidFill>
-                  <a:schemeClr val="tx1"/>
-                </a:solidFill>
-                <a:effectLst/>
-                <a:latin typeface="Arial" pitchFamily="34" charset="0"/>
-                <a:ea typeface="Times New Roman" pitchFamily="18" charset="0"/>
-                <a:cs typeface="Arial" pitchFamily="34" charset="0"/>
-              </a:rPr>
-              <a:t>науки </a:t>
+              <a:t>Министерство науки </a:t>
             </a:r>
             <a:r>
               <a:rPr lang="ru-RU" altLang="ru-RU" sz="1200" dirty="0">
@@ -5227,22 +6461,7 @@
                 <a:ea typeface="Times New Roman" pitchFamily="18" charset="0"/>
                 <a:cs typeface="Arial" pitchFamily="34" charset="0"/>
               </a:rPr>
-              <a:t>Кафедра «Вычислительная </a:t>
-            </a:r>
-            <a:r>
-              <a:rPr kumimoji="0" lang="ru-RU" altLang="ru-RU" sz="1400" b="0" i="0" u="none" strike="noStrike" cap="none" normalizeH="0" baseline="0" dirty="0" smtClean="0">
-                <a:ln>
-                  <a:noFill/>
-                </a:ln>
-                <a:solidFill>
-                  <a:schemeClr val="tx1"/>
-                </a:solidFill>
-                <a:effectLst/>
-                <a:latin typeface="Arial" pitchFamily="34" charset="0"/>
-                <a:ea typeface="Times New Roman" pitchFamily="18" charset="0"/>
-                <a:cs typeface="Arial" pitchFamily="34" charset="0"/>
-              </a:rPr>
-              <a:t>математика,</a:t>
+              <a:t>Кафедра «Вычислительная математика,</a:t>
             </a:r>
             <a:r>
               <a:rPr kumimoji="0" lang="ru-RU" altLang="ru-RU" sz="1400" b="0" i="0" u="none" strike="noStrike" cap="none" normalizeH="0" dirty="0" smtClean="0">
@@ -5300,7 +6519,7 @@
           <a:blip r:embed="rId3" cstate="print">
             <a:extLst>
               <a:ext uri="{28A0092B-C50C-407E-A947-70E740481C1C}">
-                <a14:useLocalDpi xmlns:a14="http://schemas.microsoft.com/office/drawing/2010/main" val="0"/>
+                <a14:useLocalDpi xmlns:a14="http://schemas.microsoft.com/office/drawing/2010/main" xmlns="" val="0"/>
               </a:ext>
             </a:extLst>
           </a:blip>
@@ -5320,7 +6539,7 @@
           <a:noFill/>
           <a:extLst>
             <a:ext uri="{909E8E84-426E-40DD-AFC4-6F175D3DCCD1}">
-              <a14:hiddenFill xmlns:a14="http://schemas.microsoft.com/office/drawing/2010/main">
+              <a14:hiddenFill xmlns:a14="http://schemas.microsoft.com/office/drawing/2010/main" xmlns="">
                 <a:solidFill>
                   <a:srgbClr val="FFFFFF"/>
                 </a:solidFill>
@@ -5615,10 +6834,10 @@
           <p:nvPr/>
         </p:nvPicPr>
         <p:blipFill>
-          <a:blip r:embed="rId3">
+          <a:blip r:embed="rId3" cstate="print">
             <a:extLst>
               <a:ext uri="{28A0092B-C50C-407E-A947-70E740481C1C}">
-                <a14:useLocalDpi xmlns:a14="http://schemas.microsoft.com/office/drawing/2010/main" val="0"/>
+                <a14:useLocalDpi xmlns:a14="http://schemas.microsoft.com/office/drawing/2010/main" xmlns="" val="0"/>
               </a:ext>
             </a:extLst>
           </a:blip>
@@ -5638,7 +6857,7 @@
           <a:noFill/>
           <a:extLst>
             <a:ext uri="{909E8E84-426E-40DD-AFC4-6F175D3DCCD1}">
-              <a14:hiddenFill xmlns:a14="http://schemas.microsoft.com/office/drawing/2010/main">
+              <a14:hiddenFill xmlns:a14="http://schemas.microsoft.com/office/drawing/2010/main" xmlns="">
                 <a:solidFill>
                   <a:srgbClr val="FFFFFF"/>
                 </a:solidFill>
@@ -5800,7 +7019,6 @@
               <a:rPr lang="ru-RU" sz="2100" dirty="0"/>
               <a:t>Возможность электронного согласования заявок </a:t>
             </a:r>
-            <a:endParaRPr lang="ru-RU" sz="2100" dirty="0"/>
           </a:p>
           <a:p>
             <a:pPr lvl="0" algn="just"/>
@@ -5838,7 +7056,7 @@
     </p:spTree>
     <p:extLst>
       <p:ext uri="{BB962C8B-B14F-4D97-AF65-F5344CB8AC3E}">
-        <p14:creationId xmlns:p14="http://schemas.microsoft.com/office/powerpoint/2010/main" val="589819566"/>
+        <p14:creationId xmlns:p14="http://schemas.microsoft.com/office/powerpoint/2010/main" xmlns="" val="589819566"/>
       </p:ext>
     </p:extLst>
   </p:cSld>
@@ -5903,7 +7121,7 @@
             <p:ph idx="1"/>
             <p:extLst>
               <p:ext uri="{D42A27DB-BD31-4B8C-83A1-F6EECF244321}">
-                <p14:modId xmlns:p14="http://schemas.microsoft.com/office/powerpoint/2010/main" val="3093494085"/>
+                <p14:modId xmlns:p14="http://schemas.microsoft.com/office/powerpoint/2010/main" xmlns="" val="3093494085"/>
               </p:ext>
             </p:extLst>
           </p:nvPr>
@@ -6374,7 +7592,6 @@
                         <a:rPr lang="ru-RU" sz="1700" dirty="0" smtClean="0"/>
                         <a:t>Слесарно-монтажный</a:t>
                       </a:r>
-                      <a:endParaRPr lang="ru-RU" sz="1700" dirty="0" smtClean="0"/>
                     </a:p>
                   </a:txBody>
                   <a:tcPr/>
@@ -6838,7 +8055,7 @@
     </p:spTree>
     <p:extLst>
       <p:ext uri="{BB962C8B-B14F-4D97-AF65-F5344CB8AC3E}">
-        <p14:creationId xmlns:p14="http://schemas.microsoft.com/office/powerpoint/2010/main" val="4148914318"/>
+        <p14:creationId xmlns:p14="http://schemas.microsoft.com/office/powerpoint/2010/main" xmlns="" val="4148914318"/>
       </p:ext>
     </p:extLst>
   </p:cSld>
@@ -6875,7 +8092,12 @@
             <p:ph type="title"/>
           </p:nvPr>
         </p:nvSpPr>
-        <p:spPr/>
+        <p:spPr>
+          <a:xfrm>
+            <a:off x="500034" y="-142900"/>
+            <a:ext cx="8229600" cy="1143000"/>
+          </a:xfrm>
+        </p:spPr>
         <p:txBody>
           <a:bodyPr/>
           <a:lstStyle/>
@@ -6884,13 +8106,13 @@
               <a:rPr lang="ru-RU" b="1" dirty="0" smtClean="0"/>
               <a:t>Проектирование базы данных</a:t>
             </a:r>
-            <a:endParaRPr lang="ru-RU" b="1" dirty="0"/>
-          </a:p>
-        </p:txBody>
-      </p:sp>
-      <p:sp>
-        <p:nvSpPr>
-          <p:cNvPr id="3" name="Объект 2"/>
+            <a:endParaRPr lang="ru-RU" dirty="0"/>
+          </a:p>
+        </p:txBody>
+      </p:sp>
+      <p:sp>
+        <p:nvSpPr>
+          <p:cNvPr id="3" name="Содержимое 2"/>
           <p:cNvSpPr>
             <a:spLocks noGrp="1"/>
           </p:cNvSpPr>
@@ -6907,12 +8129,40 @@
           </a:p>
         </p:txBody>
       </p:sp>
+      <p:pic>
+        <p:nvPicPr>
+          <p:cNvPr id="39939" name="Picture 3"/>
+          <p:cNvPicPr>
+            <a:picLocks noChangeAspect="1" noChangeArrowheads="1"/>
+          </p:cNvPicPr>
+          <p:nvPr/>
+        </p:nvPicPr>
+        <p:blipFill>
+          <a:blip r:embed="rId3" cstate="print"/>
+          <a:srcRect/>
+          <a:stretch>
+            <a:fillRect/>
+          </a:stretch>
+        </p:blipFill>
+        <p:spPr bwMode="auto">
+          <a:xfrm>
+            <a:off x="357158" y="785794"/>
+            <a:ext cx="8429684" cy="5855197"/>
+          </a:xfrm>
+          <a:prstGeom prst="rect">
+            <a:avLst/>
+          </a:prstGeom>
+          <a:noFill/>
+          <a:ln w="9525">
+            <a:noFill/>
+            <a:miter lim="800000"/>
+            <a:headEnd/>
+            <a:tailEnd/>
+          </a:ln>
+          <a:effectLst/>
+        </p:spPr>
+      </p:pic>
     </p:spTree>
-    <p:extLst>
-      <p:ext uri="{BB962C8B-B14F-4D97-AF65-F5344CB8AC3E}">
-        <p14:creationId xmlns:p14="http://schemas.microsoft.com/office/powerpoint/2010/main" val="2169538415"/>
-      </p:ext>
-    </p:extLst>
   </p:cSld>
   <p:clrMapOvr>
     <a:masterClrMapping/>
@@ -6949,59 +8199,78 @@
         </p:nvSpPr>
         <p:spPr>
           <a:xfrm>
-            <a:off x="467544" y="332656"/>
-            <a:ext cx="8229600" cy="1858218"/>
+            <a:off x="428596" y="0"/>
+            <a:ext cx="8229600" cy="1143000"/>
           </a:xfrm>
         </p:spPr>
         <p:txBody>
-          <a:bodyPr>
-            <a:normAutofit fontScale="90000"/>
-          </a:bodyPr>
-          <a:lstStyle/>
-          <a:p>
-            <a:pPr lvl="0"/>
+          <a:bodyPr/>
+          <a:lstStyle/>
+          <a:p>
             <a:r>
               <a:rPr lang="ru-RU" b="1" dirty="0" smtClean="0"/>
-              <a:t>Разработка модуля </a:t>
-            </a:r>
-            <a:r>
-              <a:rPr lang="ru-RU" b="1" dirty="0"/>
-              <a:t>системы по заполнению информации в базу данных</a:t>
-            </a:r>
-            <a:r>
-              <a:rPr lang="ru-RU" dirty="0"/>
-              <a:t/>
-            </a:r>
-            <a:br>
-              <a:rPr lang="ru-RU" dirty="0"/>
-            </a:br>
+              <a:t>Проектирование базы данных</a:t>
+            </a:r>
+            <a:endParaRPr lang="ru-RU" b="1" dirty="0"/>
+          </a:p>
+        </p:txBody>
+      </p:sp>
+      <p:sp>
+        <p:nvSpPr>
+          <p:cNvPr id="3" name="Объект 2"/>
+          <p:cNvSpPr>
+            <a:spLocks noGrp="1"/>
+          </p:cNvSpPr>
+          <p:nvPr>
+            <p:ph idx="1"/>
+          </p:nvPr>
+        </p:nvSpPr>
+        <p:spPr/>
+        <p:txBody>
+          <a:bodyPr/>
+          <a:lstStyle/>
+          <a:p>
             <a:endParaRPr lang="ru-RU" dirty="0"/>
           </a:p>
         </p:txBody>
       </p:sp>
-      <p:sp>
-        <p:nvSpPr>
-          <p:cNvPr id="3" name="Объект 2"/>
-          <p:cNvSpPr>
-            <a:spLocks noGrp="1"/>
-          </p:cNvSpPr>
-          <p:nvPr>
-            <p:ph idx="1"/>
-          </p:nvPr>
-        </p:nvSpPr>
-        <p:spPr/>
-        <p:txBody>
-          <a:bodyPr/>
-          <a:lstStyle/>
-          <a:p>
-            <a:endParaRPr lang="ru-RU"/>
-          </a:p>
-        </p:txBody>
-      </p:sp>
+      <p:pic>
+        <p:nvPicPr>
+          <p:cNvPr id="5121" name="Picture 1"/>
+          <p:cNvPicPr>
+            <a:picLocks noChangeAspect="1" noChangeArrowheads="1"/>
+          </p:cNvPicPr>
+          <p:nvPr/>
+        </p:nvPicPr>
+        <p:blipFill>
+          <a:blip r:embed="rId3" cstate="print"/>
+          <a:srcRect/>
+          <a:stretch>
+            <a:fillRect/>
+          </a:stretch>
+        </p:blipFill>
+        <p:spPr bwMode="auto">
+          <a:xfrm>
+            <a:off x="2357422" y="1142984"/>
+            <a:ext cx="5495925" cy="5172075"/>
+          </a:xfrm>
+          <a:prstGeom prst="rect">
+            <a:avLst/>
+          </a:prstGeom>
+          <a:noFill/>
+          <a:ln w="9525">
+            <a:noFill/>
+            <a:miter lim="800000"/>
+            <a:headEnd/>
+            <a:tailEnd/>
+          </a:ln>
+          <a:effectLst/>
+        </p:spPr>
+      </p:pic>
     </p:spTree>
     <p:extLst>
       <p:ext uri="{BB962C8B-B14F-4D97-AF65-F5344CB8AC3E}">
-        <p14:creationId xmlns:p14="http://schemas.microsoft.com/office/powerpoint/2010/main" val="4069664883"/>
+        <p14:creationId xmlns:p14="http://schemas.microsoft.com/office/powerpoint/2010/main" xmlns="" val="2169538415"/>
       </p:ext>
     </p:extLst>
   </p:cSld>
@@ -7038,39 +8307,57 @@
             <p:ph type="title"/>
           </p:nvPr>
         </p:nvSpPr>
-        <p:spPr/>
+        <p:spPr>
+          <a:xfrm>
+            <a:off x="571472" y="-214338"/>
+            <a:ext cx="8229600" cy="1143000"/>
+          </a:xfrm>
+        </p:spPr>
         <p:txBody>
           <a:bodyPr/>
           <a:lstStyle/>
           <a:p>
             <a:r>
               <a:rPr lang="ru-RU" b="1" dirty="0" smtClean="0"/>
-              <a:t>Заключение</a:t>
-            </a:r>
-            <a:endParaRPr lang="ru-RU" b="1" dirty="0"/>
-          </a:p>
-        </p:txBody>
-      </p:sp>
-      <p:sp>
-        <p:nvSpPr>
-          <p:cNvPr id="3" name="Содержимое 2"/>
-          <p:cNvSpPr>
-            <a:spLocks noGrp="1"/>
-          </p:cNvSpPr>
-          <p:nvPr>
-            <p:ph idx="1"/>
-          </p:nvPr>
-        </p:nvSpPr>
-        <p:spPr/>
-        <p:txBody>
-          <a:bodyPr/>
-          <a:lstStyle/>
-          <a:p>
-            <a:pPr algn="just"/>
+              <a:t>Проектирование базы данных</a:t>
+            </a:r>
             <a:endParaRPr lang="ru-RU" dirty="0"/>
           </a:p>
         </p:txBody>
       </p:sp>
+      <p:pic>
+        <p:nvPicPr>
+          <p:cNvPr id="40967" name="Picture 7"/>
+          <p:cNvPicPr>
+            <a:picLocks noChangeAspect="1" noChangeArrowheads="1"/>
+          </p:cNvPicPr>
+          <p:nvPr/>
+        </p:nvPicPr>
+        <p:blipFill>
+          <a:blip r:embed="rId3" cstate="print"/>
+          <a:srcRect/>
+          <a:stretch>
+            <a:fillRect/>
+          </a:stretch>
+        </p:blipFill>
+        <p:spPr bwMode="auto">
+          <a:xfrm>
+            <a:off x="2357422" y="657225"/>
+            <a:ext cx="4514850" cy="6200775"/>
+          </a:xfrm>
+          <a:prstGeom prst="rect">
+            <a:avLst/>
+          </a:prstGeom>
+          <a:noFill/>
+          <a:ln w="9525">
+            <a:noFill/>
+            <a:miter lim="800000"/>
+            <a:headEnd/>
+            <a:tailEnd/>
+          </a:ln>
+          <a:effectLst/>
+        </p:spPr>
+      </p:pic>
     </p:spTree>
   </p:cSld>
   <p:clrMapOvr>
@@ -7098,6 +8385,470 @@
       </p:grpSpPr>
       <p:sp>
         <p:nvSpPr>
+          <p:cNvPr id="2" name="Заголовок 1"/>
+          <p:cNvSpPr>
+            <a:spLocks noGrp="1"/>
+          </p:cNvSpPr>
+          <p:nvPr>
+            <p:ph type="title"/>
+          </p:nvPr>
+        </p:nvSpPr>
+        <p:spPr>
+          <a:xfrm>
+            <a:off x="500034" y="-142900"/>
+            <a:ext cx="8229600" cy="1143000"/>
+          </a:xfrm>
+        </p:spPr>
+        <p:txBody>
+          <a:bodyPr/>
+          <a:lstStyle/>
+          <a:p>
+            <a:r>
+              <a:rPr lang="ru-RU" b="1" dirty="0" smtClean="0"/>
+              <a:t>Проектирование базы данных</a:t>
+            </a:r>
+            <a:endParaRPr lang="ru-RU" dirty="0"/>
+          </a:p>
+        </p:txBody>
+      </p:sp>
+      <p:sp>
+        <p:nvSpPr>
+          <p:cNvPr id="3" name="Содержимое 2"/>
+          <p:cNvSpPr>
+            <a:spLocks noGrp="1"/>
+          </p:cNvSpPr>
+          <p:nvPr>
+            <p:ph idx="1"/>
+          </p:nvPr>
+        </p:nvSpPr>
+        <p:spPr/>
+        <p:txBody>
+          <a:bodyPr/>
+          <a:lstStyle/>
+          <a:p>
+            <a:endParaRPr lang="ru-RU"/>
+          </a:p>
+        </p:txBody>
+      </p:sp>
+      <p:pic>
+        <p:nvPicPr>
+          <p:cNvPr id="41986" name="Picture 2"/>
+          <p:cNvPicPr>
+            <a:picLocks noChangeAspect="1" noChangeArrowheads="1"/>
+          </p:cNvPicPr>
+          <p:nvPr/>
+        </p:nvPicPr>
+        <p:blipFill>
+          <a:blip r:embed="rId3" cstate="print"/>
+          <a:srcRect/>
+          <a:stretch>
+            <a:fillRect/>
+          </a:stretch>
+        </p:blipFill>
+        <p:spPr bwMode="auto">
+          <a:xfrm>
+            <a:off x="2143108" y="723900"/>
+            <a:ext cx="4972050" cy="6134100"/>
+          </a:xfrm>
+          <a:prstGeom prst="rect">
+            <a:avLst/>
+          </a:prstGeom>
+          <a:noFill/>
+          <a:ln w="9525">
+            <a:noFill/>
+            <a:miter lim="800000"/>
+            <a:headEnd/>
+            <a:tailEnd/>
+          </a:ln>
+          <a:effectLst/>
+        </p:spPr>
+      </p:pic>
+    </p:spTree>
+  </p:cSld>
+  <p:clrMapOvr>
+    <a:masterClrMapping/>
+  </p:clrMapOvr>
+</p:sld>
+</file>
+
+<file path=ppt/slides/slide16.xml><?xml version="1.0" encoding="utf-8"?>
+<p:sld xmlns:a="http://schemas.openxmlformats.org/drawingml/2006/main" xmlns:r="http://schemas.openxmlformats.org/officeDocument/2006/relationships" xmlns:p="http://schemas.openxmlformats.org/presentationml/2006/main">
+  <p:cSld>
+    <p:spTree>
+      <p:nvGrpSpPr>
+        <p:cNvPr id="1" name=""/>
+        <p:cNvGrpSpPr/>
+        <p:nvPr/>
+      </p:nvGrpSpPr>
+      <p:grpSpPr>
+        <a:xfrm>
+          <a:off x="0" y="0"/>
+          <a:ext cx="0" cy="0"/>
+          <a:chOff x="0" y="0"/>
+          <a:chExt cx="0" cy="0"/>
+        </a:xfrm>
+      </p:grpSpPr>
+      <p:sp>
+        <p:nvSpPr>
+          <p:cNvPr id="2" name="Заголовок 1"/>
+          <p:cNvSpPr>
+            <a:spLocks noGrp="1"/>
+          </p:cNvSpPr>
+          <p:nvPr>
+            <p:ph type="title"/>
+          </p:nvPr>
+        </p:nvSpPr>
+        <p:spPr>
+          <a:xfrm>
+            <a:off x="467544" y="332656"/>
+            <a:ext cx="8229600" cy="1858218"/>
+          </a:xfrm>
+        </p:spPr>
+        <p:txBody>
+          <a:bodyPr>
+            <a:normAutofit fontScale="90000"/>
+          </a:bodyPr>
+          <a:lstStyle/>
+          <a:p>
+            <a:pPr lvl="0"/>
+            <a:r>
+              <a:rPr lang="ru-RU" b="1" dirty="0" smtClean="0"/>
+              <a:t>Разработка модуля </a:t>
+            </a:r>
+            <a:r>
+              <a:rPr lang="ru-RU" b="1" dirty="0"/>
+              <a:t>системы по заполнению информации в базу данных</a:t>
+            </a:r>
+            <a:r>
+              <a:rPr lang="ru-RU" dirty="0"/>
+              <a:t/>
+            </a:r>
+            <a:br>
+              <a:rPr lang="ru-RU" dirty="0"/>
+            </a:br>
+            <a:endParaRPr lang="ru-RU" dirty="0"/>
+          </a:p>
+        </p:txBody>
+      </p:sp>
+      <p:sp>
+        <p:nvSpPr>
+          <p:cNvPr id="3" name="Объект 2"/>
+          <p:cNvSpPr>
+            <a:spLocks noGrp="1"/>
+          </p:cNvSpPr>
+          <p:nvPr>
+            <p:ph idx="1"/>
+          </p:nvPr>
+        </p:nvSpPr>
+        <p:spPr/>
+        <p:txBody>
+          <a:bodyPr/>
+          <a:lstStyle/>
+          <a:p>
+            <a:endParaRPr lang="ru-RU"/>
+          </a:p>
+        </p:txBody>
+      </p:sp>
+      <p:sp>
+        <p:nvSpPr>
+          <p:cNvPr id="4098" name="AutoShape 2" descr="ÐÐ°ÑÑÐ¸Ð½ÐºÐ¸ Ð¿Ð¾ Ð·Ð°Ð¿ÑÐ¾ÑÑ Ð¿Ð¾ÑÑÐ³ÑÐµÑ"/>
+          <p:cNvSpPr>
+            <a:spLocks noChangeAspect="1" noChangeArrowheads="1"/>
+          </p:cNvSpPr>
+          <p:nvPr/>
+        </p:nvSpPr>
+        <p:spPr bwMode="auto">
+          <a:xfrm>
+            <a:off x="155575" y="-144463"/>
+            <a:ext cx="304800" cy="304801"/>
+          </a:xfrm>
+          <a:prstGeom prst="rect">
+            <a:avLst/>
+          </a:prstGeom>
+          <a:noFill/>
+        </p:spPr>
+        <p:txBody>
+          <a:bodyPr vert="horz" wrap="square" lIns="91440" tIns="45720" rIns="91440" bIns="45720" numCol="1" anchor="t" anchorCtr="0" compatLnSpc="1">
+            <a:prstTxWarp prst="textNoShape">
+              <a:avLst/>
+            </a:prstTxWarp>
+          </a:bodyPr>
+          <a:lstStyle/>
+          <a:p>
+            <a:endParaRPr lang="ru-RU"/>
+          </a:p>
+        </p:txBody>
+      </p:sp>
+      <p:sp>
+        <p:nvSpPr>
+          <p:cNvPr id="4100" name="AutoShape 4" descr="ÐÐ°ÑÑÐ¸Ð½ÐºÐ¸ Ð¿Ð¾ Ð·Ð°Ð¿ÑÐ¾ÑÑ Ð¿Ð¾ÑÑÐ³ÑÐµÑ"/>
+          <p:cNvSpPr>
+            <a:spLocks noChangeAspect="1" noChangeArrowheads="1"/>
+          </p:cNvSpPr>
+          <p:nvPr/>
+        </p:nvSpPr>
+        <p:spPr bwMode="auto">
+          <a:xfrm>
+            <a:off x="155575" y="-144463"/>
+            <a:ext cx="304800" cy="304801"/>
+          </a:xfrm>
+          <a:prstGeom prst="rect">
+            <a:avLst/>
+          </a:prstGeom>
+          <a:noFill/>
+        </p:spPr>
+        <p:txBody>
+          <a:bodyPr vert="horz" wrap="square" lIns="91440" tIns="45720" rIns="91440" bIns="45720" numCol="1" anchor="t" anchorCtr="0" compatLnSpc="1">
+            <a:prstTxWarp prst="textNoShape">
+              <a:avLst/>
+            </a:prstTxWarp>
+          </a:bodyPr>
+          <a:lstStyle/>
+          <a:p>
+            <a:endParaRPr lang="ru-RU"/>
+          </a:p>
+        </p:txBody>
+      </p:sp>
+      <p:sp>
+        <p:nvSpPr>
+          <p:cNvPr id="4102" name="AutoShape 6" descr="ÐÐ°ÑÑÐ¸Ð½ÐºÐ¸ Ð¿Ð¾ Ð·Ð°Ð¿ÑÐ¾ÑÑ Ð¿Ð¾ÑÑÐ³ÑÐµÑ"/>
+          <p:cNvSpPr>
+            <a:spLocks noChangeAspect="1" noChangeArrowheads="1"/>
+          </p:cNvSpPr>
+          <p:nvPr/>
+        </p:nvSpPr>
+        <p:spPr bwMode="auto">
+          <a:xfrm>
+            <a:off x="155575" y="-144463"/>
+            <a:ext cx="304800" cy="304801"/>
+          </a:xfrm>
+          <a:prstGeom prst="rect">
+            <a:avLst/>
+          </a:prstGeom>
+          <a:noFill/>
+        </p:spPr>
+        <p:txBody>
+          <a:bodyPr vert="horz" wrap="square" lIns="91440" tIns="45720" rIns="91440" bIns="45720" numCol="1" anchor="t" anchorCtr="0" compatLnSpc="1">
+            <a:prstTxWarp prst="textNoShape">
+              <a:avLst/>
+            </a:prstTxWarp>
+          </a:bodyPr>
+          <a:lstStyle/>
+          <a:p>
+            <a:endParaRPr lang="ru-RU"/>
+          </a:p>
+        </p:txBody>
+      </p:sp>
+      <p:sp>
+        <p:nvSpPr>
+          <p:cNvPr id="4104" name="AutoShape 8" descr="ÐÐ°ÑÑÐ¸Ð½ÐºÐ¸ Ð¿Ð¾ Ð·Ð°Ð¿ÑÐ¾ÑÑ Ð¿Ð¾ÑÑÐ³ÑÐµÑ"/>
+          <p:cNvSpPr>
+            <a:spLocks noChangeAspect="1" noChangeArrowheads="1"/>
+          </p:cNvSpPr>
+          <p:nvPr/>
+        </p:nvSpPr>
+        <p:spPr bwMode="auto">
+          <a:xfrm>
+            <a:off x="155575" y="-144463"/>
+            <a:ext cx="304800" cy="304801"/>
+          </a:xfrm>
+          <a:prstGeom prst="rect">
+            <a:avLst/>
+          </a:prstGeom>
+          <a:noFill/>
+        </p:spPr>
+        <p:txBody>
+          <a:bodyPr vert="horz" wrap="square" lIns="91440" tIns="45720" rIns="91440" bIns="45720" numCol="1" anchor="t" anchorCtr="0" compatLnSpc="1">
+            <a:prstTxWarp prst="textNoShape">
+              <a:avLst/>
+            </a:prstTxWarp>
+          </a:bodyPr>
+          <a:lstStyle/>
+          <a:p>
+            <a:endParaRPr lang="ru-RU"/>
+          </a:p>
+        </p:txBody>
+      </p:sp>
+      <p:pic>
+        <p:nvPicPr>
+          <p:cNvPr id="4108" name="Picture 12" descr="ÐÐ°ÑÑÐ¸Ð½ÐºÐ¸ Ð¿Ð¾ Ð·Ð°Ð¿ÑÐ¾ÑÑ Ð¿Ð¾ÑÑÐ³ÑÐµÑ"/>
+          <p:cNvPicPr>
+            <a:picLocks noChangeAspect="1" noChangeArrowheads="1"/>
+          </p:cNvPicPr>
+          <p:nvPr/>
+        </p:nvPicPr>
+        <p:blipFill>
+          <a:blip r:embed="rId3" cstate="print"/>
+          <a:srcRect/>
+          <a:stretch>
+            <a:fillRect/>
+          </a:stretch>
+        </p:blipFill>
+        <p:spPr bwMode="auto">
+          <a:xfrm>
+            <a:off x="500033" y="2000240"/>
+            <a:ext cx="4753477" cy="3571900"/>
+          </a:xfrm>
+          <a:prstGeom prst="rect">
+            <a:avLst/>
+          </a:prstGeom>
+          <a:noFill/>
+        </p:spPr>
+      </p:pic>
+      <p:pic>
+        <p:nvPicPr>
+          <p:cNvPr id="4110" name="Picture 14" descr="ÐÐ°ÑÑÐ¸Ð½ÐºÐ¸ Ð¿Ð¾ Ð·Ð°Ð¿ÑÐ¾ÑÑ intellij idea"/>
+          <p:cNvPicPr>
+            <a:picLocks noChangeAspect="1" noChangeArrowheads="1"/>
+          </p:cNvPicPr>
+          <p:nvPr/>
+        </p:nvPicPr>
+        <p:blipFill>
+          <a:blip r:embed="rId4" cstate="print"/>
+          <a:srcRect/>
+          <a:stretch>
+            <a:fillRect/>
+          </a:stretch>
+        </p:blipFill>
+        <p:spPr bwMode="auto">
+          <a:xfrm>
+            <a:off x="5500694" y="1857364"/>
+            <a:ext cx="2762256" cy="2762256"/>
+          </a:xfrm>
+          <a:prstGeom prst="rect">
+            <a:avLst/>
+          </a:prstGeom>
+          <a:noFill/>
+        </p:spPr>
+      </p:pic>
+      <p:pic>
+        <p:nvPicPr>
+          <p:cNvPr id="4112" name="Picture 16" descr="ÐÐ°ÑÑÐ¸Ð½ÐºÐ¸ Ð¿Ð¾ Ð·Ð°Ð¿ÑÐ¾ÑÑ java spring"/>
+          <p:cNvPicPr>
+            <a:picLocks noChangeAspect="1" noChangeArrowheads="1"/>
+          </p:cNvPicPr>
+          <p:nvPr/>
+        </p:nvPicPr>
+        <p:blipFill>
+          <a:blip r:embed="rId5" cstate="print"/>
+          <a:srcRect/>
+          <a:stretch>
+            <a:fillRect/>
+          </a:stretch>
+        </p:blipFill>
+        <p:spPr bwMode="auto">
+          <a:xfrm>
+            <a:off x="4572000" y="5072074"/>
+            <a:ext cx="4278340" cy="1500198"/>
+          </a:xfrm>
+          <a:prstGeom prst="rect">
+            <a:avLst/>
+          </a:prstGeom>
+          <a:noFill/>
+        </p:spPr>
+      </p:pic>
+    </p:spTree>
+    <p:extLst>
+      <p:ext uri="{BB962C8B-B14F-4D97-AF65-F5344CB8AC3E}">
+        <p14:creationId xmlns:p14="http://schemas.microsoft.com/office/powerpoint/2010/main" xmlns="" val="4069664883"/>
+      </p:ext>
+    </p:extLst>
+  </p:cSld>
+  <p:clrMapOvr>
+    <a:masterClrMapping/>
+  </p:clrMapOvr>
+</p:sld>
+</file>
+
+<file path=ppt/slides/slide17.xml><?xml version="1.0" encoding="utf-8"?>
+<p:sld xmlns:a="http://schemas.openxmlformats.org/drawingml/2006/main" xmlns:r="http://schemas.openxmlformats.org/officeDocument/2006/relationships" xmlns:p="http://schemas.openxmlformats.org/presentationml/2006/main">
+  <p:cSld>
+    <p:spTree>
+      <p:nvGrpSpPr>
+        <p:cNvPr id="1" name=""/>
+        <p:cNvGrpSpPr/>
+        <p:nvPr/>
+      </p:nvGrpSpPr>
+      <p:grpSpPr>
+        <a:xfrm>
+          <a:off x="0" y="0"/>
+          <a:ext cx="0" cy="0"/>
+          <a:chOff x="0" y="0"/>
+          <a:chExt cx="0" cy="0"/>
+        </a:xfrm>
+      </p:grpSpPr>
+      <p:sp>
+        <p:nvSpPr>
+          <p:cNvPr id="2" name="Заголовок 1"/>
+          <p:cNvSpPr>
+            <a:spLocks noGrp="1"/>
+          </p:cNvSpPr>
+          <p:nvPr>
+            <p:ph type="title"/>
+          </p:nvPr>
+        </p:nvSpPr>
+        <p:spPr/>
+        <p:txBody>
+          <a:bodyPr/>
+          <a:lstStyle/>
+          <a:p>
+            <a:r>
+              <a:rPr lang="ru-RU" b="1" dirty="0" smtClean="0"/>
+              <a:t>Заключение</a:t>
+            </a:r>
+            <a:endParaRPr lang="ru-RU" b="1" dirty="0"/>
+          </a:p>
+        </p:txBody>
+      </p:sp>
+      <p:sp>
+        <p:nvSpPr>
+          <p:cNvPr id="3" name="Содержимое 2"/>
+          <p:cNvSpPr>
+            <a:spLocks noGrp="1"/>
+          </p:cNvSpPr>
+          <p:nvPr>
+            <p:ph idx="1"/>
+          </p:nvPr>
+        </p:nvSpPr>
+        <p:spPr/>
+        <p:txBody>
+          <a:bodyPr/>
+          <a:lstStyle/>
+          <a:p>
+            <a:pPr algn="just">
+              <a:buNone/>
+            </a:pPr>
+            <a:endParaRPr lang="ru-RU" dirty="0"/>
+          </a:p>
+        </p:txBody>
+      </p:sp>
+    </p:spTree>
+  </p:cSld>
+  <p:clrMapOvr>
+    <a:masterClrMapping/>
+  </p:clrMapOvr>
+</p:sld>
+</file>
+
+<file path=ppt/slides/slide18.xml><?xml version="1.0" encoding="utf-8"?>
+<p:sld xmlns:a="http://schemas.openxmlformats.org/drawingml/2006/main" xmlns:r="http://schemas.openxmlformats.org/officeDocument/2006/relationships" xmlns:p="http://schemas.openxmlformats.org/presentationml/2006/main">
+  <p:cSld>
+    <p:spTree>
+      <p:nvGrpSpPr>
+        <p:cNvPr id="1" name=""/>
+        <p:cNvGrpSpPr/>
+        <p:nvPr/>
+      </p:nvGrpSpPr>
+      <p:grpSpPr>
+        <a:xfrm>
+          <a:off x="0" y="0"/>
+          <a:ext cx="0" cy="0"/>
+          <a:chOff x="0" y="0"/>
+          <a:chExt cx="0" cy="0"/>
+        </a:xfrm>
+      </p:grpSpPr>
+      <p:sp>
+        <p:nvSpPr>
           <p:cNvPr id="4" name="Объект 2"/>
           <p:cNvSpPr txBox="1">
             <a:spLocks/>
@@ -7390,7 +9141,7 @@
           <a:blip r:embed="rId3" cstate="print">
             <a:extLst>
               <a:ext uri="{28A0092B-C50C-407E-A947-70E740481C1C}">
-                <a14:useLocalDpi xmlns:a14="http://schemas.microsoft.com/office/drawing/2010/main" val="0"/>
+                <a14:useLocalDpi xmlns:a14="http://schemas.microsoft.com/office/drawing/2010/main" xmlns="" val="0"/>
               </a:ext>
             </a:extLst>
           </a:blip>
@@ -7413,14 +9164,14 @@
           </a:ln>
           <a:extLst>
             <a:ext uri="{909E8E84-426E-40DD-AFC4-6F175D3DCCD1}">
-              <a14:hiddenFill xmlns:a14="http://schemas.microsoft.com/office/drawing/2010/main">
+              <a14:hiddenFill xmlns:a14="http://schemas.microsoft.com/office/drawing/2010/main" xmlns="">
                 <a:solidFill>
                   <a:schemeClr val="accent1"/>
                 </a:solidFill>
               </a14:hiddenFill>
             </a:ext>
             <a:ext uri="{91240B29-F687-4F45-9708-019B960494DF}">
-              <a14:hiddenLine xmlns:a14="http://schemas.microsoft.com/office/drawing/2010/main" w="9525">
+              <a14:hiddenLine xmlns:a14="http://schemas.microsoft.com/office/drawing/2010/main" xmlns="" w="9525">
                 <a:solidFill>
                   <a:schemeClr val="tx1"/>
                 </a:solidFill>
@@ -7464,15 +9215,7 @@
             </a:r>
             <a:r>
               <a:rPr lang="ru-RU" sz="3200" dirty="0" smtClean="0"/>
-              <a:t>, транспортирования заготов</a:t>
-            </a:r>
-            <a:r>
-              <a:rPr lang="ru-RU" sz="3200" dirty="0" smtClean="0"/>
-              <a:t>ок, полуфабрикатов, деталей </a:t>
-            </a:r>
-            <a:r>
-              <a:rPr lang="ru-RU" sz="3200" dirty="0" smtClean="0"/>
-              <a:t>или </a:t>
+              <a:t>, транспортирования заготовок, полуфабрикатов, деталей или </a:t>
             </a:r>
             <a:r>
               <a:rPr lang="ru-RU" sz="3200" dirty="0"/>
@@ -7492,7 +9235,7 @@
     </p:spTree>
     <p:extLst>
       <p:ext uri="{BB962C8B-B14F-4D97-AF65-F5344CB8AC3E}">
-        <p14:creationId xmlns:p14="http://schemas.microsoft.com/office/powerpoint/2010/main" val="1230671389"/>
+        <p14:creationId xmlns:p14="http://schemas.microsoft.com/office/powerpoint/2010/main" xmlns="" val="1230671389"/>
       </p:ext>
     </p:extLst>
   </p:cSld>
@@ -7628,7 +9371,7 @@
           <a:blip r:embed="rId3" cstate="print">
             <a:extLst>
               <a:ext uri="{28A0092B-C50C-407E-A947-70E740481C1C}">
-                <a14:useLocalDpi xmlns:a14="http://schemas.microsoft.com/office/drawing/2010/main" val="0"/>
+                <a14:useLocalDpi xmlns:a14="http://schemas.microsoft.com/office/drawing/2010/main" xmlns="" val="0"/>
               </a:ext>
             </a:extLst>
           </a:blip>
@@ -7648,7 +9391,7 @@
           <a:noFill/>
           <a:extLst>
             <a:ext uri="{909E8E84-426E-40DD-AFC4-6F175D3DCCD1}">
-              <a14:hiddenFill xmlns:a14="http://schemas.microsoft.com/office/drawing/2010/main">
+              <a14:hiddenFill xmlns:a14="http://schemas.microsoft.com/office/drawing/2010/main" xmlns="">
                 <a:solidFill>
                   <a:srgbClr val="FFFFFF"/>
                 </a:solidFill>
@@ -7660,7 +9403,7 @@
     </p:spTree>
     <p:extLst>
       <p:ext uri="{BB962C8B-B14F-4D97-AF65-F5344CB8AC3E}">
-        <p14:creationId xmlns:p14="http://schemas.microsoft.com/office/powerpoint/2010/main" val="3013823244"/>
+        <p14:creationId xmlns:p14="http://schemas.microsoft.com/office/powerpoint/2010/main" xmlns="" val="3013823244"/>
       </p:ext>
     </p:extLst>
   </p:cSld>
@@ -7699,7 +9442,7 @@
           <a:blip r:embed="rId3" cstate="print">
             <a:extLst>
               <a:ext uri="{28A0092B-C50C-407E-A947-70E740481C1C}">
-                <a14:useLocalDpi xmlns:a14="http://schemas.microsoft.com/office/drawing/2010/main" val="0"/>
+                <a14:useLocalDpi xmlns:a14="http://schemas.microsoft.com/office/drawing/2010/main" xmlns="" val="0"/>
               </a:ext>
             </a:extLst>
           </a:blip>
@@ -7719,7 +9462,7 @@
           <a:noFill/>
           <a:extLst>
             <a:ext uri="{909E8E84-426E-40DD-AFC4-6F175D3DCCD1}">
-              <a14:hiddenFill xmlns:a14="http://schemas.microsoft.com/office/drawing/2010/main">
+              <a14:hiddenFill xmlns:a14="http://schemas.microsoft.com/office/drawing/2010/main" xmlns="">
                 <a:solidFill>
                   <a:srgbClr val="FFFFFF"/>
                 </a:solidFill>
@@ -7807,14 +9550,13 @@
               <a:rPr lang="ru-RU" dirty="0"/>
               <a:t>Небрежное отношение рабочих к ТО</a:t>
             </a:r>
-            <a:endParaRPr lang="ru-RU" dirty="0"/>
           </a:p>
         </p:txBody>
       </p:sp>
     </p:spTree>
     <p:extLst>
       <p:ext uri="{BB962C8B-B14F-4D97-AF65-F5344CB8AC3E}">
-        <p14:creationId xmlns:p14="http://schemas.microsoft.com/office/powerpoint/2010/main" val="2755533420"/>
+        <p14:creationId xmlns:p14="http://schemas.microsoft.com/office/powerpoint/2010/main" xmlns="" val="2755533420"/>
       </p:ext>
     </p:extLst>
   </p:cSld>
@@ -7978,7 +9720,7 @@
           <a:blip r:embed="rId3" cstate="print">
             <a:extLst>
               <a:ext uri="{28A0092B-C50C-407E-A947-70E740481C1C}">
-                <a14:useLocalDpi xmlns:a14="http://schemas.microsoft.com/office/drawing/2010/main" val="0"/>
+                <a14:useLocalDpi xmlns:a14="http://schemas.microsoft.com/office/drawing/2010/main" xmlns="" val="0"/>
               </a:ext>
             </a:extLst>
           </a:blip>
@@ -7998,7 +9740,7 @@
           <a:noFill/>
           <a:extLst>
             <a:ext uri="{909E8E84-426E-40DD-AFC4-6F175D3DCCD1}">
-              <a14:hiddenFill xmlns:a14="http://schemas.microsoft.com/office/drawing/2010/main">
+              <a14:hiddenFill xmlns:a14="http://schemas.microsoft.com/office/drawing/2010/main" xmlns="">
                 <a:solidFill>
                   <a:srgbClr val="FFFFFF"/>
                 </a:solidFill>
@@ -8010,7 +9752,7 @@
     </p:spTree>
     <p:extLst>
       <p:ext uri="{BB962C8B-B14F-4D97-AF65-F5344CB8AC3E}">
-        <p14:creationId xmlns:p14="http://schemas.microsoft.com/office/powerpoint/2010/main" val="2324929088"/>
+        <p14:creationId xmlns:p14="http://schemas.microsoft.com/office/powerpoint/2010/main" xmlns="" val="2324929088"/>
       </p:ext>
     </p:extLst>
   </p:cSld>
@@ -8069,7 +9811,6 @@
               <a:rPr lang="ru-RU" b="1" dirty="0"/>
               <a:t>система</a:t>
             </a:r>
-            <a:endParaRPr lang="ru-RU" b="1" dirty="0"/>
           </a:p>
         </p:txBody>
       </p:sp>
@@ -8125,7 +9866,7 @@
           <p:nvPr/>
         </p:nvPicPr>
         <p:blipFill>
-          <a:blip r:embed="rId3"/>
+          <a:blip r:embed="rId3" cstate="print"/>
           <a:stretch>
             <a:fillRect/>
           </a:stretch>
@@ -8147,7 +9888,7 @@
           <p:nvPr/>
         </p:nvPicPr>
         <p:blipFill>
-          <a:blip r:embed="rId4"/>
+          <a:blip r:embed="rId4" cstate="print"/>
           <a:stretch>
             <a:fillRect/>
           </a:stretch>
@@ -8165,7 +9906,7 @@
     </p:spTree>
     <p:extLst>
       <p:ext uri="{BB962C8B-B14F-4D97-AF65-F5344CB8AC3E}">
-        <p14:creationId xmlns:p14="http://schemas.microsoft.com/office/powerpoint/2010/main" val="3365808532"/>
+        <p14:creationId xmlns:p14="http://schemas.microsoft.com/office/powerpoint/2010/main" xmlns="" val="3365808532"/>
       </p:ext>
     </p:extLst>
   </p:cSld>
@@ -8204,7 +9945,7 @@
           <a:blip r:embed="rId3" cstate="print">
             <a:extLst>
               <a:ext uri="{28A0092B-C50C-407E-A947-70E740481C1C}">
-                <a14:useLocalDpi xmlns:a14="http://schemas.microsoft.com/office/drawing/2010/main" val="0"/>
+                <a14:useLocalDpi xmlns:a14="http://schemas.microsoft.com/office/drawing/2010/main" xmlns="" val="0"/>
               </a:ext>
             </a:extLst>
           </a:blip>
@@ -8224,7 +9965,7 @@
           <a:noFill/>
           <a:extLst>
             <a:ext uri="{909E8E84-426E-40DD-AFC4-6F175D3DCCD1}">
-              <a14:hiddenFill xmlns:a14="http://schemas.microsoft.com/office/drawing/2010/main">
+              <a14:hiddenFill xmlns:a14="http://schemas.microsoft.com/office/drawing/2010/main" xmlns="">
                 <a:solidFill>
                   <a:srgbClr val="FFFFFF"/>
                 </a:solidFill>
@@ -8331,10 +10072,10 @@
           <p:nvPr/>
         </p:nvPicPr>
         <p:blipFill>
-          <a:blip r:embed="rId2">
+          <a:blip r:embed="rId2" cstate="print">
             <a:extLst>
               <a:ext uri="{28A0092B-C50C-407E-A947-70E740481C1C}">
-                <a14:useLocalDpi xmlns:a14="http://schemas.microsoft.com/office/drawing/2010/main" val="0"/>
+                <a14:useLocalDpi xmlns:a14="http://schemas.microsoft.com/office/drawing/2010/main" xmlns="" val="0"/>
               </a:ext>
             </a:extLst>
           </a:blip>
@@ -8354,7 +10095,7 @@
           <a:noFill/>
           <a:extLst>
             <a:ext uri="{909E8E84-426E-40DD-AFC4-6F175D3DCCD1}">
-              <a14:hiddenFill xmlns:a14="http://schemas.microsoft.com/office/drawing/2010/main">
+              <a14:hiddenFill xmlns:a14="http://schemas.microsoft.com/office/drawing/2010/main" xmlns="">
                 <a:solidFill>
                   <a:srgbClr val="FFFFFF"/>
                 </a:solidFill>
@@ -8467,10 +10208,10 @@
           <p:nvPr/>
         </p:nvPicPr>
         <p:blipFill>
-          <a:blip r:embed="rId2" cstate="print">
+          <a:blip r:embed="rId3" cstate="print">
             <a:extLst>
               <a:ext uri="{28A0092B-C50C-407E-A947-70E740481C1C}">
-                <a14:useLocalDpi xmlns:a14="http://schemas.microsoft.com/office/drawing/2010/main" val="0"/>
+                <a14:useLocalDpi xmlns:a14="http://schemas.microsoft.com/office/drawing/2010/main" xmlns="" val="0"/>
               </a:ext>
             </a:extLst>
           </a:blip>
@@ -8490,7 +10231,7 @@
           <a:noFill/>
           <a:extLst>
             <a:ext uri="{909E8E84-426E-40DD-AFC4-6F175D3DCCD1}">
-              <a14:hiddenFill xmlns:a14="http://schemas.microsoft.com/office/drawing/2010/main">
+              <a14:hiddenFill xmlns:a14="http://schemas.microsoft.com/office/drawing/2010/main" xmlns="">
                 <a:solidFill>
                   <a:srgbClr val="FFFFFF"/>
                 </a:solidFill>
@@ -8532,36 +10273,325 @@
             <p:ph idx="1"/>
           </p:nvPr>
         </p:nvSpPr>
-        <p:spPr/>
+        <p:spPr>
+          <a:xfrm>
+            <a:off x="457200" y="1428736"/>
+            <a:ext cx="8229600" cy="4697427"/>
+          </a:xfrm>
+        </p:spPr>
         <p:txBody>
           <a:bodyPr/>
           <a:lstStyle/>
+          <a:p>
+            <a:r>
+              <a:rPr lang="ru-RU" b="1" dirty="0" smtClean="0"/>
+              <a:t>Параметр управления </a:t>
+            </a:r>
+          </a:p>
           <a:p>
             <a:pPr>
               <a:buNone/>
             </a:pPr>
+            <a:endParaRPr lang="ru-RU" b="1" dirty="0" smtClean="0"/>
+          </a:p>
+          <a:p>
             <a:r>
               <a:rPr lang="ru-RU" b="1" dirty="0" smtClean="0"/>
-              <a:t>Критерий близости</a:t>
-            </a:r>
-          </a:p>
-          <a:p>
-            <a:r>
-              <a:rPr lang="ru-RU" dirty="0" smtClean="0"/>
-              <a:t>Измеримые параметры</a:t>
-            </a:r>
-          </a:p>
-          <a:p>
-            <a:r>
-              <a:rPr lang="ru-RU" dirty="0" smtClean="0"/>
-              <a:t>Качественные параметры</a:t>
-            </a:r>
-          </a:p>
-          <a:p>
+              <a:t>Целевая функция</a:t>
+            </a:r>
             <a:endParaRPr lang="ru-RU" b="1" dirty="0"/>
           </a:p>
         </p:txBody>
       </p:sp>
+      <p:sp>
+        <p:nvSpPr>
+          <p:cNvPr id="10242" name="Rectangle 2"/>
+          <p:cNvSpPr>
+            <a:spLocks noChangeArrowheads="1"/>
+          </p:cNvSpPr>
+          <p:nvPr/>
+        </p:nvSpPr>
+        <p:spPr bwMode="auto">
+          <a:xfrm>
+            <a:off x="0" y="0"/>
+            <a:ext cx="9144000" cy="0"/>
+          </a:xfrm>
+          <a:prstGeom prst="rect">
+            <a:avLst/>
+          </a:prstGeom>
+          <a:noFill/>
+          <a:ln w="9525">
+            <a:noFill/>
+            <a:miter lim="800000"/>
+            <a:headEnd/>
+            <a:tailEnd/>
+          </a:ln>
+          <a:effectLst/>
+        </p:spPr>
+        <p:txBody>
+          <a:bodyPr vert="horz" wrap="none" lIns="91440" tIns="45720" rIns="91440" bIns="45720" numCol="1" anchor="ctr" anchorCtr="0" compatLnSpc="1">
+            <a:prstTxWarp prst="textNoShape">
+              <a:avLst/>
+            </a:prstTxWarp>
+            <a:spAutoFit/>
+          </a:bodyPr>
+          <a:lstStyle/>
+          <a:p>
+            <a:endParaRPr lang="ru-RU"/>
+          </a:p>
+        </p:txBody>
+      </p:sp>
+      <p:pic>
+        <p:nvPicPr>
+          <p:cNvPr id="10241" name="Picture 1"/>
+          <p:cNvPicPr>
+            <a:picLocks noChangeAspect="1" noChangeArrowheads="1"/>
+          </p:cNvPicPr>
+          <p:nvPr/>
+        </p:nvPicPr>
+        <p:blipFill>
+          <a:blip r:embed="rId4" cstate="print">
+            <a:clrChange>
+              <a:clrFrom>
+                <a:srgbClr val="FFFFFF"/>
+              </a:clrFrom>
+              <a:clrTo>
+                <a:srgbClr val="FFFFFF">
+                  <a:alpha val="0"/>
+                </a:srgbClr>
+              </a:clrTo>
+            </a:clrChange>
+          </a:blip>
+          <a:srcRect/>
+          <a:stretch>
+            <a:fillRect/>
+          </a:stretch>
+        </p:blipFill>
+        <p:spPr bwMode="auto">
+          <a:xfrm>
+            <a:off x="714348" y="2071678"/>
+            <a:ext cx="7280958" cy="500066"/>
+          </a:xfrm>
+          <a:prstGeom prst="rect">
+            <a:avLst/>
+          </a:prstGeom>
+          <a:noFill/>
+        </p:spPr>
+      </p:pic>
+      <p:sp>
+        <p:nvSpPr>
+          <p:cNvPr id="10244" name="Rectangle 4"/>
+          <p:cNvSpPr>
+            <a:spLocks noChangeArrowheads="1"/>
+          </p:cNvSpPr>
+          <p:nvPr/>
+        </p:nvSpPr>
+        <p:spPr bwMode="auto">
+          <a:xfrm>
+            <a:off x="0" y="0"/>
+            <a:ext cx="9144000" cy="457200"/>
+          </a:xfrm>
+          <a:prstGeom prst="rect">
+            <a:avLst/>
+          </a:prstGeom>
+          <a:noFill/>
+          <a:ln w="9525">
+            <a:noFill/>
+            <a:miter lim="800000"/>
+            <a:headEnd/>
+            <a:tailEnd/>
+          </a:ln>
+          <a:effectLst/>
+        </p:spPr>
+        <p:txBody>
+          <a:bodyPr vert="horz" wrap="none" lIns="91440" tIns="45720" rIns="91440" bIns="45720" numCol="1" anchor="ctr" anchorCtr="0" compatLnSpc="1">
+            <a:prstTxWarp prst="textNoShape">
+              <a:avLst/>
+            </a:prstTxWarp>
+            <a:spAutoFit/>
+          </a:bodyPr>
+          <a:lstStyle/>
+          <a:p>
+            <a:endParaRPr lang="ru-RU"/>
+          </a:p>
+        </p:txBody>
+      </p:sp>
+      <p:pic>
+        <p:nvPicPr>
+          <p:cNvPr id="10243" name="Picture 3"/>
+          <p:cNvPicPr>
+            <a:picLocks noChangeAspect="1" noChangeArrowheads="1"/>
+          </p:cNvPicPr>
+          <p:nvPr/>
+        </p:nvPicPr>
+        <p:blipFill>
+          <a:blip r:embed="rId5" cstate="print">
+            <a:clrChange>
+              <a:clrFrom>
+                <a:srgbClr val="FFFFFF"/>
+              </a:clrFrom>
+              <a:clrTo>
+                <a:srgbClr val="FFFFFF">
+                  <a:alpha val="0"/>
+                </a:srgbClr>
+              </a:clrTo>
+            </a:clrChange>
+          </a:blip>
+          <a:srcRect/>
+          <a:stretch>
+            <a:fillRect/>
+          </a:stretch>
+        </p:blipFill>
+        <p:spPr bwMode="auto">
+          <a:xfrm>
+            <a:off x="785786" y="3214686"/>
+            <a:ext cx="6591249" cy="785818"/>
+          </a:xfrm>
+          <a:prstGeom prst="rect">
+            <a:avLst/>
+          </a:prstGeom>
+          <a:noFill/>
+        </p:spPr>
+      </p:pic>
+      <p:sp>
+        <p:nvSpPr>
+          <p:cNvPr id="10245" name="Rectangle 5"/>
+          <p:cNvSpPr>
+            <a:spLocks noChangeArrowheads="1"/>
+          </p:cNvSpPr>
+          <p:nvPr/>
+        </p:nvSpPr>
+        <p:spPr bwMode="auto">
+          <a:xfrm>
+            <a:off x="0" y="923925"/>
+            <a:ext cx="9144000" cy="0"/>
+          </a:xfrm>
+          <a:prstGeom prst="rect">
+            <a:avLst/>
+          </a:prstGeom>
+          <a:noFill/>
+          <a:ln w="9525">
+            <a:noFill/>
+            <a:miter lim="800000"/>
+            <a:headEnd/>
+            <a:tailEnd/>
+          </a:ln>
+          <a:effectLst/>
+        </p:spPr>
+        <p:txBody>
+          <a:bodyPr vert="horz" wrap="none" lIns="91440" tIns="45720" rIns="91440" bIns="45720" numCol="1" anchor="ctr" anchorCtr="0" compatLnSpc="1">
+            <a:prstTxWarp prst="textNoShape">
+              <a:avLst/>
+            </a:prstTxWarp>
+            <a:spAutoFit/>
+          </a:bodyPr>
+          <a:lstStyle/>
+          <a:p>
+            <a:pPr marL="0" marR="0" lvl="0" indent="0" algn="l" defTabSz="914400" rtl="0" eaLnBrk="1" fontAlgn="base" latinLnBrk="0" hangingPunct="1">
+              <a:lnSpc>
+                <a:spcPct val="100000"/>
+              </a:lnSpc>
+              <a:spcBef>
+                <a:spcPct val="0"/>
+              </a:spcBef>
+              <a:spcAft>
+                <a:spcPct val="0"/>
+              </a:spcAft>
+              <a:buClrTx/>
+              <a:buSzTx/>
+              <a:buFontTx/>
+              <a:buNone/>
+              <a:tabLst/>
+            </a:pPr>
+            <a:endParaRPr kumimoji="0" lang="ru-RU" sz="1800" b="0" i="0" u="none" strike="noStrike" cap="none" normalizeH="0" baseline="0" smtClean="0">
+              <a:ln>
+                <a:noFill/>
+              </a:ln>
+              <a:solidFill>
+                <a:schemeClr val="tx1"/>
+              </a:solidFill>
+              <a:effectLst/>
+              <a:latin typeface="Arial" pitchFamily="34" charset="0"/>
+              <a:cs typeface="Arial" pitchFamily="34" charset="0"/>
+            </a:endParaRPr>
+          </a:p>
+        </p:txBody>
+      </p:sp>
+      <p:sp>
+        <p:nvSpPr>
+          <p:cNvPr id="10247" name="Rectangle 7"/>
+          <p:cNvSpPr>
+            <a:spLocks noChangeArrowheads="1"/>
+          </p:cNvSpPr>
+          <p:nvPr/>
+        </p:nvSpPr>
+        <p:spPr bwMode="auto">
+          <a:xfrm>
+            <a:off x="0" y="0"/>
+            <a:ext cx="9144000" cy="0"/>
+          </a:xfrm>
+          <a:prstGeom prst="rect">
+            <a:avLst/>
+          </a:prstGeom>
+          <a:noFill/>
+          <a:ln w="9525">
+            <a:noFill/>
+            <a:miter lim="800000"/>
+            <a:headEnd/>
+            <a:tailEnd/>
+          </a:ln>
+          <a:effectLst/>
+        </p:spPr>
+        <p:txBody>
+          <a:bodyPr vert="horz" wrap="none" lIns="91440" tIns="45720" rIns="91440" bIns="45720" numCol="1" anchor="ctr" anchorCtr="0" compatLnSpc="1">
+            <a:prstTxWarp prst="textNoShape">
+              <a:avLst/>
+            </a:prstTxWarp>
+            <a:spAutoFit/>
+          </a:bodyPr>
+          <a:lstStyle/>
+          <a:p>
+            <a:endParaRPr lang="ru-RU"/>
+          </a:p>
+        </p:txBody>
+      </p:sp>
+      <p:pic>
+        <p:nvPicPr>
+          <p:cNvPr id="10246" name="Picture 6"/>
+          <p:cNvPicPr>
+            <a:picLocks noChangeAspect="1" noChangeArrowheads="1"/>
+          </p:cNvPicPr>
+          <p:nvPr/>
+        </p:nvPicPr>
+        <p:blipFill>
+          <a:blip r:embed="rId6" cstate="print">
+            <a:clrChange>
+              <a:clrFrom>
+                <a:srgbClr val="FFFFFF"/>
+              </a:clrFrom>
+              <a:clrTo>
+                <a:srgbClr val="FFFFFF">
+                  <a:alpha val="0"/>
+                </a:srgbClr>
+              </a:clrTo>
+            </a:clrChange>
+          </a:blip>
+          <a:srcRect/>
+          <a:stretch>
+            <a:fillRect/>
+          </a:stretch>
+        </p:blipFill>
+        <p:spPr bwMode="auto">
+          <a:xfrm>
+            <a:off x="2285984" y="4000504"/>
+            <a:ext cx="3802700" cy="496835"/>
+          </a:xfrm>
+          <a:prstGeom prst="rect">
+            <a:avLst/>
+          </a:prstGeom>
+          <a:noFill/>
+        </p:spPr>
+      </p:pic>
     </p:spTree>
   </p:cSld>
   <p:clrMapOvr>
